--- a/BDMslide.pptx
+++ b/BDMslide.pptx
@@ -2,13 +2,19 @@
 <file path=ppt/presentation.xml><?xml version="1.0" encoding="utf-8"?>
 <p:presentation xmlns:a="http://schemas.openxmlformats.org/drawingml/2006/main" xmlns:r="http://schemas.openxmlformats.org/officeDocument/2006/relationships" xmlns:p="http://schemas.openxmlformats.org/presentationml/2006/main" saveSubsetFonts="1" autoCompressPictures="0">
   <p:sldMasterIdLst>
-    <p:sldMasterId id="2147483780" r:id="rId1"/>
+    <p:sldMasterId id="2147484056" r:id="rId1"/>
   </p:sldMasterIdLst>
+  <p:notesMasterIdLst>
+    <p:notesMasterId r:id="rId9"/>
+  </p:notesMasterIdLst>
   <p:sldIdLst>
     <p:sldId id="256" r:id="rId2"/>
-    <p:sldId id="257" r:id="rId3"/>
-    <p:sldId id="258" r:id="rId4"/>
-    <p:sldId id="259" r:id="rId5"/>
+    <p:sldId id="262" r:id="rId3"/>
+    <p:sldId id="257" r:id="rId4"/>
+    <p:sldId id="260" r:id="rId5"/>
+    <p:sldId id="258" r:id="rId6"/>
+    <p:sldId id="259" r:id="rId7"/>
+    <p:sldId id="261" r:id="rId8"/>
   </p:sldIdLst>
   <p:sldSz cx="12192000" cy="6858000"/>
   <p:notesSz cx="6858000" cy="9144000"/>
@@ -107,7 +113,478 @@
       </a:defRPr>
     </a:lvl9pPr>
   </p:defaultTextStyle>
+  <p:extLst>
+    <p:ext uri="{EFAFB233-063F-42B5-8137-9DF3F51BA10A}">
+      <p15:sldGuideLst xmlns:p15="http://schemas.microsoft.com/office/powerpoint/2012/main"/>
+    </p:ext>
+  </p:extLst>
 </p:presentation>
+</file>
+
+<file path=ppt/notesMasters/notesMaster1.xml><?xml version="1.0" encoding="utf-8"?>
+<p:notesMaster xmlns:a="http://schemas.openxmlformats.org/drawingml/2006/main" xmlns:r="http://schemas.openxmlformats.org/officeDocument/2006/relationships" xmlns:p="http://schemas.openxmlformats.org/presentationml/2006/main">
+  <p:cSld>
+    <p:bg>
+      <p:bgRef idx="1001">
+        <a:schemeClr val="bg1"/>
+      </p:bgRef>
+    </p:bg>
+    <p:spTree>
+      <p:nvGrpSpPr>
+        <p:cNvPr id="1" name=""/>
+        <p:cNvGrpSpPr/>
+        <p:nvPr/>
+      </p:nvGrpSpPr>
+      <p:grpSpPr>
+        <a:xfrm>
+          <a:off x="0" y="0"/>
+          <a:ext cx="0" cy="0"/>
+          <a:chOff x="0" y="0"/>
+          <a:chExt cx="0" cy="0"/>
+        </a:xfrm>
+      </p:grpSpPr>
+      <p:sp>
+        <p:nvSpPr>
+          <p:cNvPr id="2" name="ヘッダー プレースホルダー 1"/>
+          <p:cNvSpPr>
+            <a:spLocks noGrp="1"/>
+          </p:cNvSpPr>
+          <p:nvPr>
+            <p:ph type="hdr" sz="quarter"/>
+          </p:nvPr>
+        </p:nvSpPr>
+        <p:spPr>
+          <a:xfrm>
+            <a:off x="0" y="0"/>
+            <a:ext cx="2971800" cy="458788"/>
+          </a:xfrm>
+          <a:prstGeom prst="rect">
+            <a:avLst/>
+          </a:prstGeom>
+        </p:spPr>
+        <p:txBody>
+          <a:bodyPr vert="horz" lIns="91440" tIns="45720" rIns="91440" bIns="45720" rtlCol="0"/>
+          <a:lstStyle>
+            <a:lvl1pPr algn="l">
+              <a:defRPr sz="1200"/>
+            </a:lvl1pPr>
+          </a:lstStyle>
+          <a:p>
+            <a:endParaRPr kumimoji="1" lang="ja-JP" altLang="en-US"/>
+          </a:p>
+        </p:txBody>
+      </p:sp>
+      <p:sp>
+        <p:nvSpPr>
+          <p:cNvPr id="3" name="日付プレースホルダー 2"/>
+          <p:cNvSpPr>
+            <a:spLocks noGrp="1"/>
+          </p:cNvSpPr>
+          <p:nvPr>
+            <p:ph type="dt" idx="1"/>
+          </p:nvPr>
+        </p:nvSpPr>
+        <p:spPr>
+          <a:xfrm>
+            <a:off x="3884613" y="0"/>
+            <a:ext cx="2971800" cy="458788"/>
+          </a:xfrm>
+          <a:prstGeom prst="rect">
+            <a:avLst/>
+          </a:prstGeom>
+        </p:spPr>
+        <p:txBody>
+          <a:bodyPr vert="horz" lIns="91440" tIns="45720" rIns="91440" bIns="45720" rtlCol="0"/>
+          <a:lstStyle>
+            <a:lvl1pPr algn="r">
+              <a:defRPr sz="1200"/>
+            </a:lvl1pPr>
+          </a:lstStyle>
+          <a:p>
+            <a:fld id="{38A207AF-6BA9-8A4D-BDEA-E3C204128797}" type="datetimeFigureOut">
+              <a:rPr kumimoji="1" lang="ja-JP" altLang="en-US" smtClean="0"/>
+              <a:t>2018/1/11</a:t>
+            </a:fld>
+            <a:endParaRPr kumimoji="1" lang="ja-JP" altLang="en-US"/>
+          </a:p>
+        </p:txBody>
+      </p:sp>
+      <p:sp>
+        <p:nvSpPr>
+          <p:cNvPr id="4" name="スライド イメージ プレースホルダー 3"/>
+          <p:cNvSpPr>
+            <a:spLocks noGrp="1" noRot="1" noChangeAspect="1"/>
+          </p:cNvSpPr>
+          <p:nvPr>
+            <p:ph type="sldImg" idx="2"/>
+          </p:nvPr>
+        </p:nvSpPr>
+        <p:spPr>
+          <a:xfrm>
+            <a:off x="685800" y="1143000"/>
+            <a:ext cx="5486400" cy="3086100"/>
+          </a:xfrm>
+          <a:prstGeom prst="rect">
+            <a:avLst/>
+          </a:prstGeom>
+          <a:noFill/>
+          <a:ln w="12700">
+            <a:solidFill>
+              <a:prstClr val="black"/>
+            </a:solidFill>
+          </a:ln>
+        </p:spPr>
+        <p:txBody>
+          <a:bodyPr vert="horz" lIns="91440" tIns="45720" rIns="91440" bIns="45720" rtlCol="0" anchor="ctr"/>
+          <a:lstStyle/>
+          <a:p>
+            <a:endParaRPr lang="ja-JP" altLang="en-US"/>
+          </a:p>
+        </p:txBody>
+      </p:sp>
+      <p:sp>
+        <p:nvSpPr>
+          <p:cNvPr id="5" name="ノート プレースホルダー 4"/>
+          <p:cNvSpPr>
+            <a:spLocks noGrp="1"/>
+          </p:cNvSpPr>
+          <p:nvPr>
+            <p:ph type="body" sz="quarter" idx="3"/>
+          </p:nvPr>
+        </p:nvSpPr>
+        <p:spPr>
+          <a:xfrm>
+            <a:off x="685800" y="4400550"/>
+            <a:ext cx="5486400" cy="3600450"/>
+          </a:xfrm>
+          <a:prstGeom prst="rect">
+            <a:avLst/>
+          </a:prstGeom>
+        </p:spPr>
+        <p:txBody>
+          <a:bodyPr vert="horz" lIns="91440" tIns="45720" rIns="91440" bIns="45720" rtlCol="0"/>
+          <a:lstStyle/>
+          <a:p>
+            <a:pPr lvl="0"/>
+            <a:r>
+              <a:rPr kumimoji="1" lang="ja-JP" altLang="en-US" smtClean="0"/>
+              <a:t>マスター テキストの書式設定</a:t>
+            </a:r>
+          </a:p>
+          <a:p>
+            <a:pPr lvl="1"/>
+            <a:r>
+              <a:rPr kumimoji="1" lang="ja-JP" altLang="en-US" smtClean="0"/>
+              <a:t>第 </a:t>
+            </a:r>
+            <a:r>
+              <a:rPr kumimoji="1" lang="en-US" altLang="ja-JP" smtClean="0"/>
+              <a:t>2 </a:t>
+            </a:r>
+            <a:r>
+              <a:rPr kumimoji="1" lang="ja-JP" altLang="en-US" smtClean="0"/>
+              <a:t>レベル</a:t>
+            </a:r>
+          </a:p>
+          <a:p>
+            <a:pPr lvl="2"/>
+            <a:r>
+              <a:rPr kumimoji="1" lang="ja-JP" altLang="en-US" smtClean="0"/>
+              <a:t>第 </a:t>
+            </a:r>
+            <a:r>
+              <a:rPr kumimoji="1" lang="en-US" altLang="ja-JP" smtClean="0"/>
+              <a:t>3 </a:t>
+            </a:r>
+            <a:r>
+              <a:rPr kumimoji="1" lang="ja-JP" altLang="en-US" smtClean="0"/>
+              <a:t>レベル</a:t>
+            </a:r>
+          </a:p>
+          <a:p>
+            <a:pPr lvl="3"/>
+            <a:r>
+              <a:rPr kumimoji="1" lang="ja-JP" altLang="en-US" smtClean="0"/>
+              <a:t>第 </a:t>
+            </a:r>
+            <a:r>
+              <a:rPr kumimoji="1" lang="en-US" altLang="ja-JP" smtClean="0"/>
+              <a:t>4 </a:t>
+            </a:r>
+            <a:r>
+              <a:rPr kumimoji="1" lang="ja-JP" altLang="en-US" smtClean="0"/>
+              <a:t>レベル</a:t>
+            </a:r>
+          </a:p>
+          <a:p>
+            <a:pPr lvl="4"/>
+            <a:r>
+              <a:rPr kumimoji="1" lang="ja-JP" altLang="en-US" smtClean="0"/>
+              <a:t>第 </a:t>
+            </a:r>
+            <a:r>
+              <a:rPr kumimoji="1" lang="en-US" altLang="ja-JP" smtClean="0"/>
+              <a:t>5 </a:t>
+            </a:r>
+            <a:r>
+              <a:rPr kumimoji="1" lang="ja-JP" altLang="en-US" smtClean="0"/>
+              <a:t>レベル</a:t>
+            </a:r>
+            <a:endParaRPr kumimoji="1" lang="ja-JP" altLang="en-US"/>
+          </a:p>
+        </p:txBody>
+      </p:sp>
+      <p:sp>
+        <p:nvSpPr>
+          <p:cNvPr id="6" name="フッター プレースホルダー 5"/>
+          <p:cNvSpPr>
+            <a:spLocks noGrp="1"/>
+          </p:cNvSpPr>
+          <p:nvPr>
+            <p:ph type="ftr" sz="quarter" idx="4"/>
+          </p:nvPr>
+        </p:nvSpPr>
+        <p:spPr>
+          <a:xfrm>
+            <a:off x="0" y="8685213"/>
+            <a:ext cx="2971800" cy="458787"/>
+          </a:xfrm>
+          <a:prstGeom prst="rect">
+            <a:avLst/>
+          </a:prstGeom>
+        </p:spPr>
+        <p:txBody>
+          <a:bodyPr vert="horz" lIns="91440" tIns="45720" rIns="91440" bIns="45720" rtlCol="0" anchor="b"/>
+          <a:lstStyle>
+            <a:lvl1pPr algn="l">
+              <a:defRPr sz="1200"/>
+            </a:lvl1pPr>
+          </a:lstStyle>
+          <a:p>
+            <a:endParaRPr kumimoji="1" lang="ja-JP" altLang="en-US"/>
+          </a:p>
+        </p:txBody>
+      </p:sp>
+      <p:sp>
+        <p:nvSpPr>
+          <p:cNvPr id="7" name="スライド番号プレースホルダー 6"/>
+          <p:cNvSpPr>
+            <a:spLocks noGrp="1"/>
+          </p:cNvSpPr>
+          <p:nvPr>
+            <p:ph type="sldNum" sz="quarter" idx="5"/>
+          </p:nvPr>
+        </p:nvSpPr>
+        <p:spPr>
+          <a:xfrm>
+            <a:off x="3884613" y="8685213"/>
+            <a:ext cx="2971800" cy="458787"/>
+          </a:xfrm>
+          <a:prstGeom prst="rect">
+            <a:avLst/>
+          </a:prstGeom>
+        </p:spPr>
+        <p:txBody>
+          <a:bodyPr vert="horz" lIns="91440" tIns="45720" rIns="91440" bIns="45720" rtlCol="0" anchor="b"/>
+          <a:lstStyle>
+            <a:lvl1pPr algn="r">
+              <a:defRPr sz="1200"/>
+            </a:lvl1pPr>
+          </a:lstStyle>
+          <a:p>
+            <a:fld id="{07F7D760-A40D-4E4E-9E9F-62D4A1369A06}" type="slidenum">
+              <a:rPr kumimoji="1" lang="ja-JP" altLang="en-US" smtClean="0"/>
+              <a:t>‹#›</a:t>
+            </a:fld>
+            <a:endParaRPr kumimoji="1" lang="ja-JP" altLang="en-US"/>
+          </a:p>
+        </p:txBody>
+      </p:sp>
+    </p:spTree>
+    <p:extLst>
+      <p:ext uri="{BB962C8B-B14F-4D97-AF65-F5344CB8AC3E}">
+        <p14:creationId xmlns:p14="http://schemas.microsoft.com/office/powerpoint/2010/main" val="2003370977"/>
+      </p:ext>
+    </p:extLst>
+  </p:cSld>
+  <p:clrMap bg1="lt1" tx1="dk1" bg2="lt2" tx2="dk2" accent1="accent1" accent2="accent2" accent3="accent3" accent4="accent4" accent5="accent5" accent6="accent6" hlink="hlink" folHlink="folHlink"/>
+  <p:notesStyle>
+    <a:lvl1pPr marL="0" algn="l" defTabSz="914400" rtl="0" eaLnBrk="1" latinLnBrk="0" hangingPunct="1">
+      <a:defRPr kumimoji="1" sz="1200" kern="1200">
+        <a:solidFill>
+          <a:schemeClr val="tx1"/>
+        </a:solidFill>
+        <a:latin typeface="+mn-lt"/>
+        <a:ea typeface="+mn-ea"/>
+        <a:cs typeface="+mn-cs"/>
+      </a:defRPr>
+    </a:lvl1pPr>
+    <a:lvl2pPr marL="457200" algn="l" defTabSz="914400" rtl="0" eaLnBrk="1" latinLnBrk="0" hangingPunct="1">
+      <a:defRPr kumimoji="1" sz="1200" kern="1200">
+        <a:solidFill>
+          <a:schemeClr val="tx1"/>
+        </a:solidFill>
+        <a:latin typeface="+mn-lt"/>
+        <a:ea typeface="+mn-ea"/>
+        <a:cs typeface="+mn-cs"/>
+      </a:defRPr>
+    </a:lvl2pPr>
+    <a:lvl3pPr marL="914400" algn="l" defTabSz="914400" rtl="0" eaLnBrk="1" latinLnBrk="0" hangingPunct="1">
+      <a:defRPr kumimoji="1" sz="1200" kern="1200">
+        <a:solidFill>
+          <a:schemeClr val="tx1"/>
+        </a:solidFill>
+        <a:latin typeface="+mn-lt"/>
+        <a:ea typeface="+mn-ea"/>
+        <a:cs typeface="+mn-cs"/>
+      </a:defRPr>
+    </a:lvl3pPr>
+    <a:lvl4pPr marL="1371600" algn="l" defTabSz="914400" rtl="0" eaLnBrk="1" latinLnBrk="0" hangingPunct="1">
+      <a:defRPr kumimoji="1" sz="1200" kern="1200">
+        <a:solidFill>
+          <a:schemeClr val="tx1"/>
+        </a:solidFill>
+        <a:latin typeface="+mn-lt"/>
+        <a:ea typeface="+mn-ea"/>
+        <a:cs typeface="+mn-cs"/>
+      </a:defRPr>
+    </a:lvl4pPr>
+    <a:lvl5pPr marL="1828800" algn="l" defTabSz="914400" rtl="0" eaLnBrk="1" latinLnBrk="0" hangingPunct="1">
+      <a:defRPr kumimoji="1" sz="1200" kern="1200">
+        <a:solidFill>
+          <a:schemeClr val="tx1"/>
+        </a:solidFill>
+        <a:latin typeface="+mn-lt"/>
+        <a:ea typeface="+mn-ea"/>
+        <a:cs typeface="+mn-cs"/>
+      </a:defRPr>
+    </a:lvl5pPr>
+    <a:lvl6pPr marL="2286000" algn="l" defTabSz="914400" rtl="0" eaLnBrk="1" latinLnBrk="0" hangingPunct="1">
+      <a:defRPr kumimoji="1" sz="1200" kern="1200">
+        <a:solidFill>
+          <a:schemeClr val="tx1"/>
+        </a:solidFill>
+        <a:latin typeface="+mn-lt"/>
+        <a:ea typeface="+mn-ea"/>
+        <a:cs typeface="+mn-cs"/>
+      </a:defRPr>
+    </a:lvl6pPr>
+    <a:lvl7pPr marL="2743200" algn="l" defTabSz="914400" rtl="0" eaLnBrk="1" latinLnBrk="0" hangingPunct="1">
+      <a:defRPr kumimoji="1" sz="1200" kern="1200">
+        <a:solidFill>
+          <a:schemeClr val="tx1"/>
+        </a:solidFill>
+        <a:latin typeface="+mn-lt"/>
+        <a:ea typeface="+mn-ea"/>
+        <a:cs typeface="+mn-cs"/>
+      </a:defRPr>
+    </a:lvl7pPr>
+    <a:lvl8pPr marL="3200400" algn="l" defTabSz="914400" rtl="0" eaLnBrk="1" latinLnBrk="0" hangingPunct="1">
+      <a:defRPr kumimoji="1" sz="1200" kern="1200">
+        <a:solidFill>
+          <a:schemeClr val="tx1"/>
+        </a:solidFill>
+        <a:latin typeface="+mn-lt"/>
+        <a:ea typeface="+mn-ea"/>
+        <a:cs typeface="+mn-cs"/>
+      </a:defRPr>
+    </a:lvl8pPr>
+    <a:lvl9pPr marL="3657600" algn="l" defTabSz="914400" rtl="0" eaLnBrk="1" latinLnBrk="0" hangingPunct="1">
+      <a:defRPr kumimoji="1" sz="1200" kern="1200">
+        <a:solidFill>
+          <a:schemeClr val="tx1"/>
+        </a:solidFill>
+        <a:latin typeface="+mn-lt"/>
+        <a:ea typeface="+mn-ea"/>
+        <a:cs typeface="+mn-cs"/>
+      </a:defRPr>
+    </a:lvl9pPr>
+  </p:notesStyle>
+</p:notesMaster>
+</file>
+
+<file path=ppt/notesSlides/notesSlide1.xml><?xml version="1.0" encoding="utf-8"?>
+<p:notes xmlns:a="http://schemas.openxmlformats.org/drawingml/2006/main" xmlns:r="http://schemas.openxmlformats.org/officeDocument/2006/relationships" xmlns:p="http://schemas.openxmlformats.org/presentationml/2006/main">
+  <p:cSld>
+    <p:spTree>
+      <p:nvGrpSpPr>
+        <p:cNvPr id="1" name=""/>
+        <p:cNvGrpSpPr/>
+        <p:nvPr/>
+      </p:nvGrpSpPr>
+      <p:grpSpPr>
+        <a:xfrm>
+          <a:off x="0" y="0"/>
+          <a:ext cx="0" cy="0"/>
+          <a:chOff x="0" y="0"/>
+          <a:chExt cx="0" cy="0"/>
+        </a:xfrm>
+      </p:grpSpPr>
+      <p:sp>
+        <p:nvSpPr>
+          <p:cNvPr id="2" name="スライド イメージ プレースホルダー 1"/>
+          <p:cNvSpPr>
+            <a:spLocks noGrp="1" noRot="1" noChangeAspect="1"/>
+          </p:cNvSpPr>
+          <p:nvPr>
+            <p:ph type="sldImg"/>
+          </p:nvPr>
+        </p:nvSpPr>
+        <p:spPr/>
+      </p:sp>
+      <p:sp>
+        <p:nvSpPr>
+          <p:cNvPr id="3" name="ノート プレースホルダー 2"/>
+          <p:cNvSpPr>
+            <a:spLocks noGrp="1"/>
+          </p:cNvSpPr>
+          <p:nvPr>
+            <p:ph type="body" idx="1"/>
+          </p:nvPr>
+        </p:nvSpPr>
+        <p:spPr/>
+        <p:txBody>
+          <a:bodyPr/>
+          <a:lstStyle/>
+          <a:p>
+            <a:endParaRPr kumimoji="1" lang="ja-JP" altLang="en-US" dirty="0"/>
+          </a:p>
+        </p:txBody>
+      </p:sp>
+      <p:sp>
+        <p:nvSpPr>
+          <p:cNvPr id="4" name="スライド番号プレースホルダー 3"/>
+          <p:cNvSpPr>
+            <a:spLocks noGrp="1"/>
+          </p:cNvSpPr>
+          <p:nvPr>
+            <p:ph type="sldNum" sz="quarter" idx="10"/>
+          </p:nvPr>
+        </p:nvSpPr>
+        <p:spPr/>
+        <p:txBody>
+          <a:bodyPr/>
+          <a:lstStyle/>
+          <a:p>
+            <a:fld id="{07F7D760-A40D-4E4E-9E9F-62D4A1369A06}" type="slidenum">
+              <a:rPr kumimoji="1" lang="ja-JP" altLang="en-US" smtClean="0"/>
+              <a:t>7</a:t>
+            </a:fld>
+            <a:endParaRPr kumimoji="1" lang="ja-JP" altLang="en-US"/>
+          </a:p>
+        </p:txBody>
+      </p:sp>
+    </p:spTree>
+    <p:extLst>
+      <p:ext uri="{BB962C8B-B14F-4D97-AF65-F5344CB8AC3E}">
+        <p14:creationId xmlns:p14="http://schemas.microsoft.com/office/powerpoint/2010/main" val="259909126"/>
+      </p:ext>
+    </p:extLst>
+  </p:cSld>
+  <p:clrMapOvr>
+    <a:masterClrMapping/>
+  </p:clrMapOvr>
+</p:notes>
 </file>
 
 <file path=ppt/slideLayouts/slideLayout1.xml><?xml version="1.0" encoding="utf-8"?>
@@ -127,9 +604,39 @@
           <a:chExt cx="0" cy="0"/>
         </a:xfrm>
       </p:grpSpPr>
-      <p:sp>
-        <p:nvSpPr>
-          <p:cNvPr id="2" name="タイトル 1"/>
+      <p:pic>
+        <p:nvPicPr>
+          <p:cNvPr id="7" name="Picture 6" descr="Droplets-HD-Title-R1d.png"/>
+          <p:cNvPicPr>
+            <a:picLocks noChangeAspect="1"/>
+          </p:cNvPicPr>
+          <p:nvPr/>
+        </p:nvPicPr>
+        <p:blipFill>
+          <a:blip r:embed="rId2">
+            <a:extLst>
+              <a:ext uri="{28A0092B-C50C-407E-A947-70E740481C1C}">
+                <a14:useLocalDpi xmlns:a14="http://schemas.microsoft.com/office/drawing/2010/main" val="0"/>
+              </a:ext>
+            </a:extLst>
+          </a:blip>
+          <a:stretch>
+            <a:fillRect/>
+          </a:stretch>
+        </p:blipFill>
+        <p:spPr>
+          <a:xfrm>
+            <a:off x="0" y="0"/>
+            <a:ext cx="12192000" cy="6858000"/>
+          </a:xfrm>
+          <a:prstGeom prst="rect">
+            <a:avLst/>
+          </a:prstGeom>
+        </p:spPr>
+      </p:pic>
+      <p:sp>
+        <p:nvSpPr>
+          <p:cNvPr id="2" name="Title 1"/>
           <p:cNvSpPr>
             <a:spLocks noGrp="1"/>
           </p:cNvSpPr>
@@ -139,29 +646,31 @@
         </p:nvSpPr>
         <p:spPr>
           <a:xfrm>
-            <a:off x="1524000" y="1122363"/>
-            <a:ext cx="9144000" cy="2387600"/>
-          </a:xfrm>
-        </p:spPr>
-        <p:txBody>
-          <a:bodyPr anchor="b"/>
+            <a:off x="1751012" y="1300785"/>
+            <a:ext cx="8689976" cy="2509213"/>
+          </a:xfrm>
+        </p:spPr>
+        <p:txBody>
+          <a:bodyPr anchor="b">
+            <a:normAutofit/>
+          </a:bodyPr>
           <a:lstStyle>
             <a:lvl1pPr algn="ctr">
-              <a:defRPr sz="6000"/>
+              <a:defRPr sz="4800"/>
             </a:lvl1pPr>
           </a:lstStyle>
           <a:p>
             <a:r>
-              <a:rPr kumimoji="1" lang="ja-JP" altLang="en-US" smtClean="0"/>
+              <a:rPr lang="ja-JP" altLang="en-US" smtClean="0"/>
               <a:t>マスター タイトルの書式設定</a:t>
             </a:r>
-            <a:endParaRPr kumimoji="1" lang="ja-JP" altLang="en-US"/>
-          </a:p>
-        </p:txBody>
-      </p:sp>
-      <p:sp>
-        <p:nvSpPr>
-          <p:cNvPr id="3" name="サブタイトル 2"/>
+            <a:endParaRPr lang="en-US" dirty="0"/>
+          </a:p>
+        </p:txBody>
+      </p:sp>
+      <p:sp>
+        <p:nvSpPr>
+          <p:cNvPr id="3" name="Subtitle 2"/>
           <p:cNvSpPr>
             <a:spLocks noGrp="1"/>
           </p:cNvSpPr>
@@ -171,16 +680,24 @@
         </p:nvSpPr>
         <p:spPr>
           <a:xfrm>
-            <a:off x="1524000" y="3602038"/>
-            <a:ext cx="9144000" cy="1655762"/>
-          </a:xfrm>
-        </p:spPr>
-        <p:txBody>
-          <a:bodyPr/>
+            <a:off x="1751012" y="3886200"/>
+            <a:ext cx="8689976" cy="1371599"/>
+          </a:xfrm>
+        </p:spPr>
+        <p:txBody>
+          <a:bodyPr>
+            <a:normAutofit/>
+          </a:bodyPr>
           <a:lstStyle>
             <a:lvl1pPr marL="0" indent="0" algn="ctr">
               <a:buNone/>
-              <a:defRPr sz="2400"/>
+              <a:defRPr sz="2200">
+                <a:solidFill>
+                  <a:schemeClr val="bg1">
+                    <a:lumMod val="50000"/>
+                  </a:schemeClr>
+                </a:solidFill>
+              </a:defRPr>
             </a:lvl1pPr>
             <a:lvl2pPr marL="457200" indent="0" algn="ctr">
               <a:buNone/>
@@ -217,16 +734,16 @@
           </a:lstStyle>
           <a:p>
             <a:r>
-              <a:rPr kumimoji="1" lang="ja-JP" altLang="en-US" smtClean="0"/>
+              <a:rPr lang="ja-JP" altLang="en-US" smtClean="0"/>
               <a:t>マスター サブタイトルの書式設定</a:t>
             </a:r>
-            <a:endParaRPr kumimoji="1" lang="ja-JP" altLang="en-US"/>
-          </a:p>
-        </p:txBody>
-      </p:sp>
-      <p:sp>
-        <p:nvSpPr>
-          <p:cNvPr id="4" name="日付プレースホルダー 3"/>
+            <a:endParaRPr lang="en-US" dirty="0"/>
+          </a:p>
+        </p:txBody>
+      </p:sp>
+      <p:sp>
+        <p:nvSpPr>
+          <p:cNvPr id="4" name="Date Placeholder 3"/>
           <p:cNvSpPr>
             <a:spLocks noGrp="1"/>
           </p:cNvSpPr>
@@ -249,7 +766,7 @@
       </p:sp>
       <p:sp>
         <p:nvSpPr>
-          <p:cNvPr id="5" name="フッター プレースホルダー 4"/>
+          <p:cNvPr id="5" name="Footer Placeholder 4"/>
           <p:cNvSpPr>
             <a:spLocks noGrp="1"/>
           </p:cNvSpPr>
@@ -268,7 +785,7 @@
       </p:sp>
       <p:sp>
         <p:nvSpPr>
-          <p:cNvPr id="6" name="スライド番号プレースホルダー 5"/>
+          <p:cNvPr id="6" name="Slide Number Placeholder 5"/>
           <p:cNvSpPr>
             <a:spLocks noGrp="1"/>
           </p:cNvSpPr>
@@ -303,6 +820,2683 @@
 </file>
 
 <file path=ppt/slideLayouts/slideLayout10.xml><?xml version="1.0" encoding="utf-8"?>
+<p:sldLayout xmlns:a="http://schemas.openxmlformats.org/drawingml/2006/main" xmlns:r="http://schemas.openxmlformats.org/officeDocument/2006/relationships" xmlns:p="http://schemas.openxmlformats.org/presentationml/2006/main" preserve="1">
+  <p:cSld name="パノラマ写真 (キャプション付き)">
+    <p:spTree>
+      <p:nvGrpSpPr>
+        <p:cNvPr id="1" name=""/>
+        <p:cNvGrpSpPr/>
+        <p:nvPr/>
+      </p:nvGrpSpPr>
+      <p:grpSpPr>
+        <a:xfrm>
+          <a:off x="0" y="0"/>
+          <a:ext cx="0" cy="0"/>
+          <a:chOff x="0" y="0"/>
+          <a:chExt cx="0" cy="0"/>
+        </a:xfrm>
+      </p:grpSpPr>
+      <p:pic>
+        <p:nvPicPr>
+          <p:cNvPr id="10" name="Picture 9" descr="Droplets-HD-Content-R1d.png"/>
+          <p:cNvPicPr>
+            <a:picLocks noChangeAspect="1"/>
+          </p:cNvPicPr>
+          <p:nvPr/>
+        </p:nvPicPr>
+        <p:blipFill>
+          <a:blip r:embed="rId2">
+            <a:extLst>
+              <a:ext uri="{28A0092B-C50C-407E-A947-70E740481C1C}">
+                <a14:useLocalDpi xmlns:a14="http://schemas.microsoft.com/office/drawing/2010/main" val="0"/>
+              </a:ext>
+            </a:extLst>
+          </a:blip>
+          <a:stretch>
+            <a:fillRect/>
+          </a:stretch>
+        </p:blipFill>
+        <p:spPr>
+          <a:xfrm>
+            <a:off x="0" y="0"/>
+            <a:ext cx="12192000" cy="6858000"/>
+          </a:xfrm>
+          <a:prstGeom prst="rect">
+            <a:avLst/>
+          </a:prstGeom>
+        </p:spPr>
+      </p:pic>
+      <p:sp>
+        <p:nvSpPr>
+          <p:cNvPr id="2" name="Title 1"/>
+          <p:cNvSpPr>
+            <a:spLocks noGrp="1"/>
+          </p:cNvSpPr>
+          <p:nvPr>
+            <p:ph type="title"/>
+          </p:nvPr>
+        </p:nvSpPr>
+        <p:spPr>
+          <a:xfrm>
+            <a:off x="913794" y="4289374"/>
+            <a:ext cx="10364432" cy="811610"/>
+          </a:xfrm>
+        </p:spPr>
+        <p:txBody>
+          <a:bodyPr anchor="b"/>
+          <a:lstStyle>
+            <a:lvl1pPr>
+              <a:defRPr sz="3200"/>
+            </a:lvl1pPr>
+          </a:lstStyle>
+          <a:p>
+            <a:r>
+              <a:rPr lang="ja-JP" altLang="en-US" smtClean="0"/>
+              <a:t>マスター タイトルの書式設定</a:t>
+            </a:r>
+            <a:endParaRPr lang="en-US" dirty="0"/>
+          </a:p>
+        </p:txBody>
+      </p:sp>
+      <p:sp>
+        <p:nvSpPr>
+          <p:cNvPr id="3" name="Picture Placeholder 2"/>
+          <p:cNvSpPr>
+            <a:spLocks noGrp="1" noChangeAspect="1"/>
+          </p:cNvSpPr>
+          <p:nvPr>
+            <p:ph type="pic" idx="1"/>
+          </p:nvPr>
+        </p:nvSpPr>
+        <p:spPr>
+          <a:xfrm>
+            <a:off x="1184744" y="698261"/>
+            <a:ext cx="9822532" cy="3214136"/>
+          </a:xfrm>
+          <a:prstGeom prst="roundRect">
+            <a:avLst>
+              <a:gd name="adj" fmla="val 4944"/>
+            </a:avLst>
+          </a:prstGeom>
+          <a:noFill/>
+          <a:ln w="82550" cap="sq">
+            <a:solidFill>
+              <a:srgbClr val="EAEAEA"/>
+            </a:solidFill>
+            <a:miter lim="800000"/>
+          </a:ln>
+          <a:effectLst/>
+          <a:scene3d>
+            <a:camera prst="orthographicFront"/>
+            <a:lightRig rig="threePt" dir="t">
+              <a:rot lat="0" lon="0" rev="2700000"/>
+            </a:lightRig>
+          </a:scene3d>
+          <a:sp3d contourW="6350">
+            <a:bevelT h="38100"/>
+            <a:contourClr>
+              <a:srgbClr val="C0C0C0"/>
+            </a:contourClr>
+          </a:sp3d>
+        </p:spPr>
+        <p:txBody>
+          <a:bodyPr anchor="t"/>
+          <a:lstStyle>
+            <a:lvl1pPr marL="0" indent="0" algn="ctr">
+              <a:buNone/>
+              <a:defRPr sz="3200"/>
+            </a:lvl1pPr>
+            <a:lvl2pPr marL="457200" indent="0">
+              <a:buNone/>
+              <a:defRPr sz="2800"/>
+            </a:lvl2pPr>
+            <a:lvl3pPr marL="914400" indent="0">
+              <a:buNone/>
+              <a:defRPr sz="2400"/>
+            </a:lvl3pPr>
+            <a:lvl4pPr marL="1371600" indent="0">
+              <a:buNone/>
+              <a:defRPr sz="2000"/>
+            </a:lvl4pPr>
+            <a:lvl5pPr marL="1828800" indent="0">
+              <a:buNone/>
+              <a:defRPr sz="2000"/>
+            </a:lvl5pPr>
+            <a:lvl6pPr marL="2286000" indent="0">
+              <a:buNone/>
+              <a:defRPr sz="2000"/>
+            </a:lvl6pPr>
+            <a:lvl7pPr marL="2743200" indent="0">
+              <a:buNone/>
+              <a:defRPr sz="2000"/>
+            </a:lvl7pPr>
+            <a:lvl8pPr marL="3200400" indent="0">
+              <a:buNone/>
+              <a:defRPr sz="2000"/>
+            </a:lvl8pPr>
+            <a:lvl9pPr marL="3657600" indent="0">
+              <a:buNone/>
+              <a:defRPr sz="2000"/>
+            </a:lvl9pPr>
+          </a:lstStyle>
+          <a:p>
+            <a:r>
+              <a:rPr lang="ja-JP" altLang="en-US" smtClean="0"/>
+              <a:t>プレースホルダーまでドラッグするかアイコンをクリックして図を追加</a:t>
+            </a:r>
+            <a:endParaRPr lang="en-US" dirty="0"/>
+          </a:p>
+        </p:txBody>
+      </p:sp>
+      <p:sp>
+        <p:nvSpPr>
+          <p:cNvPr id="4" name="Text Placeholder 3"/>
+          <p:cNvSpPr>
+            <a:spLocks noGrp="1"/>
+          </p:cNvSpPr>
+          <p:nvPr>
+            <p:ph type="body" sz="half" idx="2"/>
+          </p:nvPr>
+        </p:nvSpPr>
+        <p:spPr>
+          <a:xfrm>
+            <a:off x="913774" y="5108728"/>
+            <a:ext cx="10364452" cy="682472"/>
+          </a:xfrm>
+        </p:spPr>
+        <p:txBody>
+          <a:bodyPr/>
+          <a:lstStyle>
+            <a:lvl1pPr marL="0" indent="0" algn="ctr">
+              <a:buNone/>
+              <a:defRPr sz="1600"/>
+            </a:lvl1pPr>
+            <a:lvl2pPr marL="457200" indent="0">
+              <a:buNone/>
+              <a:defRPr sz="1400"/>
+            </a:lvl2pPr>
+            <a:lvl3pPr marL="914400" indent="0">
+              <a:buNone/>
+              <a:defRPr sz="1200"/>
+            </a:lvl3pPr>
+            <a:lvl4pPr marL="1371600" indent="0">
+              <a:buNone/>
+              <a:defRPr sz="1000"/>
+            </a:lvl4pPr>
+            <a:lvl5pPr marL="1828800" indent="0">
+              <a:buNone/>
+              <a:defRPr sz="1000"/>
+            </a:lvl5pPr>
+            <a:lvl6pPr marL="2286000" indent="0">
+              <a:buNone/>
+              <a:defRPr sz="1000"/>
+            </a:lvl6pPr>
+            <a:lvl7pPr marL="2743200" indent="0">
+              <a:buNone/>
+              <a:defRPr sz="1000"/>
+            </a:lvl7pPr>
+            <a:lvl8pPr marL="3200400" indent="0">
+              <a:buNone/>
+              <a:defRPr sz="1000"/>
+            </a:lvl8pPr>
+            <a:lvl9pPr marL="3657600" indent="0">
+              <a:buNone/>
+              <a:defRPr sz="1000"/>
+            </a:lvl9pPr>
+          </a:lstStyle>
+          <a:p>
+            <a:pPr lvl="0"/>
+            <a:r>
+              <a:rPr lang="ja-JP" altLang="en-US" smtClean="0"/>
+              <a:t>マスター テキストの書式設定</a:t>
+            </a:r>
+          </a:p>
+        </p:txBody>
+      </p:sp>
+      <p:sp>
+        <p:nvSpPr>
+          <p:cNvPr id="5" name="Date Placeholder 4"/>
+          <p:cNvSpPr>
+            <a:spLocks noGrp="1"/>
+          </p:cNvSpPr>
+          <p:nvPr>
+            <p:ph type="dt" sz="half" idx="10"/>
+          </p:nvPr>
+        </p:nvSpPr>
+        <p:spPr/>
+        <p:txBody>
+          <a:bodyPr/>
+          <a:lstStyle/>
+          <a:p>
+            <a:fld id="{FD89AFB0-A4C6-EC4C-9557-1FF136DBB5DF}" type="datetimeFigureOut">
+              <a:rPr kumimoji="1" lang="ja-JP" altLang="en-US" smtClean="0"/>
+              <a:t>2018/1/11</a:t>
+            </a:fld>
+            <a:endParaRPr kumimoji="1" lang="ja-JP" altLang="en-US"/>
+          </a:p>
+        </p:txBody>
+      </p:sp>
+      <p:sp>
+        <p:nvSpPr>
+          <p:cNvPr id="6" name="Footer Placeholder 5"/>
+          <p:cNvSpPr>
+            <a:spLocks noGrp="1"/>
+          </p:cNvSpPr>
+          <p:nvPr>
+            <p:ph type="ftr" sz="quarter" idx="11"/>
+          </p:nvPr>
+        </p:nvSpPr>
+        <p:spPr/>
+        <p:txBody>
+          <a:bodyPr/>
+          <a:lstStyle/>
+          <a:p>
+            <a:endParaRPr kumimoji="1" lang="ja-JP" altLang="en-US"/>
+          </a:p>
+        </p:txBody>
+      </p:sp>
+      <p:sp>
+        <p:nvSpPr>
+          <p:cNvPr id="7" name="Slide Number Placeholder 6"/>
+          <p:cNvSpPr>
+            <a:spLocks noGrp="1"/>
+          </p:cNvSpPr>
+          <p:nvPr>
+            <p:ph type="sldNum" sz="quarter" idx="12"/>
+          </p:nvPr>
+        </p:nvSpPr>
+        <p:spPr/>
+        <p:txBody>
+          <a:bodyPr/>
+          <a:lstStyle/>
+          <a:p>
+            <a:fld id="{34FC7E19-458A-7845-9F39-9CE199DC2296}" type="slidenum">
+              <a:rPr kumimoji="1" lang="ja-JP" altLang="en-US" smtClean="0"/>
+              <a:t>‹#›</a:t>
+            </a:fld>
+            <a:endParaRPr kumimoji="1" lang="ja-JP" altLang="en-US"/>
+          </a:p>
+        </p:txBody>
+      </p:sp>
+    </p:spTree>
+  </p:cSld>
+  <p:clrMapOvr>
+    <a:masterClrMapping/>
+  </p:clrMapOvr>
+</p:sldLayout>
+</file>
+
+<file path=ppt/slideLayouts/slideLayout11.xml><?xml version="1.0" encoding="utf-8"?>
+<p:sldLayout xmlns:a="http://schemas.openxmlformats.org/drawingml/2006/main" xmlns:r="http://schemas.openxmlformats.org/officeDocument/2006/relationships" xmlns:p="http://schemas.openxmlformats.org/presentationml/2006/main" preserve="1">
+  <p:cSld name="タイトルとキャプション">
+    <p:spTree>
+      <p:nvGrpSpPr>
+        <p:cNvPr id="1" name=""/>
+        <p:cNvGrpSpPr/>
+        <p:nvPr/>
+      </p:nvGrpSpPr>
+      <p:grpSpPr>
+        <a:xfrm>
+          <a:off x="0" y="0"/>
+          <a:ext cx="0" cy="0"/>
+          <a:chOff x="0" y="0"/>
+          <a:chExt cx="0" cy="0"/>
+        </a:xfrm>
+      </p:grpSpPr>
+      <p:pic>
+        <p:nvPicPr>
+          <p:cNvPr id="8" name="Picture 7" descr="Droplets-HD-Content-R1d.png"/>
+          <p:cNvPicPr>
+            <a:picLocks noChangeAspect="1"/>
+          </p:cNvPicPr>
+          <p:nvPr/>
+        </p:nvPicPr>
+        <p:blipFill>
+          <a:blip r:embed="rId2">
+            <a:extLst>
+              <a:ext uri="{28A0092B-C50C-407E-A947-70E740481C1C}">
+                <a14:useLocalDpi xmlns:a14="http://schemas.microsoft.com/office/drawing/2010/main" val="0"/>
+              </a:ext>
+            </a:extLst>
+          </a:blip>
+          <a:stretch>
+            <a:fillRect/>
+          </a:stretch>
+        </p:blipFill>
+        <p:spPr>
+          <a:xfrm>
+            <a:off x="0" y="0"/>
+            <a:ext cx="12192000" cy="6858000"/>
+          </a:xfrm>
+          <a:prstGeom prst="rect">
+            <a:avLst/>
+          </a:prstGeom>
+        </p:spPr>
+      </p:pic>
+      <p:sp>
+        <p:nvSpPr>
+          <p:cNvPr id="2" name="Title 1"/>
+          <p:cNvSpPr>
+            <a:spLocks noGrp="1"/>
+          </p:cNvSpPr>
+          <p:nvPr>
+            <p:ph type="title"/>
+          </p:nvPr>
+        </p:nvSpPr>
+        <p:spPr>
+          <a:xfrm>
+            <a:off x="913774" y="609599"/>
+            <a:ext cx="10364452" cy="3427245"/>
+          </a:xfrm>
+        </p:spPr>
+        <p:txBody>
+          <a:bodyPr anchor="ctr"/>
+          <a:lstStyle>
+            <a:lvl1pPr algn="ctr">
+              <a:defRPr sz="3200"/>
+            </a:lvl1pPr>
+          </a:lstStyle>
+          <a:p>
+            <a:r>
+              <a:rPr lang="ja-JP" altLang="en-US" smtClean="0"/>
+              <a:t>マスター タイトルの書式設定</a:t>
+            </a:r>
+            <a:endParaRPr lang="en-US" dirty="0"/>
+          </a:p>
+        </p:txBody>
+      </p:sp>
+      <p:sp>
+        <p:nvSpPr>
+          <p:cNvPr id="4" name="Text Placeholder 3"/>
+          <p:cNvSpPr>
+            <a:spLocks noGrp="1"/>
+          </p:cNvSpPr>
+          <p:nvPr>
+            <p:ph type="body" sz="half" idx="2"/>
+          </p:nvPr>
+        </p:nvSpPr>
+        <p:spPr>
+          <a:xfrm>
+            <a:off x="913775" y="4204821"/>
+            <a:ext cx="10364452" cy="1586380"/>
+          </a:xfrm>
+        </p:spPr>
+        <p:txBody>
+          <a:bodyPr anchor="ctr"/>
+          <a:lstStyle>
+            <a:lvl1pPr marL="0" indent="0" algn="ctr">
+              <a:buNone/>
+              <a:defRPr sz="1600"/>
+            </a:lvl1pPr>
+            <a:lvl2pPr marL="457200" indent="0">
+              <a:buNone/>
+              <a:defRPr sz="1400"/>
+            </a:lvl2pPr>
+            <a:lvl3pPr marL="914400" indent="0">
+              <a:buNone/>
+              <a:defRPr sz="1200"/>
+            </a:lvl3pPr>
+            <a:lvl4pPr marL="1371600" indent="0">
+              <a:buNone/>
+              <a:defRPr sz="1000"/>
+            </a:lvl4pPr>
+            <a:lvl5pPr marL="1828800" indent="0">
+              <a:buNone/>
+              <a:defRPr sz="1000"/>
+            </a:lvl5pPr>
+            <a:lvl6pPr marL="2286000" indent="0">
+              <a:buNone/>
+              <a:defRPr sz="1000"/>
+            </a:lvl6pPr>
+            <a:lvl7pPr marL="2743200" indent="0">
+              <a:buNone/>
+              <a:defRPr sz="1000"/>
+            </a:lvl7pPr>
+            <a:lvl8pPr marL="3200400" indent="0">
+              <a:buNone/>
+              <a:defRPr sz="1000"/>
+            </a:lvl8pPr>
+            <a:lvl9pPr marL="3657600" indent="0">
+              <a:buNone/>
+              <a:defRPr sz="1000"/>
+            </a:lvl9pPr>
+          </a:lstStyle>
+          <a:p>
+            <a:pPr lvl="0"/>
+            <a:r>
+              <a:rPr lang="ja-JP" altLang="en-US" smtClean="0"/>
+              <a:t>マスター テキストの書式設定</a:t>
+            </a:r>
+          </a:p>
+        </p:txBody>
+      </p:sp>
+      <p:sp>
+        <p:nvSpPr>
+          <p:cNvPr id="5" name="Date Placeholder 4"/>
+          <p:cNvSpPr>
+            <a:spLocks noGrp="1"/>
+          </p:cNvSpPr>
+          <p:nvPr>
+            <p:ph type="dt" sz="half" idx="10"/>
+          </p:nvPr>
+        </p:nvSpPr>
+        <p:spPr/>
+        <p:txBody>
+          <a:bodyPr/>
+          <a:lstStyle/>
+          <a:p>
+            <a:fld id="{FD89AFB0-A4C6-EC4C-9557-1FF136DBB5DF}" type="datetimeFigureOut">
+              <a:rPr kumimoji="1" lang="ja-JP" altLang="en-US" smtClean="0"/>
+              <a:t>2018/1/11</a:t>
+            </a:fld>
+            <a:endParaRPr kumimoji="1" lang="ja-JP" altLang="en-US"/>
+          </a:p>
+        </p:txBody>
+      </p:sp>
+      <p:sp>
+        <p:nvSpPr>
+          <p:cNvPr id="6" name="Footer Placeholder 5"/>
+          <p:cNvSpPr>
+            <a:spLocks noGrp="1"/>
+          </p:cNvSpPr>
+          <p:nvPr>
+            <p:ph type="ftr" sz="quarter" idx="11"/>
+          </p:nvPr>
+        </p:nvSpPr>
+        <p:spPr/>
+        <p:txBody>
+          <a:bodyPr/>
+          <a:lstStyle/>
+          <a:p>
+            <a:endParaRPr kumimoji="1" lang="ja-JP" altLang="en-US"/>
+          </a:p>
+        </p:txBody>
+      </p:sp>
+      <p:sp>
+        <p:nvSpPr>
+          <p:cNvPr id="7" name="Slide Number Placeholder 6"/>
+          <p:cNvSpPr>
+            <a:spLocks noGrp="1"/>
+          </p:cNvSpPr>
+          <p:nvPr>
+            <p:ph type="sldNum" sz="quarter" idx="12"/>
+          </p:nvPr>
+        </p:nvSpPr>
+        <p:spPr/>
+        <p:txBody>
+          <a:bodyPr/>
+          <a:lstStyle/>
+          <a:p>
+            <a:fld id="{34FC7E19-458A-7845-9F39-9CE199DC2296}" type="slidenum">
+              <a:rPr kumimoji="1" lang="ja-JP" altLang="en-US" smtClean="0"/>
+              <a:t>‹#›</a:t>
+            </a:fld>
+            <a:endParaRPr kumimoji="1" lang="ja-JP" altLang="en-US"/>
+          </a:p>
+        </p:txBody>
+      </p:sp>
+    </p:spTree>
+  </p:cSld>
+  <p:clrMapOvr>
+    <a:masterClrMapping/>
+  </p:clrMapOvr>
+</p:sldLayout>
+</file>
+
+<file path=ppt/slideLayouts/slideLayout12.xml><?xml version="1.0" encoding="utf-8"?>
+<p:sldLayout xmlns:a="http://schemas.openxmlformats.org/drawingml/2006/main" xmlns:r="http://schemas.openxmlformats.org/officeDocument/2006/relationships" xmlns:p="http://schemas.openxmlformats.org/presentationml/2006/main" preserve="1">
+  <p:cSld name="引用 (キャプション付き)">
+    <p:spTree>
+      <p:nvGrpSpPr>
+        <p:cNvPr id="1" name=""/>
+        <p:cNvGrpSpPr/>
+        <p:nvPr/>
+      </p:nvGrpSpPr>
+      <p:grpSpPr>
+        <a:xfrm>
+          <a:off x="0" y="0"/>
+          <a:ext cx="0" cy="0"/>
+          <a:chOff x="0" y="0"/>
+          <a:chExt cx="0" cy="0"/>
+        </a:xfrm>
+      </p:grpSpPr>
+      <p:pic>
+        <p:nvPicPr>
+          <p:cNvPr id="11" name="Picture 10" descr="Droplets-HD-Content-R1d.png"/>
+          <p:cNvPicPr>
+            <a:picLocks noChangeAspect="1"/>
+          </p:cNvPicPr>
+          <p:nvPr/>
+        </p:nvPicPr>
+        <p:blipFill>
+          <a:blip r:embed="rId2">
+            <a:extLst>
+              <a:ext uri="{28A0092B-C50C-407E-A947-70E740481C1C}">
+                <a14:useLocalDpi xmlns:a14="http://schemas.microsoft.com/office/drawing/2010/main" val="0"/>
+              </a:ext>
+            </a:extLst>
+          </a:blip>
+          <a:stretch>
+            <a:fillRect/>
+          </a:stretch>
+        </p:blipFill>
+        <p:spPr>
+          <a:xfrm>
+            <a:off x="0" y="0"/>
+            <a:ext cx="12192000" cy="6858000"/>
+          </a:xfrm>
+          <a:prstGeom prst="rect">
+            <a:avLst/>
+          </a:prstGeom>
+        </p:spPr>
+      </p:pic>
+      <p:sp>
+        <p:nvSpPr>
+          <p:cNvPr id="2" name="Title 1"/>
+          <p:cNvSpPr>
+            <a:spLocks noGrp="1"/>
+          </p:cNvSpPr>
+          <p:nvPr>
+            <p:ph type="title"/>
+          </p:nvPr>
+        </p:nvSpPr>
+        <p:spPr>
+          <a:xfrm>
+            <a:off x="1446212" y="609600"/>
+            <a:ext cx="9302752" cy="2992904"/>
+          </a:xfrm>
+        </p:spPr>
+        <p:txBody>
+          <a:bodyPr anchor="ctr"/>
+          <a:lstStyle>
+            <a:lvl1pPr>
+              <a:defRPr sz="3200"/>
+            </a:lvl1pPr>
+          </a:lstStyle>
+          <a:p>
+            <a:r>
+              <a:rPr lang="ja-JP" altLang="en-US" smtClean="0"/>
+              <a:t>マスター タイトルの書式設定</a:t>
+            </a:r>
+            <a:endParaRPr lang="en-US" dirty="0"/>
+          </a:p>
+        </p:txBody>
+      </p:sp>
+      <p:sp>
+        <p:nvSpPr>
+          <p:cNvPr id="12" name="Text Placeholder 3"/>
+          <p:cNvSpPr>
+            <a:spLocks noGrp="1"/>
+          </p:cNvSpPr>
+          <p:nvPr>
+            <p:ph type="body" sz="half" idx="13"/>
+          </p:nvPr>
+        </p:nvSpPr>
+        <p:spPr>
+          <a:xfrm>
+            <a:off x="1720644" y="3610032"/>
+            <a:ext cx="8752299" cy="594788"/>
+          </a:xfrm>
+        </p:spPr>
+        <p:txBody>
+          <a:bodyPr anchor="t">
+            <a:normAutofit/>
+          </a:bodyPr>
+          <a:lstStyle>
+            <a:lvl1pPr marL="0" indent="0">
+              <a:buNone/>
+              <a:defRPr sz="1400"/>
+            </a:lvl1pPr>
+            <a:lvl2pPr marL="457200" indent="0">
+              <a:buNone/>
+              <a:defRPr sz="1400"/>
+            </a:lvl2pPr>
+            <a:lvl3pPr marL="914400" indent="0">
+              <a:buNone/>
+              <a:defRPr sz="1200"/>
+            </a:lvl3pPr>
+            <a:lvl4pPr marL="1371600" indent="0">
+              <a:buNone/>
+              <a:defRPr sz="1000"/>
+            </a:lvl4pPr>
+            <a:lvl5pPr marL="1828800" indent="0">
+              <a:buNone/>
+              <a:defRPr sz="1000"/>
+            </a:lvl5pPr>
+            <a:lvl6pPr marL="2286000" indent="0">
+              <a:buNone/>
+              <a:defRPr sz="1000"/>
+            </a:lvl6pPr>
+            <a:lvl7pPr marL="2743200" indent="0">
+              <a:buNone/>
+              <a:defRPr sz="1000"/>
+            </a:lvl7pPr>
+            <a:lvl8pPr marL="3200400" indent="0">
+              <a:buNone/>
+              <a:defRPr sz="1000"/>
+            </a:lvl8pPr>
+            <a:lvl9pPr marL="3657600" indent="0">
+              <a:buNone/>
+              <a:defRPr sz="1000"/>
+            </a:lvl9pPr>
+          </a:lstStyle>
+          <a:p>
+            <a:pPr lvl="0"/>
+            <a:r>
+              <a:rPr lang="ja-JP" altLang="en-US" smtClean="0"/>
+              <a:t>マスター テキストの書式設定</a:t>
+            </a:r>
+          </a:p>
+        </p:txBody>
+      </p:sp>
+      <p:sp>
+        <p:nvSpPr>
+          <p:cNvPr id="4" name="Text Placeholder 3"/>
+          <p:cNvSpPr>
+            <a:spLocks noGrp="1"/>
+          </p:cNvSpPr>
+          <p:nvPr>
+            <p:ph type="body" sz="half" idx="2"/>
+          </p:nvPr>
+        </p:nvSpPr>
+        <p:spPr>
+          <a:xfrm>
+            <a:off x="913774" y="4372796"/>
+            <a:ext cx="10364452" cy="1421053"/>
+          </a:xfrm>
+        </p:spPr>
+        <p:txBody>
+          <a:bodyPr anchor="ctr">
+            <a:normAutofit/>
+          </a:bodyPr>
+          <a:lstStyle>
+            <a:lvl1pPr marL="0" indent="0" algn="ctr">
+              <a:buNone/>
+              <a:defRPr sz="1600"/>
+            </a:lvl1pPr>
+            <a:lvl2pPr marL="457200" indent="0">
+              <a:buNone/>
+              <a:defRPr sz="1400"/>
+            </a:lvl2pPr>
+            <a:lvl3pPr marL="914400" indent="0">
+              <a:buNone/>
+              <a:defRPr sz="1200"/>
+            </a:lvl3pPr>
+            <a:lvl4pPr marL="1371600" indent="0">
+              <a:buNone/>
+              <a:defRPr sz="1000"/>
+            </a:lvl4pPr>
+            <a:lvl5pPr marL="1828800" indent="0">
+              <a:buNone/>
+              <a:defRPr sz="1000"/>
+            </a:lvl5pPr>
+            <a:lvl6pPr marL="2286000" indent="0">
+              <a:buNone/>
+              <a:defRPr sz="1000"/>
+            </a:lvl6pPr>
+            <a:lvl7pPr marL="2743200" indent="0">
+              <a:buNone/>
+              <a:defRPr sz="1000"/>
+            </a:lvl7pPr>
+            <a:lvl8pPr marL="3200400" indent="0">
+              <a:buNone/>
+              <a:defRPr sz="1000"/>
+            </a:lvl8pPr>
+            <a:lvl9pPr marL="3657600" indent="0">
+              <a:buNone/>
+              <a:defRPr sz="1000"/>
+            </a:lvl9pPr>
+          </a:lstStyle>
+          <a:p>
+            <a:pPr lvl="0"/>
+            <a:r>
+              <a:rPr lang="ja-JP" altLang="en-US" smtClean="0"/>
+              <a:t>マスター テキストの書式設定</a:t>
+            </a:r>
+          </a:p>
+        </p:txBody>
+      </p:sp>
+      <p:sp>
+        <p:nvSpPr>
+          <p:cNvPr id="5" name="Date Placeholder 4"/>
+          <p:cNvSpPr>
+            <a:spLocks noGrp="1"/>
+          </p:cNvSpPr>
+          <p:nvPr>
+            <p:ph type="dt" sz="half" idx="10"/>
+          </p:nvPr>
+        </p:nvSpPr>
+        <p:spPr/>
+        <p:txBody>
+          <a:bodyPr/>
+          <a:lstStyle/>
+          <a:p>
+            <a:fld id="{FD89AFB0-A4C6-EC4C-9557-1FF136DBB5DF}" type="datetimeFigureOut">
+              <a:rPr kumimoji="1" lang="ja-JP" altLang="en-US" smtClean="0"/>
+              <a:t>2018/1/11</a:t>
+            </a:fld>
+            <a:endParaRPr kumimoji="1" lang="ja-JP" altLang="en-US"/>
+          </a:p>
+        </p:txBody>
+      </p:sp>
+      <p:sp>
+        <p:nvSpPr>
+          <p:cNvPr id="6" name="Footer Placeholder 5"/>
+          <p:cNvSpPr>
+            <a:spLocks noGrp="1"/>
+          </p:cNvSpPr>
+          <p:nvPr>
+            <p:ph type="ftr" sz="quarter" idx="11"/>
+          </p:nvPr>
+        </p:nvSpPr>
+        <p:spPr/>
+        <p:txBody>
+          <a:bodyPr/>
+          <a:lstStyle/>
+          <a:p>
+            <a:endParaRPr kumimoji="1" lang="ja-JP" altLang="en-US"/>
+          </a:p>
+        </p:txBody>
+      </p:sp>
+      <p:sp>
+        <p:nvSpPr>
+          <p:cNvPr id="7" name="Slide Number Placeholder 6"/>
+          <p:cNvSpPr>
+            <a:spLocks noGrp="1"/>
+          </p:cNvSpPr>
+          <p:nvPr>
+            <p:ph type="sldNum" sz="quarter" idx="12"/>
+          </p:nvPr>
+        </p:nvSpPr>
+        <p:spPr/>
+        <p:txBody>
+          <a:bodyPr/>
+          <a:lstStyle/>
+          <a:p>
+            <a:fld id="{34FC7E19-458A-7845-9F39-9CE199DC2296}" type="slidenum">
+              <a:rPr kumimoji="1" lang="ja-JP" altLang="en-US" smtClean="0"/>
+              <a:t>‹#›</a:t>
+            </a:fld>
+            <a:endParaRPr kumimoji="1" lang="ja-JP" altLang="en-US"/>
+          </a:p>
+        </p:txBody>
+      </p:sp>
+      <p:sp>
+        <p:nvSpPr>
+          <p:cNvPr id="13" name="TextBox 12"/>
+          <p:cNvSpPr txBox="1"/>
+          <p:nvPr/>
+        </p:nvSpPr>
+        <p:spPr>
+          <a:xfrm>
+            <a:off x="1001488" y="754166"/>
+            <a:ext cx="609600" cy="584776"/>
+          </a:xfrm>
+          <a:prstGeom prst="rect">
+            <a:avLst/>
+          </a:prstGeom>
+        </p:spPr>
+        <p:txBody>
+          <a:bodyPr vert="horz" lIns="91440" tIns="45720" rIns="91440" bIns="45720" rtlCol="0" anchor="ctr">
+            <a:noAutofit/>
+          </a:bodyPr>
+          <a:lstStyle>
+            <a:lvl1pPr>
+              <a:spcBef>
+                <a:spcPct val="0"/>
+              </a:spcBef>
+              <a:buNone/>
+              <a:defRPr sz="3200" b="0" cap="all">
+                <a:ln w="3175" cmpd="sng">
+                  <a:noFill/>
+                </a:ln>
+                <a:effectLst>
+                  <a:glow rad="38100">
+                    <a:schemeClr val="bg1">
+                      <a:lumMod val="65000"/>
+                      <a:lumOff val="35000"/>
+                      <a:alpha val="40000"/>
+                    </a:schemeClr>
+                  </a:glow>
+                  <a:outerShdw blurRad="28575" dist="38100" dir="14040000" algn="tl" rotWithShape="0">
+                    <a:srgbClr val="000000">
+                      <a:alpha val="25000"/>
+                    </a:srgbClr>
+                  </a:outerShdw>
+                </a:effectLst>
+              </a:defRPr>
+            </a:lvl1pPr>
+            <a:lvl2pPr>
+              <a:defRPr>
+                <a:solidFill>
+                  <a:schemeClr val="tx2"/>
+                </a:solidFill>
+              </a:defRPr>
+            </a:lvl2pPr>
+            <a:lvl3pPr>
+              <a:defRPr>
+                <a:solidFill>
+                  <a:schemeClr val="tx2"/>
+                </a:solidFill>
+              </a:defRPr>
+            </a:lvl3pPr>
+            <a:lvl4pPr>
+              <a:defRPr>
+                <a:solidFill>
+                  <a:schemeClr val="tx2"/>
+                </a:solidFill>
+              </a:defRPr>
+            </a:lvl4pPr>
+            <a:lvl5pPr>
+              <a:defRPr>
+                <a:solidFill>
+                  <a:schemeClr val="tx2"/>
+                </a:solidFill>
+              </a:defRPr>
+            </a:lvl5pPr>
+            <a:lvl6pPr>
+              <a:defRPr>
+                <a:solidFill>
+                  <a:schemeClr val="tx2"/>
+                </a:solidFill>
+              </a:defRPr>
+            </a:lvl6pPr>
+            <a:lvl7pPr>
+              <a:defRPr>
+                <a:solidFill>
+                  <a:schemeClr val="tx2"/>
+                </a:solidFill>
+              </a:defRPr>
+            </a:lvl7pPr>
+            <a:lvl8pPr>
+              <a:defRPr>
+                <a:solidFill>
+                  <a:schemeClr val="tx2"/>
+                </a:solidFill>
+              </a:defRPr>
+            </a:lvl8pPr>
+            <a:lvl9pPr>
+              <a:defRPr>
+                <a:solidFill>
+                  <a:schemeClr val="tx2"/>
+                </a:solidFill>
+              </a:defRPr>
+            </a:lvl9pPr>
+          </a:lstStyle>
+          <a:p>
+            <a:pPr lvl="0"/>
+            <a:r>
+              <a:rPr lang="en-US" sz="8000" dirty="0">
+                <a:solidFill>
+                  <a:schemeClr val="tx1"/>
+                </a:solidFill>
+                <a:effectLst/>
+              </a:rPr>
+              <a:t>“</a:t>
+            </a:r>
+          </a:p>
+        </p:txBody>
+      </p:sp>
+      <p:sp>
+        <p:nvSpPr>
+          <p:cNvPr id="14" name="TextBox 13"/>
+          <p:cNvSpPr txBox="1"/>
+          <p:nvPr/>
+        </p:nvSpPr>
+        <p:spPr>
+          <a:xfrm>
+            <a:off x="10557558" y="2993578"/>
+            <a:ext cx="609600" cy="584776"/>
+          </a:xfrm>
+          <a:prstGeom prst="rect">
+            <a:avLst/>
+          </a:prstGeom>
+        </p:spPr>
+        <p:txBody>
+          <a:bodyPr vert="horz" lIns="91440" tIns="45720" rIns="91440" bIns="45720" rtlCol="0" anchor="ctr">
+            <a:noAutofit/>
+          </a:bodyPr>
+          <a:lstStyle>
+            <a:lvl1pPr>
+              <a:spcBef>
+                <a:spcPct val="0"/>
+              </a:spcBef>
+              <a:buNone/>
+              <a:defRPr sz="3200" b="0" cap="all">
+                <a:ln w="3175" cmpd="sng">
+                  <a:noFill/>
+                </a:ln>
+                <a:effectLst>
+                  <a:glow rad="38100">
+                    <a:schemeClr val="bg1">
+                      <a:lumMod val="65000"/>
+                      <a:lumOff val="35000"/>
+                      <a:alpha val="40000"/>
+                    </a:schemeClr>
+                  </a:glow>
+                  <a:outerShdw blurRad="28575" dist="38100" dir="14040000" algn="tl" rotWithShape="0">
+                    <a:srgbClr val="000000">
+                      <a:alpha val="25000"/>
+                    </a:srgbClr>
+                  </a:outerShdw>
+                </a:effectLst>
+              </a:defRPr>
+            </a:lvl1pPr>
+            <a:lvl2pPr>
+              <a:defRPr>
+                <a:solidFill>
+                  <a:schemeClr val="tx2"/>
+                </a:solidFill>
+              </a:defRPr>
+            </a:lvl2pPr>
+            <a:lvl3pPr>
+              <a:defRPr>
+                <a:solidFill>
+                  <a:schemeClr val="tx2"/>
+                </a:solidFill>
+              </a:defRPr>
+            </a:lvl3pPr>
+            <a:lvl4pPr>
+              <a:defRPr>
+                <a:solidFill>
+                  <a:schemeClr val="tx2"/>
+                </a:solidFill>
+              </a:defRPr>
+            </a:lvl4pPr>
+            <a:lvl5pPr>
+              <a:defRPr>
+                <a:solidFill>
+                  <a:schemeClr val="tx2"/>
+                </a:solidFill>
+              </a:defRPr>
+            </a:lvl5pPr>
+            <a:lvl6pPr>
+              <a:defRPr>
+                <a:solidFill>
+                  <a:schemeClr val="tx2"/>
+                </a:solidFill>
+              </a:defRPr>
+            </a:lvl6pPr>
+            <a:lvl7pPr>
+              <a:defRPr>
+                <a:solidFill>
+                  <a:schemeClr val="tx2"/>
+                </a:solidFill>
+              </a:defRPr>
+            </a:lvl7pPr>
+            <a:lvl8pPr>
+              <a:defRPr>
+                <a:solidFill>
+                  <a:schemeClr val="tx2"/>
+                </a:solidFill>
+              </a:defRPr>
+            </a:lvl8pPr>
+            <a:lvl9pPr>
+              <a:defRPr>
+                <a:solidFill>
+                  <a:schemeClr val="tx2"/>
+                </a:solidFill>
+              </a:defRPr>
+            </a:lvl9pPr>
+          </a:lstStyle>
+          <a:p>
+            <a:pPr lvl="0" algn="r"/>
+            <a:r>
+              <a:rPr lang="en-US" sz="8000" dirty="0">
+                <a:solidFill>
+                  <a:schemeClr val="tx1"/>
+                </a:solidFill>
+                <a:effectLst/>
+              </a:rPr>
+              <a:t>”</a:t>
+            </a:r>
+          </a:p>
+        </p:txBody>
+      </p:sp>
+    </p:spTree>
+  </p:cSld>
+  <p:clrMapOvr>
+    <a:masterClrMapping/>
+  </p:clrMapOvr>
+</p:sldLayout>
+</file>
+
+<file path=ppt/slideLayouts/slideLayout13.xml><?xml version="1.0" encoding="utf-8"?>
+<p:sldLayout xmlns:a="http://schemas.openxmlformats.org/drawingml/2006/main" xmlns:r="http://schemas.openxmlformats.org/officeDocument/2006/relationships" xmlns:p="http://schemas.openxmlformats.org/presentationml/2006/main" preserve="1">
+  <p:cSld name="名札">
+    <p:spTree>
+      <p:nvGrpSpPr>
+        <p:cNvPr id="1" name=""/>
+        <p:cNvGrpSpPr/>
+        <p:nvPr/>
+      </p:nvGrpSpPr>
+      <p:grpSpPr>
+        <a:xfrm>
+          <a:off x="0" y="0"/>
+          <a:ext cx="0" cy="0"/>
+          <a:chOff x="0" y="0"/>
+          <a:chExt cx="0" cy="0"/>
+        </a:xfrm>
+      </p:grpSpPr>
+      <p:pic>
+        <p:nvPicPr>
+          <p:cNvPr id="8" name="Picture 7" descr="Droplets-HD-Content-R1d.png"/>
+          <p:cNvPicPr>
+            <a:picLocks noChangeAspect="1"/>
+          </p:cNvPicPr>
+          <p:nvPr/>
+        </p:nvPicPr>
+        <p:blipFill>
+          <a:blip r:embed="rId2">
+            <a:extLst>
+              <a:ext uri="{28A0092B-C50C-407E-A947-70E740481C1C}">
+                <a14:useLocalDpi xmlns:a14="http://schemas.microsoft.com/office/drawing/2010/main" val="0"/>
+              </a:ext>
+            </a:extLst>
+          </a:blip>
+          <a:stretch>
+            <a:fillRect/>
+          </a:stretch>
+        </p:blipFill>
+        <p:spPr>
+          <a:xfrm>
+            <a:off x="0" y="0"/>
+            <a:ext cx="12192000" cy="6858000"/>
+          </a:xfrm>
+          <a:prstGeom prst="rect">
+            <a:avLst/>
+          </a:prstGeom>
+        </p:spPr>
+      </p:pic>
+      <p:sp>
+        <p:nvSpPr>
+          <p:cNvPr id="2" name="Title 1"/>
+          <p:cNvSpPr>
+            <a:spLocks noGrp="1"/>
+          </p:cNvSpPr>
+          <p:nvPr>
+            <p:ph type="title"/>
+          </p:nvPr>
+        </p:nvSpPr>
+        <p:spPr>
+          <a:xfrm>
+            <a:off x="913775" y="2138721"/>
+            <a:ext cx="10364452" cy="2511835"/>
+          </a:xfrm>
+        </p:spPr>
+        <p:txBody>
+          <a:bodyPr anchor="b"/>
+          <a:lstStyle>
+            <a:lvl1pPr algn="ctr">
+              <a:defRPr sz="3200"/>
+            </a:lvl1pPr>
+          </a:lstStyle>
+          <a:p>
+            <a:r>
+              <a:rPr lang="ja-JP" altLang="en-US" smtClean="0"/>
+              <a:t>マスター タイトルの書式設定</a:t>
+            </a:r>
+            <a:endParaRPr lang="en-US" dirty="0"/>
+          </a:p>
+        </p:txBody>
+      </p:sp>
+      <p:sp>
+        <p:nvSpPr>
+          <p:cNvPr id="4" name="Text Placeholder 3"/>
+          <p:cNvSpPr>
+            <a:spLocks noGrp="1"/>
+          </p:cNvSpPr>
+          <p:nvPr>
+            <p:ph type="body" sz="half" idx="2"/>
+          </p:nvPr>
+        </p:nvSpPr>
+        <p:spPr>
+          <a:xfrm>
+            <a:off x="913775" y="4662335"/>
+            <a:ext cx="10364452" cy="1140644"/>
+          </a:xfrm>
+        </p:spPr>
+        <p:txBody>
+          <a:bodyPr anchor="t"/>
+          <a:lstStyle>
+            <a:lvl1pPr marL="0" indent="0" algn="ctr">
+              <a:buNone/>
+              <a:defRPr sz="1600"/>
+            </a:lvl1pPr>
+            <a:lvl2pPr marL="457200" indent="0">
+              <a:buNone/>
+              <a:defRPr sz="1400"/>
+            </a:lvl2pPr>
+            <a:lvl3pPr marL="914400" indent="0">
+              <a:buNone/>
+              <a:defRPr sz="1200"/>
+            </a:lvl3pPr>
+            <a:lvl4pPr marL="1371600" indent="0">
+              <a:buNone/>
+              <a:defRPr sz="1000"/>
+            </a:lvl4pPr>
+            <a:lvl5pPr marL="1828800" indent="0">
+              <a:buNone/>
+              <a:defRPr sz="1000"/>
+            </a:lvl5pPr>
+            <a:lvl6pPr marL="2286000" indent="0">
+              <a:buNone/>
+              <a:defRPr sz="1000"/>
+            </a:lvl6pPr>
+            <a:lvl7pPr marL="2743200" indent="0">
+              <a:buNone/>
+              <a:defRPr sz="1000"/>
+            </a:lvl7pPr>
+            <a:lvl8pPr marL="3200400" indent="0">
+              <a:buNone/>
+              <a:defRPr sz="1000"/>
+            </a:lvl8pPr>
+            <a:lvl9pPr marL="3657600" indent="0">
+              <a:buNone/>
+              <a:defRPr sz="1000"/>
+            </a:lvl9pPr>
+          </a:lstStyle>
+          <a:p>
+            <a:pPr lvl="0"/>
+            <a:r>
+              <a:rPr lang="ja-JP" altLang="en-US" smtClean="0"/>
+              <a:t>マスター テキストの書式設定</a:t>
+            </a:r>
+          </a:p>
+        </p:txBody>
+      </p:sp>
+      <p:sp>
+        <p:nvSpPr>
+          <p:cNvPr id="5" name="Date Placeholder 4"/>
+          <p:cNvSpPr>
+            <a:spLocks noGrp="1"/>
+          </p:cNvSpPr>
+          <p:nvPr>
+            <p:ph type="dt" sz="half" idx="10"/>
+          </p:nvPr>
+        </p:nvSpPr>
+        <p:spPr/>
+        <p:txBody>
+          <a:bodyPr/>
+          <a:lstStyle/>
+          <a:p>
+            <a:fld id="{FD89AFB0-A4C6-EC4C-9557-1FF136DBB5DF}" type="datetimeFigureOut">
+              <a:rPr kumimoji="1" lang="ja-JP" altLang="en-US" smtClean="0"/>
+              <a:t>2018/1/11</a:t>
+            </a:fld>
+            <a:endParaRPr kumimoji="1" lang="ja-JP" altLang="en-US"/>
+          </a:p>
+        </p:txBody>
+      </p:sp>
+      <p:sp>
+        <p:nvSpPr>
+          <p:cNvPr id="6" name="Footer Placeholder 5"/>
+          <p:cNvSpPr>
+            <a:spLocks noGrp="1"/>
+          </p:cNvSpPr>
+          <p:nvPr>
+            <p:ph type="ftr" sz="quarter" idx="11"/>
+          </p:nvPr>
+        </p:nvSpPr>
+        <p:spPr/>
+        <p:txBody>
+          <a:bodyPr/>
+          <a:lstStyle/>
+          <a:p>
+            <a:endParaRPr kumimoji="1" lang="ja-JP" altLang="en-US"/>
+          </a:p>
+        </p:txBody>
+      </p:sp>
+      <p:sp>
+        <p:nvSpPr>
+          <p:cNvPr id="7" name="Slide Number Placeholder 6"/>
+          <p:cNvSpPr>
+            <a:spLocks noGrp="1"/>
+          </p:cNvSpPr>
+          <p:nvPr>
+            <p:ph type="sldNum" sz="quarter" idx="12"/>
+          </p:nvPr>
+        </p:nvSpPr>
+        <p:spPr/>
+        <p:txBody>
+          <a:bodyPr/>
+          <a:lstStyle/>
+          <a:p>
+            <a:fld id="{34FC7E19-458A-7845-9F39-9CE199DC2296}" type="slidenum">
+              <a:rPr kumimoji="1" lang="ja-JP" altLang="en-US" smtClean="0"/>
+              <a:t>‹#›</a:t>
+            </a:fld>
+            <a:endParaRPr kumimoji="1" lang="ja-JP" altLang="en-US"/>
+          </a:p>
+        </p:txBody>
+      </p:sp>
+    </p:spTree>
+  </p:cSld>
+  <p:clrMapOvr>
+    <a:masterClrMapping/>
+  </p:clrMapOvr>
+</p:sldLayout>
+</file>
+
+<file path=ppt/slideLayouts/slideLayout14.xml><?xml version="1.0" encoding="utf-8"?>
+<p:sldLayout xmlns:a="http://schemas.openxmlformats.org/drawingml/2006/main" xmlns:r="http://schemas.openxmlformats.org/officeDocument/2006/relationships" xmlns:p="http://schemas.openxmlformats.org/presentationml/2006/main" preserve="1">
+  <p:cSld name="3 列">
+    <p:spTree>
+      <p:nvGrpSpPr>
+        <p:cNvPr id="1" name=""/>
+        <p:cNvGrpSpPr/>
+        <p:nvPr/>
+      </p:nvGrpSpPr>
+      <p:grpSpPr>
+        <a:xfrm>
+          <a:off x="0" y="0"/>
+          <a:ext cx="0" cy="0"/>
+          <a:chOff x="0" y="0"/>
+          <a:chExt cx="0" cy="0"/>
+        </a:xfrm>
+      </p:grpSpPr>
+      <p:pic>
+        <p:nvPicPr>
+          <p:cNvPr id="13" name="Picture 12" descr="Droplets-HD-Content-R1d.png"/>
+          <p:cNvPicPr>
+            <a:picLocks noChangeAspect="1"/>
+          </p:cNvPicPr>
+          <p:nvPr/>
+        </p:nvPicPr>
+        <p:blipFill>
+          <a:blip r:embed="rId2">
+            <a:extLst>
+              <a:ext uri="{28A0092B-C50C-407E-A947-70E740481C1C}">
+                <a14:useLocalDpi xmlns:a14="http://schemas.microsoft.com/office/drawing/2010/main" val="0"/>
+              </a:ext>
+            </a:extLst>
+          </a:blip>
+          <a:stretch>
+            <a:fillRect/>
+          </a:stretch>
+        </p:blipFill>
+        <p:spPr>
+          <a:xfrm>
+            <a:off x="0" y="0"/>
+            <a:ext cx="12192000" cy="6858000"/>
+          </a:xfrm>
+          <a:prstGeom prst="rect">
+            <a:avLst/>
+          </a:prstGeom>
+        </p:spPr>
+      </p:pic>
+      <p:sp>
+        <p:nvSpPr>
+          <p:cNvPr id="15" name="Title 1"/>
+          <p:cNvSpPr>
+            <a:spLocks noGrp="1"/>
+          </p:cNvSpPr>
+          <p:nvPr>
+            <p:ph type="title"/>
+          </p:nvPr>
+        </p:nvSpPr>
+        <p:spPr>
+          <a:xfrm>
+            <a:off x="913774" y="609600"/>
+            <a:ext cx="10364452" cy="1605094"/>
+          </a:xfrm>
+        </p:spPr>
+        <p:txBody>
+          <a:bodyPr/>
+          <a:lstStyle/>
+          <a:p>
+            <a:r>
+              <a:rPr lang="ja-JP" altLang="en-US" smtClean="0"/>
+              <a:t>マスター タイトルの書式設定</a:t>
+            </a:r>
+            <a:endParaRPr lang="en-US" dirty="0"/>
+          </a:p>
+        </p:txBody>
+      </p:sp>
+      <p:sp>
+        <p:nvSpPr>
+          <p:cNvPr id="7" name="Text Placeholder 2"/>
+          <p:cNvSpPr>
+            <a:spLocks noGrp="1"/>
+          </p:cNvSpPr>
+          <p:nvPr>
+            <p:ph type="body" idx="1"/>
+          </p:nvPr>
+        </p:nvSpPr>
+        <p:spPr>
+          <a:xfrm>
+            <a:off x="913774" y="2367093"/>
+            <a:ext cx="3298976" cy="576262"/>
+          </a:xfrm>
+        </p:spPr>
+        <p:txBody>
+          <a:bodyPr anchor="b">
+            <a:noAutofit/>
+          </a:bodyPr>
+          <a:lstStyle>
+            <a:lvl1pPr marL="0" indent="0" algn="ctr">
+              <a:lnSpc>
+                <a:spcPct val="85000"/>
+              </a:lnSpc>
+              <a:buNone/>
+              <a:defRPr sz="2400" b="0">
+                <a:solidFill>
+                  <a:schemeClr val="tx1"/>
+                </a:solidFill>
+              </a:defRPr>
+            </a:lvl1pPr>
+            <a:lvl2pPr marL="457200" indent="0">
+              <a:buNone/>
+              <a:defRPr sz="2000" b="1"/>
+            </a:lvl2pPr>
+            <a:lvl3pPr marL="914400" indent="0">
+              <a:buNone/>
+              <a:defRPr sz="1800" b="1"/>
+            </a:lvl3pPr>
+            <a:lvl4pPr marL="1371600" indent="0">
+              <a:buNone/>
+              <a:defRPr sz="1600" b="1"/>
+            </a:lvl4pPr>
+            <a:lvl5pPr marL="1828800" indent="0">
+              <a:buNone/>
+              <a:defRPr sz="1600" b="1"/>
+            </a:lvl5pPr>
+            <a:lvl6pPr marL="2286000" indent="0">
+              <a:buNone/>
+              <a:defRPr sz="1600" b="1"/>
+            </a:lvl6pPr>
+            <a:lvl7pPr marL="2743200" indent="0">
+              <a:buNone/>
+              <a:defRPr sz="1600" b="1"/>
+            </a:lvl7pPr>
+            <a:lvl8pPr marL="3200400" indent="0">
+              <a:buNone/>
+              <a:defRPr sz="1600" b="1"/>
+            </a:lvl8pPr>
+            <a:lvl9pPr marL="3657600" indent="0">
+              <a:buNone/>
+              <a:defRPr sz="1600" b="1"/>
+            </a:lvl9pPr>
+          </a:lstStyle>
+          <a:p>
+            <a:pPr lvl="0"/>
+            <a:r>
+              <a:rPr lang="ja-JP" altLang="en-US" smtClean="0"/>
+              <a:t>マスター テキストの書式設定</a:t>
+            </a:r>
+          </a:p>
+        </p:txBody>
+      </p:sp>
+      <p:sp>
+        <p:nvSpPr>
+          <p:cNvPr id="8" name="Text Placeholder 3"/>
+          <p:cNvSpPr>
+            <a:spLocks noGrp="1"/>
+          </p:cNvSpPr>
+          <p:nvPr>
+            <p:ph type="body" sz="half" idx="15"/>
+          </p:nvPr>
+        </p:nvSpPr>
+        <p:spPr>
+          <a:xfrm>
+            <a:off x="913774" y="2943355"/>
+            <a:ext cx="3298976" cy="2847845"/>
+          </a:xfrm>
+        </p:spPr>
+        <p:txBody>
+          <a:bodyPr anchor="t">
+            <a:normAutofit/>
+          </a:bodyPr>
+          <a:lstStyle>
+            <a:lvl1pPr marL="0" indent="0" algn="ctr">
+              <a:buNone/>
+              <a:defRPr sz="1400"/>
+            </a:lvl1pPr>
+            <a:lvl2pPr marL="457200" indent="0">
+              <a:buNone/>
+              <a:defRPr sz="1200"/>
+            </a:lvl2pPr>
+            <a:lvl3pPr marL="914400" indent="0">
+              <a:buNone/>
+              <a:defRPr sz="1000"/>
+            </a:lvl3pPr>
+            <a:lvl4pPr marL="1371600" indent="0">
+              <a:buNone/>
+              <a:defRPr sz="900"/>
+            </a:lvl4pPr>
+            <a:lvl5pPr marL="1828800" indent="0">
+              <a:buNone/>
+              <a:defRPr sz="900"/>
+            </a:lvl5pPr>
+            <a:lvl6pPr marL="2286000" indent="0">
+              <a:buNone/>
+              <a:defRPr sz="900"/>
+            </a:lvl6pPr>
+            <a:lvl7pPr marL="2743200" indent="0">
+              <a:buNone/>
+              <a:defRPr sz="900"/>
+            </a:lvl7pPr>
+            <a:lvl8pPr marL="3200400" indent="0">
+              <a:buNone/>
+              <a:defRPr sz="900"/>
+            </a:lvl8pPr>
+            <a:lvl9pPr marL="3657600" indent="0">
+              <a:buNone/>
+              <a:defRPr sz="900"/>
+            </a:lvl9pPr>
+          </a:lstStyle>
+          <a:p>
+            <a:pPr lvl="0"/>
+            <a:r>
+              <a:rPr lang="ja-JP" altLang="en-US" smtClean="0"/>
+              <a:t>マスター テキストの書式設定</a:t>
+            </a:r>
+          </a:p>
+        </p:txBody>
+      </p:sp>
+      <p:sp>
+        <p:nvSpPr>
+          <p:cNvPr id="9" name="Text Placeholder 4"/>
+          <p:cNvSpPr>
+            <a:spLocks noGrp="1"/>
+          </p:cNvSpPr>
+          <p:nvPr>
+            <p:ph type="body" sz="quarter" idx="3"/>
+          </p:nvPr>
+        </p:nvSpPr>
+        <p:spPr>
+          <a:xfrm>
+            <a:off x="4452389" y="2367093"/>
+            <a:ext cx="3291521" cy="576262"/>
+          </a:xfrm>
+        </p:spPr>
+        <p:txBody>
+          <a:bodyPr anchor="b">
+            <a:noAutofit/>
+          </a:bodyPr>
+          <a:lstStyle>
+            <a:lvl1pPr marL="0" indent="0" algn="ctr">
+              <a:lnSpc>
+                <a:spcPct val="85000"/>
+              </a:lnSpc>
+              <a:buNone/>
+              <a:defRPr sz="2400" b="0">
+                <a:solidFill>
+                  <a:schemeClr val="tx1"/>
+                </a:solidFill>
+              </a:defRPr>
+            </a:lvl1pPr>
+            <a:lvl2pPr marL="457200" indent="0">
+              <a:buNone/>
+              <a:defRPr sz="2000" b="1"/>
+            </a:lvl2pPr>
+            <a:lvl3pPr marL="914400" indent="0">
+              <a:buNone/>
+              <a:defRPr sz="1800" b="1"/>
+            </a:lvl3pPr>
+            <a:lvl4pPr marL="1371600" indent="0">
+              <a:buNone/>
+              <a:defRPr sz="1600" b="1"/>
+            </a:lvl4pPr>
+            <a:lvl5pPr marL="1828800" indent="0">
+              <a:buNone/>
+              <a:defRPr sz="1600" b="1"/>
+            </a:lvl5pPr>
+            <a:lvl6pPr marL="2286000" indent="0">
+              <a:buNone/>
+              <a:defRPr sz="1600" b="1"/>
+            </a:lvl6pPr>
+            <a:lvl7pPr marL="2743200" indent="0">
+              <a:buNone/>
+              <a:defRPr sz="1600" b="1"/>
+            </a:lvl7pPr>
+            <a:lvl8pPr marL="3200400" indent="0">
+              <a:buNone/>
+              <a:defRPr sz="1600" b="1"/>
+            </a:lvl8pPr>
+            <a:lvl9pPr marL="3657600" indent="0">
+              <a:buNone/>
+              <a:defRPr sz="1600" b="1"/>
+            </a:lvl9pPr>
+          </a:lstStyle>
+          <a:p>
+            <a:pPr lvl="0"/>
+            <a:r>
+              <a:rPr lang="ja-JP" altLang="en-US" smtClean="0"/>
+              <a:t>マスター テキストの書式設定</a:t>
+            </a:r>
+          </a:p>
+        </p:txBody>
+      </p:sp>
+      <p:sp>
+        <p:nvSpPr>
+          <p:cNvPr id="10" name="Text Placeholder 3"/>
+          <p:cNvSpPr>
+            <a:spLocks noGrp="1"/>
+          </p:cNvSpPr>
+          <p:nvPr>
+            <p:ph type="body" sz="half" idx="16"/>
+          </p:nvPr>
+        </p:nvSpPr>
+        <p:spPr>
+          <a:xfrm>
+            <a:off x="4441348" y="2943355"/>
+            <a:ext cx="3303351" cy="2847845"/>
+          </a:xfrm>
+        </p:spPr>
+        <p:txBody>
+          <a:bodyPr anchor="t">
+            <a:normAutofit/>
+          </a:bodyPr>
+          <a:lstStyle>
+            <a:lvl1pPr marL="0" indent="0" algn="ctr">
+              <a:buNone/>
+              <a:defRPr sz="1400"/>
+            </a:lvl1pPr>
+            <a:lvl2pPr marL="457200" indent="0">
+              <a:buNone/>
+              <a:defRPr sz="1200"/>
+            </a:lvl2pPr>
+            <a:lvl3pPr marL="914400" indent="0">
+              <a:buNone/>
+              <a:defRPr sz="1000"/>
+            </a:lvl3pPr>
+            <a:lvl4pPr marL="1371600" indent="0">
+              <a:buNone/>
+              <a:defRPr sz="900"/>
+            </a:lvl4pPr>
+            <a:lvl5pPr marL="1828800" indent="0">
+              <a:buNone/>
+              <a:defRPr sz="900"/>
+            </a:lvl5pPr>
+            <a:lvl6pPr marL="2286000" indent="0">
+              <a:buNone/>
+              <a:defRPr sz="900"/>
+            </a:lvl6pPr>
+            <a:lvl7pPr marL="2743200" indent="0">
+              <a:buNone/>
+              <a:defRPr sz="900"/>
+            </a:lvl7pPr>
+            <a:lvl8pPr marL="3200400" indent="0">
+              <a:buNone/>
+              <a:defRPr sz="900"/>
+            </a:lvl8pPr>
+            <a:lvl9pPr marL="3657600" indent="0">
+              <a:buNone/>
+              <a:defRPr sz="900"/>
+            </a:lvl9pPr>
+          </a:lstStyle>
+          <a:p>
+            <a:pPr lvl="0"/>
+            <a:r>
+              <a:rPr lang="ja-JP" altLang="en-US" smtClean="0"/>
+              <a:t>マスター テキストの書式設定</a:t>
+            </a:r>
+          </a:p>
+        </p:txBody>
+      </p:sp>
+      <p:sp>
+        <p:nvSpPr>
+          <p:cNvPr id="11" name="Text Placeholder 4"/>
+          <p:cNvSpPr>
+            <a:spLocks noGrp="1"/>
+          </p:cNvSpPr>
+          <p:nvPr>
+            <p:ph type="body" sz="quarter" idx="13"/>
+          </p:nvPr>
+        </p:nvSpPr>
+        <p:spPr>
+          <a:xfrm>
+            <a:off x="7973298" y="2367093"/>
+            <a:ext cx="3304928" cy="576262"/>
+          </a:xfrm>
+        </p:spPr>
+        <p:txBody>
+          <a:bodyPr anchor="b">
+            <a:noAutofit/>
+          </a:bodyPr>
+          <a:lstStyle>
+            <a:lvl1pPr marL="0" indent="0" algn="ctr">
+              <a:lnSpc>
+                <a:spcPct val="85000"/>
+              </a:lnSpc>
+              <a:buNone/>
+              <a:defRPr sz="2400" b="0">
+                <a:solidFill>
+                  <a:schemeClr val="tx1"/>
+                </a:solidFill>
+              </a:defRPr>
+            </a:lvl1pPr>
+            <a:lvl2pPr marL="457200" indent="0">
+              <a:buNone/>
+              <a:defRPr sz="2000" b="1"/>
+            </a:lvl2pPr>
+            <a:lvl3pPr marL="914400" indent="0">
+              <a:buNone/>
+              <a:defRPr sz="1800" b="1"/>
+            </a:lvl3pPr>
+            <a:lvl4pPr marL="1371600" indent="0">
+              <a:buNone/>
+              <a:defRPr sz="1600" b="1"/>
+            </a:lvl4pPr>
+            <a:lvl5pPr marL="1828800" indent="0">
+              <a:buNone/>
+              <a:defRPr sz="1600" b="1"/>
+            </a:lvl5pPr>
+            <a:lvl6pPr marL="2286000" indent="0">
+              <a:buNone/>
+              <a:defRPr sz="1600" b="1"/>
+            </a:lvl6pPr>
+            <a:lvl7pPr marL="2743200" indent="0">
+              <a:buNone/>
+              <a:defRPr sz="1600" b="1"/>
+            </a:lvl7pPr>
+            <a:lvl8pPr marL="3200400" indent="0">
+              <a:buNone/>
+              <a:defRPr sz="1600" b="1"/>
+            </a:lvl8pPr>
+            <a:lvl9pPr marL="3657600" indent="0">
+              <a:buNone/>
+              <a:defRPr sz="1600" b="1"/>
+            </a:lvl9pPr>
+          </a:lstStyle>
+          <a:p>
+            <a:pPr lvl="0"/>
+            <a:r>
+              <a:rPr lang="ja-JP" altLang="en-US" smtClean="0"/>
+              <a:t>マスター テキストの書式設定</a:t>
+            </a:r>
+          </a:p>
+        </p:txBody>
+      </p:sp>
+      <p:sp>
+        <p:nvSpPr>
+          <p:cNvPr id="12" name="Text Placeholder 3"/>
+          <p:cNvSpPr>
+            <a:spLocks noGrp="1"/>
+          </p:cNvSpPr>
+          <p:nvPr>
+            <p:ph type="body" sz="half" idx="17"/>
+          </p:nvPr>
+        </p:nvSpPr>
+        <p:spPr>
+          <a:xfrm>
+            <a:off x="7973298" y="2943355"/>
+            <a:ext cx="3304928" cy="2847845"/>
+          </a:xfrm>
+        </p:spPr>
+        <p:txBody>
+          <a:bodyPr anchor="t">
+            <a:normAutofit/>
+          </a:bodyPr>
+          <a:lstStyle>
+            <a:lvl1pPr marL="0" indent="0" algn="ctr">
+              <a:buNone/>
+              <a:defRPr sz="1400"/>
+            </a:lvl1pPr>
+            <a:lvl2pPr marL="457200" indent="0">
+              <a:buNone/>
+              <a:defRPr sz="1200"/>
+            </a:lvl2pPr>
+            <a:lvl3pPr marL="914400" indent="0">
+              <a:buNone/>
+              <a:defRPr sz="1000"/>
+            </a:lvl3pPr>
+            <a:lvl4pPr marL="1371600" indent="0">
+              <a:buNone/>
+              <a:defRPr sz="900"/>
+            </a:lvl4pPr>
+            <a:lvl5pPr marL="1828800" indent="0">
+              <a:buNone/>
+              <a:defRPr sz="900"/>
+            </a:lvl5pPr>
+            <a:lvl6pPr marL="2286000" indent="0">
+              <a:buNone/>
+              <a:defRPr sz="900"/>
+            </a:lvl6pPr>
+            <a:lvl7pPr marL="2743200" indent="0">
+              <a:buNone/>
+              <a:defRPr sz="900"/>
+            </a:lvl7pPr>
+            <a:lvl8pPr marL="3200400" indent="0">
+              <a:buNone/>
+              <a:defRPr sz="900"/>
+            </a:lvl8pPr>
+            <a:lvl9pPr marL="3657600" indent="0">
+              <a:buNone/>
+              <a:defRPr sz="900"/>
+            </a:lvl9pPr>
+          </a:lstStyle>
+          <a:p>
+            <a:pPr lvl="0"/>
+            <a:r>
+              <a:rPr lang="ja-JP" altLang="en-US" smtClean="0"/>
+              <a:t>マスター テキストの書式設定</a:t>
+            </a:r>
+          </a:p>
+        </p:txBody>
+      </p:sp>
+      <p:sp>
+        <p:nvSpPr>
+          <p:cNvPr id="3" name="Date Placeholder 2"/>
+          <p:cNvSpPr>
+            <a:spLocks noGrp="1"/>
+          </p:cNvSpPr>
+          <p:nvPr>
+            <p:ph type="dt" sz="half" idx="10"/>
+          </p:nvPr>
+        </p:nvSpPr>
+        <p:spPr/>
+        <p:txBody>
+          <a:bodyPr/>
+          <a:lstStyle/>
+          <a:p>
+            <a:fld id="{FD89AFB0-A4C6-EC4C-9557-1FF136DBB5DF}" type="datetimeFigureOut">
+              <a:rPr kumimoji="1" lang="ja-JP" altLang="en-US" smtClean="0"/>
+              <a:t>2018/1/11</a:t>
+            </a:fld>
+            <a:endParaRPr kumimoji="1" lang="ja-JP" altLang="en-US"/>
+          </a:p>
+        </p:txBody>
+      </p:sp>
+      <p:sp>
+        <p:nvSpPr>
+          <p:cNvPr id="4" name="Footer Placeholder 3"/>
+          <p:cNvSpPr>
+            <a:spLocks noGrp="1"/>
+          </p:cNvSpPr>
+          <p:nvPr>
+            <p:ph type="ftr" sz="quarter" idx="11"/>
+          </p:nvPr>
+        </p:nvSpPr>
+        <p:spPr/>
+        <p:txBody>
+          <a:bodyPr/>
+          <a:lstStyle/>
+          <a:p>
+            <a:endParaRPr kumimoji="1" lang="ja-JP" altLang="en-US"/>
+          </a:p>
+        </p:txBody>
+      </p:sp>
+      <p:sp>
+        <p:nvSpPr>
+          <p:cNvPr id="5" name="Slide Number Placeholder 4"/>
+          <p:cNvSpPr>
+            <a:spLocks noGrp="1"/>
+          </p:cNvSpPr>
+          <p:nvPr>
+            <p:ph type="sldNum" sz="quarter" idx="12"/>
+          </p:nvPr>
+        </p:nvSpPr>
+        <p:spPr/>
+        <p:txBody>
+          <a:bodyPr/>
+          <a:lstStyle/>
+          <a:p>
+            <a:fld id="{34FC7E19-458A-7845-9F39-9CE199DC2296}" type="slidenum">
+              <a:rPr kumimoji="1" lang="ja-JP" altLang="en-US" smtClean="0"/>
+              <a:t>‹#›</a:t>
+            </a:fld>
+            <a:endParaRPr kumimoji="1" lang="ja-JP" altLang="en-US"/>
+          </a:p>
+        </p:txBody>
+      </p:sp>
+    </p:spTree>
+  </p:cSld>
+  <p:clrMapOvr>
+    <a:masterClrMapping/>
+  </p:clrMapOvr>
+</p:sldLayout>
+</file>
+
+<file path=ppt/slideLayouts/slideLayout15.xml><?xml version="1.0" encoding="utf-8"?>
+<p:sldLayout xmlns:a="http://schemas.openxmlformats.org/drawingml/2006/main" xmlns:r="http://schemas.openxmlformats.org/officeDocument/2006/relationships" xmlns:p="http://schemas.openxmlformats.org/presentationml/2006/main" preserve="1">
+  <p:cSld name="3 つの画像列">
+    <p:spTree>
+      <p:nvGrpSpPr>
+        <p:cNvPr id="1" name=""/>
+        <p:cNvGrpSpPr/>
+        <p:nvPr/>
+      </p:nvGrpSpPr>
+      <p:grpSpPr>
+        <a:xfrm>
+          <a:off x="0" y="0"/>
+          <a:ext cx="0" cy="0"/>
+          <a:chOff x="0" y="0"/>
+          <a:chExt cx="0" cy="0"/>
+        </a:xfrm>
+      </p:grpSpPr>
+      <p:pic>
+        <p:nvPicPr>
+          <p:cNvPr id="16" name="Picture 15" descr="Droplets-HD-Content-R1d.png"/>
+          <p:cNvPicPr>
+            <a:picLocks noChangeAspect="1"/>
+          </p:cNvPicPr>
+          <p:nvPr/>
+        </p:nvPicPr>
+        <p:blipFill>
+          <a:blip r:embed="rId2">
+            <a:extLst>
+              <a:ext uri="{28A0092B-C50C-407E-A947-70E740481C1C}">
+                <a14:useLocalDpi xmlns:a14="http://schemas.microsoft.com/office/drawing/2010/main" val="0"/>
+              </a:ext>
+            </a:extLst>
+          </a:blip>
+          <a:stretch>
+            <a:fillRect/>
+          </a:stretch>
+        </p:blipFill>
+        <p:spPr>
+          <a:xfrm>
+            <a:off x="0" y="0"/>
+            <a:ext cx="12192000" cy="6858000"/>
+          </a:xfrm>
+          <a:prstGeom prst="rect">
+            <a:avLst/>
+          </a:prstGeom>
+        </p:spPr>
+      </p:pic>
+      <p:sp>
+        <p:nvSpPr>
+          <p:cNvPr id="30" name="Title 1"/>
+          <p:cNvSpPr>
+            <a:spLocks noGrp="1"/>
+          </p:cNvSpPr>
+          <p:nvPr>
+            <p:ph type="title"/>
+          </p:nvPr>
+        </p:nvSpPr>
+        <p:spPr>
+          <a:xfrm>
+            <a:off x="913774" y="610772"/>
+            <a:ext cx="10364452" cy="1603922"/>
+          </a:xfrm>
+        </p:spPr>
+        <p:txBody>
+          <a:bodyPr/>
+          <a:lstStyle/>
+          <a:p>
+            <a:r>
+              <a:rPr lang="ja-JP" altLang="en-US" smtClean="0"/>
+              <a:t>マスター タイトルの書式設定</a:t>
+            </a:r>
+            <a:endParaRPr lang="en-US" dirty="0"/>
+          </a:p>
+        </p:txBody>
+      </p:sp>
+      <p:sp>
+        <p:nvSpPr>
+          <p:cNvPr id="19" name="Text Placeholder 2"/>
+          <p:cNvSpPr>
+            <a:spLocks noGrp="1"/>
+          </p:cNvSpPr>
+          <p:nvPr>
+            <p:ph type="body" idx="1"/>
+          </p:nvPr>
+        </p:nvSpPr>
+        <p:spPr>
+          <a:xfrm>
+            <a:off x="913774" y="4204820"/>
+            <a:ext cx="3296409" cy="576262"/>
+          </a:xfrm>
+        </p:spPr>
+        <p:txBody>
+          <a:bodyPr anchor="b">
+            <a:noAutofit/>
+          </a:bodyPr>
+          <a:lstStyle>
+            <a:lvl1pPr marL="0" indent="0" algn="ctr">
+              <a:lnSpc>
+                <a:spcPct val="85000"/>
+              </a:lnSpc>
+              <a:buNone/>
+              <a:defRPr sz="2200" b="0">
+                <a:solidFill>
+                  <a:schemeClr val="tx1"/>
+                </a:solidFill>
+              </a:defRPr>
+            </a:lvl1pPr>
+            <a:lvl2pPr marL="457200" indent="0">
+              <a:buNone/>
+              <a:defRPr sz="2000" b="1"/>
+            </a:lvl2pPr>
+            <a:lvl3pPr marL="914400" indent="0">
+              <a:buNone/>
+              <a:defRPr sz="1800" b="1"/>
+            </a:lvl3pPr>
+            <a:lvl4pPr marL="1371600" indent="0">
+              <a:buNone/>
+              <a:defRPr sz="1600" b="1"/>
+            </a:lvl4pPr>
+            <a:lvl5pPr marL="1828800" indent="0">
+              <a:buNone/>
+              <a:defRPr sz="1600" b="1"/>
+            </a:lvl5pPr>
+            <a:lvl6pPr marL="2286000" indent="0">
+              <a:buNone/>
+              <a:defRPr sz="1600" b="1"/>
+            </a:lvl6pPr>
+            <a:lvl7pPr marL="2743200" indent="0">
+              <a:buNone/>
+              <a:defRPr sz="1600" b="1"/>
+            </a:lvl7pPr>
+            <a:lvl8pPr marL="3200400" indent="0">
+              <a:buNone/>
+              <a:defRPr sz="1600" b="1"/>
+            </a:lvl8pPr>
+            <a:lvl9pPr marL="3657600" indent="0">
+              <a:buNone/>
+              <a:defRPr sz="1600" b="1"/>
+            </a:lvl9pPr>
+          </a:lstStyle>
+          <a:p>
+            <a:pPr lvl="0"/>
+            <a:r>
+              <a:rPr lang="ja-JP" altLang="en-US" smtClean="0"/>
+              <a:t>マスター テキストの書式設定</a:t>
+            </a:r>
+          </a:p>
+        </p:txBody>
+      </p:sp>
+      <p:sp>
+        <p:nvSpPr>
+          <p:cNvPr id="20" name="Picture Placeholder 2"/>
+          <p:cNvSpPr>
+            <a:spLocks noGrp="1" noChangeAspect="1"/>
+          </p:cNvSpPr>
+          <p:nvPr>
+            <p:ph type="pic" idx="15"/>
+          </p:nvPr>
+        </p:nvSpPr>
+        <p:spPr>
+          <a:xfrm>
+            <a:off x="913774" y="2367093"/>
+            <a:ext cx="3296409" cy="1524000"/>
+          </a:xfrm>
+          <a:prstGeom prst="roundRect">
+            <a:avLst>
+              <a:gd name="adj" fmla="val 9363"/>
+            </a:avLst>
+          </a:prstGeom>
+          <a:noFill/>
+          <a:ln w="82550" cap="sq">
+            <a:solidFill>
+              <a:srgbClr val="EAEAEA"/>
+            </a:solidFill>
+            <a:miter lim="800000"/>
+          </a:ln>
+          <a:effectLst/>
+          <a:scene3d>
+            <a:camera prst="orthographicFront"/>
+            <a:lightRig rig="threePt" dir="t">
+              <a:rot lat="0" lon="0" rev="2700000"/>
+            </a:lightRig>
+          </a:scene3d>
+          <a:sp3d contourW="6350">
+            <a:bevelT h="38100"/>
+            <a:contourClr>
+              <a:srgbClr val="C0C0C0"/>
+            </a:contourClr>
+          </a:sp3d>
+        </p:spPr>
+        <p:txBody>
+          <a:bodyPr anchor="t">
+            <a:normAutofit/>
+          </a:bodyPr>
+          <a:lstStyle>
+            <a:lvl1pPr marL="0" indent="0" algn="ctr">
+              <a:buNone/>
+              <a:defRPr sz="1600"/>
+            </a:lvl1pPr>
+            <a:lvl2pPr marL="457200" indent="0">
+              <a:buNone/>
+              <a:defRPr sz="1600"/>
+            </a:lvl2pPr>
+            <a:lvl3pPr marL="914400" indent="0">
+              <a:buNone/>
+              <a:defRPr sz="1600"/>
+            </a:lvl3pPr>
+            <a:lvl4pPr marL="1371600" indent="0">
+              <a:buNone/>
+              <a:defRPr sz="1600"/>
+            </a:lvl4pPr>
+            <a:lvl5pPr marL="1828800" indent="0">
+              <a:buNone/>
+              <a:defRPr sz="1600"/>
+            </a:lvl5pPr>
+            <a:lvl6pPr marL="2286000" indent="0">
+              <a:buNone/>
+              <a:defRPr sz="1600"/>
+            </a:lvl6pPr>
+            <a:lvl7pPr marL="2743200" indent="0">
+              <a:buNone/>
+              <a:defRPr sz="1600"/>
+            </a:lvl7pPr>
+            <a:lvl8pPr marL="3200400" indent="0">
+              <a:buNone/>
+              <a:defRPr sz="1600"/>
+            </a:lvl8pPr>
+            <a:lvl9pPr marL="3657600" indent="0">
+              <a:buNone/>
+              <a:defRPr sz="1600"/>
+            </a:lvl9pPr>
+          </a:lstStyle>
+          <a:p>
+            <a:r>
+              <a:rPr lang="ja-JP" altLang="en-US" smtClean="0"/>
+              <a:t>プレースホルダーまでドラッグするかアイコンをクリックして図を追加</a:t>
+            </a:r>
+            <a:endParaRPr lang="en-US" dirty="0"/>
+          </a:p>
+        </p:txBody>
+      </p:sp>
+      <p:sp>
+        <p:nvSpPr>
+          <p:cNvPr id="21" name="Text Placeholder 3"/>
+          <p:cNvSpPr>
+            <a:spLocks noGrp="1"/>
+          </p:cNvSpPr>
+          <p:nvPr>
+            <p:ph type="body" sz="half" idx="18"/>
+          </p:nvPr>
+        </p:nvSpPr>
+        <p:spPr>
+          <a:xfrm>
+            <a:off x="913774" y="4781082"/>
+            <a:ext cx="3296409" cy="1010118"/>
+          </a:xfrm>
+        </p:spPr>
+        <p:txBody>
+          <a:bodyPr anchor="t">
+            <a:normAutofit/>
+          </a:bodyPr>
+          <a:lstStyle>
+            <a:lvl1pPr marL="0" indent="0" algn="ctr">
+              <a:buNone/>
+              <a:defRPr sz="1400"/>
+            </a:lvl1pPr>
+            <a:lvl2pPr marL="457200" indent="0">
+              <a:buNone/>
+              <a:defRPr sz="1200"/>
+            </a:lvl2pPr>
+            <a:lvl3pPr marL="914400" indent="0">
+              <a:buNone/>
+              <a:defRPr sz="1000"/>
+            </a:lvl3pPr>
+            <a:lvl4pPr marL="1371600" indent="0">
+              <a:buNone/>
+              <a:defRPr sz="900"/>
+            </a:lvl4pPr>
+            <a:lvl5pPr marL="1828800" indent="0">
+              <a:buNone/>
+              <a:defRPr sz="900"/>
+            </a:lvl5pPr>
+            <a:lvl6pPr marL="2286000" indent="0">
+              <a:buNone/>
+              <a:defRPr sz="900"/>
+            </a:lvl6pPr>
+            <a:lvl7pPr marL="2743200" indent="0">
+              <a:buNone/>
+              <a:defRPr sz="900"/>
+            </a:lvl7pPr>
+            <a:lvl8pPr marL="3200400" indent="0">
+              <a:buNone/>
+              <a:defRPr sz="900"/>
+            </a:lvl8pPr>
+            <a:lvl9pPr marL="3657600" indent="0">
+              <a:buNone/>
+              <a:defRPr sz="900"/>
+            </a:lvl9pPr>
+          </a:lstStyle>
+          <a:p>
+            <a:pPr lvl="0"/>
+            <a:r>
+              <a:rPr lang="ja-JP" altLang="en-US" smtClean="0"/>
+              <a:t>マスター テキストの書式設定</a:t>
+            </a:r>
+          </a:p>
+        </p:txBody>
+      </p:sp>
+      <p:sp>
+        <p:nvSpPr>
+          <p:cNvPr id="22" name="Text Placeholder 4"/>
+          <p:cNvSpPr>
+            <a:spLocks noGrp="1"/>
+          </p:cNvSpPr>
+          <p:nvPr>
+            <p:ph type="body" sz="quarter" idx="3"/>
+          </p:nvPr>
+        </p:nvSpPr>
+        <p:spPr>
+          <a:xfrm>
+            <a:off x="4442759" y="4204820"/>
+            <a:ext cx="3301828" cy="576262"/>
+          </a:xfrm>
+        </p:spPr>
+        <p:txBody>
+          <a:bodyPr anchor="b">
+            <a:noAutofit/>
+          </a:bodyPr>
+          <a:lstStyle>
+            <a:lvl1pPr marL="0" indent="0" algn="ctr">
+              <a:lnSpc>
+                <a:spcPct val="85000"/>
+              </a:lnSpc>
+              <a:buNone/>
+              <a:defRPr sz="2200" b="0">
+                <a:solidFill>
+                  <a:schemeClr val="tx1"/>
+                </a:solidFill>
+              </a:defRPr>
+            </a:lvl1pPr>
+            <a:lvl2pPr marL="457200" indent="0">
+              <a:buNone/>
+              <a:defRPr sz="2000" b="1"/>
+            </a:lvl2pPr>
+            <a:lvl3pPr marL="914400" indent="0">
+              <a:buNone/>
+              <a:defRPr sz="1800" b="1"/>
+            </a:lvl3pPr>
+            <a:lvl4pPr marL="1371600" indent="0">
+              <a:buNone/>
+              <a:defRPr sz="1600" b="1"/>
+            </a:lvl4pPr>
+            <a:lvl5pPr marL="1828800" indent="0">
+              <a:buNone/>
+              <a:defRPr sz="1600" b="1"/>
+            </a:lvl5pPr>
+            <a:lvl6pPr marL="2286000" indent="0">
+              <a:buNone/>
+              <a:defRPr sz="1600" b="1"/>
+            </a:lvl6pPr>
+            <a:lvl7pPr marL="2743200" indent="0">
+              <a:buNone/>
+              <a:defRPr sz="1600" b="1"/>
+            </a:lvl7pPr>
+            <a:lvl8pPr marL="3200400" indent="0">
+              <a:buNone/>
+              <a:defRPr sz="1600" b="1"/>
+            </a:lvl8pPr>
+            <a:lvl9pPr marL="3657600" indent="0">
+              <a:buNone/>
+              <a:defRPr sz="1600" b="1"/>
+            </a:lvl9pPr>
+          </a:lstStyle>
+          <a:p>
+            <a:pPr lvl="0"/>
+            <a:r>
+              <a:rPr lang="ja-JP" altLang="en-US" smtClean="0"/>
+              <a:t>マスター テキストの書式設定</a:t>
+            </a:r>
+          </a:p>
+        </p:txBody>
+      </p:sp>
+      <p:sp>
+        <p:nvSpPr>
+          <p:cNvPr id="23" name="Picture Placeholder 2"/>
+          <p:cNvSpPr>
+            <a:spLocks noGrp="1" noChangeAspect="1"/>
+          </p:cNvSpPr>
+          <p:nvPr>
+            <p:ph type="pic" idx="21"/>
+          </p:nvPr>
+        </p:nvSpPr>
+        <p:spPr>
+          <a:xfrm>
+            <a:off x="4441348" y="2367093"/>
+            <a:ext cx="3303352" cy="1524000"/>
+          </a:xfrm>
+          <a:prstGeom prst="roundRect">
+            <a:avLst>
+              <a:gd name="adj" fmla="val 8841"/>
+            </a:avLst>
+          </a:prstGeom>
+          <a:noFill/>
+          <a:ln w="82550" cap="sq">
+            <a:solidFill>
+              <a:srgbClr val="EAEAEA"/>
+            </a:solidFill>
+            <a:miter lim="800000"/>
+          </a:ln>
+          <a:effectLst/>
+          <a:scene3d>
+            <a:camera prst="orthographicFront"/>
+            <a:lightRig rig="threePt" dir="t">
+              <a:rot lat="0" lon="0" rev="2700000"/>
+            </a:lightRig>
+          </a:scene3d>
+          <a:sp3d contourW="6350">
+            <a:bevelT h="38100"/>
+            <a:contourClr>
+              <a:srgbClr val="C0C0C0"/>
+            </a:contourClr>
+          </a:sp3d>
+        </p:spPr>
+        <p:txBody>
+          <a:bodyPr anchor="t">
+            <a:normAutofit/>
+          </a:bodyPr>
+          <a:lstStyle>
+            <a:lvl1pPr marL="0" indent="0" algn="ctr">
+              <a:buNone/>
+              <a:defRPr sz="1600"/>
+            </a:lvl1pPr>
+            <a:lvl2pPr marL="457200" indent="0">
+              <a:buNone/>
+              <a:defRPr sz="1600"/>
+            </a:lvl2pPr>
+            <a:lvl3pPr marL="914400" indent="0">
+              <a:buNone/>
+              <a:defRPr sz="1600"/>
+            </a:lvl3pPr>
+            <a:lvl4pPr marL="1371600" indent="0">
+              <a:buNone/>
+              <a:defRPr sz="1600"/>
+            </a:lvl4pPr>
+            <a:lvl5pPr marL="1828800" indent="0">
+              <a:buNone/>
+              <a:defRPr sz="1600"/>
+            </a:lvl5pPr>
+            <a:lvl6pPr marL="2286000" indent="0">
+              <a:buNone/>
+              <a:defRPr sz="1600"/>
+            </a:lvl6pPr>
+            <a:lvl7pPr marL="2743200" indent="0">
+              <a:buNone/>
+              <a:defRPr sz="1600"/>
+            </a:lvl7pPr>
+            <a:lvl8pPr marL="3200400" indent="0">
+              <a:buNone/>
+              <a:defRPr sz="1600"/>
+            </a:lvl8pPr>
+            <a:lvl9pPr marL="3657600" indent="0">
+              <a:buNone/>
+              <a:defRPr sz="1600"/>
+            </a:lvl9pPr>
+          </a:lstStyle>
+          <a:p>
+            <a:r>
+              <a:rPr lang="ja-JP" altLang="en-US" smtClean="0"/>
+              <a:t>プレースホルダーまでドラッグするかアイコンをクリックして図を追加</a:t>
+            </a:r>
+            <a:endParaRPr lang="en-US" dirty="0"/>
+          </a:p>
+        </p:txBody>
+      </p:sp>
+      <p:sp>
+        <p:nvSpPr>
+          <p:cNvPr id="24" name="Text Placeholder 3"/>
+          <p:cNvSpPr>
+            <a:spLocks noGrp="1"/>
+          </p:cNvSpPr>
+          <p:nvPr>
+            <p:ph type="body" sz="half" idx="19"/>
+          </p:nvPr>
+        </p:nvSpPr>
+        <p:spPr>
+          <a:xfrm>
+            <a:off x="4441348" y="4781080"/>
+            <a:ext cx="3303352" cy="1010119"/>
+          </a:xfrm>
+        </p:spPr>
+        <p:txBody>
+          <a:bodyPr anchor="t">
+            <a:normAutofit/>
+          </a:bodyPr>
+          <a:lstStyle>
+            <a:lvl1pPr marL="0" indent="0" algn="ctr">
+              <a:buNone/>
+              <a:defRPr sz="1400"/>
+            </a:lvl1pPr>
+            <a:lvl2pPr marL="457200" indent="0">
+              <a:buNone/>
+              <a:defRPr sz="1200"/>
+            </a:lvl2pPr>
+            <a:lvl3pPr marL="914400" indent="0">
+              <a:buNone/>
+              <a:defRPr sz="1000"/>
+            </a:lvl3pPr>
+            <a:lvl4pPr marL="1371600" indent="0">
+              <a:buNone/>
+              <a:defRPr sz="900"/>
+            </a:lvl4pPr>
+            <a:lvl5pPr marL="1828800" indent="0">
+              <a:buNone/>
+              <a:defRPr sz="900"/>
+            </a:lvl5pPr>
+            <a:lvl6pPr marL="2286000" indent="0">
+              <a:buNone/>
+              <a:defRPr sz="900"/>
+            </a:lvl6pPr>
+            <a:lvl7pPr marL="2743200" indent="0">
+              <a:buNone/>
+              <a:defRPr sz="900"/>
+            </a:lvl7pPr>
+            <a:lvl8pPr marL="3200400" indent="0">
+              <a:buNone/>
+              <a:defRPr sz="900"/>
+            </a:lvl8pPr>
+            <a:lvl9pPr marL="3657600" indent="0">
+              <a:buNone/>
+              <a:defRPr sz="900"/>
+            </a:lvl9pPr>
+          </a:lstStyle>
+          <a:p>
+            <a:pPr lvl="0"/>
+            <a:r>
+              <a:rPr lang="ja-JP" altLang="en-US" smtClean="0"/>
+              <a:t>マスター テキストの書式設定</a:t>
+            </a:r>
+          </a:p>
+        </p:txBody>
+      </p:sp>
+      <p:sp>
+        <p:nvSpPr>
+          <p:cNvPr id="25" name="Text Placeholder 4"/>
+          <p:cNvSpPr>
+            <a:spLocks noGrp="1"/>
+          </p:cNvSpPr>
+          <p:nvPr>
+            <p:ph type="body" sz="quarter" idx="13"/>
+          </p:nvPr>
+        </p:nvSpPr>
+        <p:spPr>
+          <a:xfrm>
+            <a:off x="7973298" y="4204820"/>
+            <a:ext cx="3300681" cy="576262"/>
+          </a:xfrm>
+        </p:spPr>
+        <p:txBody>
+          <a:bodyPr anchor="b">
+            <a:noAutofit/>
+          </a:bodyPr>
+          <a:lstStyle>
+            <a:lvl1pPr marL="0" indent="0" algn="ctr">
+              <a:lnSpc>
+                <a:spcPct val="85000"/>
+              </a:lnSpc>
+              <a:buNone/>
+              <a:defRPr sz="2200" b="0">
+                <a:solidFill>
+                  <a:schemeClr val="tx1"/>
+                </a:solidFill>
+              </a:defRPr>
+            </a:lvl1pPr>
+            <a:lvl2pPr marL="457200" indent="0">
+              <a:buNone/>
+              <a:defRPr sz="2000" b="1"/>
+            </a:lvl2pPr>
+            <a:lvl3pPr marL="914400" indent="0">
+              <a:buNone/>
+              <a:defRPr sz="1800" b="1"/>
+            </a:lvl3pPr>
+            <a:lvl4pPr marL="1371600" indent="0">
+              <a:buNone/>
+              <a:defRPr sz="1600" b="1"/>
+            </a:lvl4pPr>
+            <a:lvl5pPr marL="1828800" indent="0">
+              <a:buNone/>
+              <a:defRPr sz="1600" b="1"/>
+            </a:lvl5pPr>
+            <a:lvl6pPr marL="2286000" indent="0">
+              <a:buNone/>
+              <a:defRPr sz="1600" b="1"/>
+            </a:lvl6pPr>
+            <a:lvl7pPr marL="2743200" indent="0">
+              <a:buNone/>
+              <a:defRPr sz="1600" b="1"/>
+            </a:lvl7pPr>
+            <a:lvl8pPr marL="3200400" indent="0">
+              <a:buNone/>
+              <a:defRPr sz="1600" b="1"/>
+            </a:lvl8pPr>
+            <a:lvl9pPr marL="3657600" indent="0">
+              <a:buNone/>
+              <a:defRPr sz="1600" b="1"/>
+            </a:lvl9pPr>
+          </a:lstStyle>
+          <a:p>
+            <a:pPr lvl="0"/>
+            <a:r>
+              <a:rPr lang="ja-JP" altLang="en-US" smtClean="0"/>
+              <a:t>マスター テキストの書式設定</a:t>
+            </a:r>
+          </a:p>
+        </p:txBody>
+      </p:sp>
+      <p:sp>
+        <p:nvSpPr>
+          <p:cNvPr id="26" name="Picture Placeholder 2"/>
+          <p:cNvSpPr>
+            <a:spLocks noGrp="1" noChangeAspect="1"/>
+          </p:cNvSpPr>
+          <p:nvPr>
+            <p:ph type="pic" idx="22"/>
+          </p:nvPr>
+        </p:nvSpPr>
+        <p:spPr>
+          <a:xfrm>
+            <a:off x="7973298" y="2367093"/>
+            <a:ext cx="3304928" cy="1524000"/>
+          </a:xfrm>
+          <a:prstGeom prst="roundRect">
+            <a:avLst>
+              <a:gd name="adj" fmla="val 8841"/>
+            </a:avLst>
+          </a:prstGeom>
+          <a:noFill/>
+          <a:ln w="82550" cap="sq">
+            <a:solidFill>
+              <a:srgbClr val="EAEAEA"/>
+            </a:solidFill>
+            <a:miter lim="800000"/>
+          </a:ln>
+          <a:effectLst/>
+          <a:scene3d>
+            <a:camera prst="orthographicFront"/>
+            <a:lightRig rig="threePt" dir="t">
+              <a:rot lat="0" lon="0" rev="2700000"/>
+            </a:lightRig>
+          </a:scene3d>
+          <a:sp3d contourW="6350">
+            <a:bevelT h="38100"/>
+            <a:contourClr>
+              <a:srgbClr val="C0C0C0"/>
+            </a:contourClr>
+          </a:sp3d>
+        </p:spPr>
+        <p:txBody>
+          <a:bodyPr anchor="t">
+            <a:normAutofit/>
+          </a:bodyPr>
+          <a:lstStyle>
+            <a:lvl1pPr marL="0" indent="0" algn="ctr">
+              <a:buNone/>
+              <a:defRPr sz="1600"/>
+            </a:lvl1pPr>
+            <a:lvl2pPr marL="457200" indent="0">
+              <a:buNone/>
+              <a:defRPr sz="1600"/>
+            </a:lvl2pPr>
+            <a:lvl3pPr marL="914400" indent="0">
+              <a:buNone/>
+              <a:defRPr sz="1600"/>
+            </a:lvl3pPr>
+            <a:lvl4pPr marL="1371600" indent="0">
+              <a:buNone/>
+              <a:defRPr sz="1600"/>
+            </a:lvl4pPr>
+            <a:lvl5pPr marL="1828800" indent="0">
+              <a:buNone/>
+              <a:defRPr sz="1600"/>
+            </a:lvl5pPr>
+            <a:lvl6pPr marL="2286000" indent="0">
+              <a:buNone/>
+              <a:defRPr sz="1600"/>
+            </a:lvl6pPr>
+            <a:lvl7pPr marL="2743200" indent="0">
+              <a:buNone/>
+              <a:defRPr sz="1600"/>
+            </a:lvl7pPr>
+            <a:lvl8pPr marL="3200400" indent="0">
+              <a:buNone/>
+              <a:defRPr sz="1600"/>
+            </a:lvl8pPr>
+            <a:lvl9pPr marL="3657600" indent="0">
+              <a:buNone/>
+              <a:defRPr sz="1600"/>
+            </a:lvl9pPr>
+          </a:lstStyle>
+          <a:p>
+            <a:r>
+              <a:rPr lang="ja-JP" altLang="en-US" smtClean="0"/>
+              <a:t>プレースホルダーまでドラッグするかアイコンをクリックして図を追加</a:t>
+            </a:r>
+            <a:endParaRPr lang="en-US" dirty="0"/>
+          </a:p>
+        </p:txBody>
+      </p:sp>
+      <p:sp>
+        <p:nvSpPr>
+          <p:cNvPr id="27" name="Text Placeholder 3"/>
+          <p:cNvSpPr>
+            <a:spLocks noGrp="1"/>
+          </p:cNvSpPr>
+          <p:nvPr>
+            <p:ph type="body" sz="half" idx="20"/>
+          </p:nvPr>
+        </p:nvSpPr>
+        <p:spPr>
+          <a:xfrm>
+            <a:off x="7973173" y="4781078"/>
+            <a:ext cx="3305053" cy="1010121"/>
+          </a:xfrm>
+        </p:spPr>
+        <p:txBody>
+          <a:bodyPr anchor="t">
+            <a:normAutofit/>
+          </a:bodyPr>
+          <a:lstStyle>
+            <a:lvl1pPr marL="0" indent="0" algn="ctr">
+              <a:buNone/>
+              <a:defRPr sz="1400"/>
+            </a:lvl1pPr>
+            <a:lvl2pPr marL="457200" indent="0">
+              <a:buNone/>
+              <a:defRPr sz="1200"/>
+            </a:lvl2pPr>
+            <a:lvl3pPr marL="914400" indent="0">
+              <a:buNone/>
+              <a:defRPr sz="1000"/>
+            </a:lvl3pPr>
+            <a:lvl4pPr marL="1371600" indent="0">
+              <a:buNone/>
+              <a:defRPr sz="900"/>
+            </a:lvl4pPr>
+            <a:lvl5pPr marL="1828800" indent="0">
+              <a:buNone/>
+              <a:defRPr sz="900"/>
+            </a:lvl5pPr>
+            <a:lvl6pPr marL="2286000" indent="0">
+              <a:buNone/>
+              <a:defRPr sz="900"/>
+            </a:lvl6pPr>
+            <a:lvl7pPr marL="2743200" indent="0">
+              <a:buNone/>
+              <a:defRPr sz="900"/>
+            </a:lvl7pPr>
+            <a:lvl8pPr marL="3200400" indent="0">
+              <a:buNone/>
+              <a:defRPr sz="900"/>
+            </a:lvl8pPr>
+            <a:lvl9pPr marL="3657600" indent="0">
+              <a:buNone/>
+              <a:defRPr sz="900"/>
+            </a:lvl9pPr>
+          </a:lstStyle>
+          <a:p>
+            <a:pPr lvl="0"/>
+            <a:r>
+              <a:rPr lang="ja-JP" altLang="en-US" smtClean="0"/>
+              <a:t>マスター テキストの書式設定</a:t>
+            </a:r>
+          </a:p>
+        </p:txBody>
+      </p:sp>
+      <p:sp>
+        <p:nvSpPr>
+          <p:cNvPr id="3" name="Date Placeholder 2"/>
+          <p:cNvSpPr>
+            <a:spLocks noGrp="1"/>
+          </p:cNvSpPr>
+          <p:nvPr>
+            <p:ph type="dt" sz="half" idx="10"/>
+          </p:nvPr>
+        </p:nvSpPr>
+        <p:spPr/>
+        <p:txBody>
+          <a:bodyPr/>
+          <a:lstStyle/>
+          <a:p>
+            <a:fld id="{FD89AFB0-A4C6-EC4C-9557-1FF136DBB5DF}" type="datetimeFigureOut">
+              <a:rPr kumimoji="1" lang="ja-JP" altLang="en-US" smtClean="0"/>
+              <a:t>2018/1/11</a:t>
+            </a:fld>
+            <a:endParaRPr kumimoji="1" lang="ja-JP" altLang="en-US"/>
+          </a:p>
+        </p:txBody>
+      </p:sp>
+      <p:sp>
+        <p:nvSpPr>
+          <p:cNvPr id="4" name="Footer Placeholder 3"/>
+          <p:cNvSpPr>
+            <a:spLocks noGrp="1"/>
+          </p:cNvSpPr>
+          <p:nvPr>
+            <p:ph type="ftr" sz="quarter" idx="11"/>
+          </p:nvPr>
+        </p:nvSpPr>
+        <p:spPr/>
+        <p:txBody>
+          <a:bodyPr/>
+          <a:lstStyle/>
+          <a:p>
+            <a:endParaRPr kumimoji="1" lang="ja-JP" altLang="en-US"/>
+          </a:p>
+        </p:txBody>
+      </p:sp>
+      <p:sp>
+        <p:nvSpPr>
+          <p:cNvPr id="5" name="Slide Number Placeholder 4"/>
+          <p:cNvSpPr>
+            <a:spLocks noGrp="1"/>
+          </p:cNvSpPr>
+          <p:nvPr>
+            <p:ph type="sldNum" sz="quarter" idx="12"/>
+          </p:nvPr>
+        </p:nvSpPr>
+        <p:spPr/>
+        <p:txBody>
+          <a:bodyPr/>
+          <a:lstStyle/>
+          <a:p>
+            <a:fld id="{34FC7E19-458A-7845-9F39-9CE199DC2296}" type="slidenum">
+              <a:rPr kumimoji="1" lang="ja-JP" altLang="en-US" smtClean="0"/>
+              <a:t>‹#›</a:t>
+            </a:fld>
+            <a:endParaRPr kumimoji="1" lang="ja-JP" altLang="en-US"/>
+          </a:p>
+        </p:txBody>
+      </p:sp>
+    </p:spTree>
+  </p:cSld>
+  <p:clrMapOvr>
+    <a:masterClrMapping/>
+  </p:clrMapOvr>
+</p:sldLayout>
+</file>
+
+<file path=ppt/slideLayouts/slideLayout16.xml><?xml version="1.0" encoding="utf-8"?>
 <p:sldLayout xmlns:a="http://schemas.openxmlformats.org/drawingml/2006/main" xmlns:r="http://schemas.openxmlformats.org/officeDocument/2006/relationships" xmlns:p="http://schemas.openxmlformats.org/presentationml/2006/main" type="vertTx" preserve="1">
   <p:cSld name="タイトルと&#13;&#10;縦書きテキスト">
     <p:spTree>
@@ -319,9 +3513,39 @@
           <a:chExt cx="0" cy="0"/>
         </a:xfrm>
       </p:grpSpPr>
-      <p:sp>
-        <p:nvSpPr>
-          <p:cNvPr id="2" name="タイトル 1"/>
+      <p:pic>
+        <p:nvPicPr>
+          <p:cNvPr id="8" name="Picture 7" descr="Droplets-HD-Content-R1d.png"/>
+          <p:cNvPicPr>
+            <a:picLocks noChangeAspect="1"/>
+          </p:cNvPicPr>
+          <p:nvPr/>
+        </p:nvPicPr>
+        <p:blipFill>
+          <a:blip r:embed="rId2">
+            <a:extLst>
+              <a:ext uri="{28A0092B-C50C-407E-A947-70E740481C1C}">
+                <a14:useLocalDpi xmlns:a14="http://schemas.microsoft.com/office/drawing/2010/main" val="0"/>
+              </a:ext>
+            </a:extLst>
+          </a:blip>
+          <a:stretch>
+            <a:fillRect/>
+          </a:stretch>
+        </p:blipFill>
+        <p:spPr>
+          <a:xfrm>
+            <a:off x="0" y="0"/>
+            <a:ext cx="12192000" cy="6858000"/>
+          </a:xfrm>
+          <a:prstGeom prst="rect">
+            <a:avLst/>
+          </a:prstGeom>
+        </p:spPr>
+      </p:pic>
+      <p:sp>
+        <p:nvSpPr>
+          <p:cNvPr id="2" name="Title 1"/>
           <p:cNvSpPr>
             <a:spLocks noGrp="1"/>
           </p:cNvSpPr>
@@ -335,100 +3559,105 @@
           <a:lstStyle/>
           <a:p>
             <a:r>
-              <a:rPr kumimoji="1" lang="ja-JP" altLang="en-US" smtClean="0"/>
+              <a:rPr lang="ja-JP" altLang="en-US" smtClean="0"/>
               <a:t>マスター タイトルの書式設定</a:t>
             </a:r>
-            <a:endParaRPr kumimoji="1" lang="ja-JP" altLang="en-US"/>
-          </a:p>
-        </p:txBody>
-      </p:sp>
-      <p:sp>
-        <p:nvSpPr>
-          <p:cNvPr id="3" name="縦書きテキスト プレースホルダー 2"/>
-          <p:cNvSpPr>
-            <a:spLocks noGrp="1"/>
-          </p:cNvSpPr>
-          <p:nvPr>
-            <p:ph type="body" orient="vert" idx="1"/>
-          </p:nvPr>
-        </p:nvSpPr>
-        <p:spPr/>
+            <a:endParaRPr lang="en-US" dirty="0"/>
+          </a:p>
+        </p:txBody>
+      </p:sp>
+      <p:sp>
+        <p:nvSpPr>
+          <p:cNvPr id="11" name="Vertical Text Placeholder 2"/>
+          <p:cNvSpPr>
+            <a:spLocks noGrp="1"/>
+          </p:cNvSpPr>
+          <p:nvPr>
+            <p:ph type="body" orient="vert" sz="quarter" idx="13"/>
+          </p:nvPr>
+        </p:nvSpPr>
+        <p:spPr>
+          <a:xfrm>
+            <a:off x="913775" y="2367093"/>
+            <a:ext cx="10364452" cy="3424107"/>
+          </a:xfrm>
+        </p:spPr>
         <p:txBody>
           <a:bodyPr vert="eaVert"/>
           <a:lstStyle/>
           <a:p>
             <a:pPr lvl="0"/>
             <a:r>
-              <a:rPr kumimoji="1" lang="ja-JP" altLang="en-US" smtClean="0"/>
+              <a:rPr lang="ja-JP" altLang="en-US" smtClean="0"/>
               <a:t>マスター テキストの書式設定</a:t>
             </a:r>
           </a:p>
           <a:p>
             <a:pPr lvl="1"/>
             <a:r>
-              <a:rPr kumimoji="1" lang="ja-JP" altLang="en-US" smtClean="0"/>
+              <a:rPr lang="ja-JP" altLang="en-US" smtClean="0"/>
               <a:t>第 </a:t>
             </a:r>
             <a:r>
-              <a:rPr kumimoji="1" lang="en-US" altLang="ja-JP" smtClean="0"/>
+              <a:rPr lang="en-US" altLang="ja-JP" smtClean="0"/>
               <a:t>2 </a:t>
             </a:r>
             <a:r>
-              <a:rPr kumimoji="1" lang="ja-JP" altLang="en-US" smtClean="0"/>
+              <a:rPr lang="ja-JP" altLang="en-US" smtClean="0"/>
               <a:t>レベル</a:t>
             </a:r>
           </a:p>
           <a:p>
             <a:pPr lvl="2"/>
             <a:r>
-              <a:rPr kumimoji="1" lang="ja-JP" altLang="en-US" smtClean="0"/>
+              <a:rPr lang="ja-JP" altLang="en-US" smtClean="0"/>
               <a:t>第 </a:t>
             </a:r>
             <a:r>
-              <a:rPr kumimoji="1" lang="en-US" altLang="ja-JP" smtClean="0"/>
+              <a:rPr lang="en-US" altLang="ja-JP" smtClean="0"/>
               <a:t>3 </a:t>
             </a:r>
             <a:r>
-              <a:rPr kumimoji="1" lang="ja-JP" altLang="en-US" smtClean="0"/>
+              <a:rPr lang="ja-JP" altLang="en-US" smtClean="0"/>
               <a:t>レベル</a:t>
             </a:r>
           </a:p>
           <a:p>
             <a:pPr lvl="3"/>
             <a:r>
-              <a:rPr kumimoji="1" lang="ja-JP" altLang="en-US" smtClean="0"/>
+              <a:rPr lang="ja-JP" altLang="en-US" smtClean="0"/>
               <a:t>第 </a:t>
             </a:r>
             <a:r>
-              <a:rPr kumimoji="1" lang="en-US" altLang="ja-JP" smtClean="0"/>
+              <a:rPr lang="en-US" altLang="ja-JP" smtClean="0"/>
               <a:t>4 </a:t>
             </a:r>
             <a:r>
-              <a:rPr kumimoji="1" lang="ja-JP" altLang="en-US" smtClean="0"/>
+              <a:rPr lang="ja-JP" altLang="en-US" smtClean="0"/>
               <a:t>レベル</a:t>
             </a:r>
           </a:p>
           <a:p>
             <a:pPr lvl="4"/>
             <a:r>
-              <a:rPr kumimoji="1" lang="ja-JP" altLang="en-US" smtClean="0"/>
+              <a:rPr lang="ja-JP" altLang="en-US" smtClean="0"/>
               <a:t>第 </a:t>
             </a:r>
             <a:r>
-              <a:rPr kumimoji="1" lang="en-US" altLang="ja-JP" smtClean="0"/>
+              <a:rPr lang="en-US" altLang="ja-JP" smtClean="0"/>
               <a:t>5 </a:t>
             </a:r>
             <a:r>
-              <a:rPr kumimoji="1" lang="ja-JP" altLang="en-US" smtClean="0"/>
+              <a:rPr lang="ja-JP" altLang="en-US" smtClean="0"/>
               <a:t>レベル</a:t>
             </a:r>
-            <a:endParaRPr kumimoji="1" lang="ja-JP" altLang="en-US"/>
-          </a:p>
-        </p:txBody>
-      </p:sp>
-      <p:sp>
-        <p:nvSpPr>
-          <p:cNvPr id="4" name="日付プレースホルダー 3"/>
+            <a:endParaRPr lang="en-US" dirty="0"/>
+          </a:p>
+        </p:txBody>
+      </p:sp>
+      <p:sp>
+        <p:nvSpPr>
+          <p:cNvPr id="4" name="Date Placeholder 3"/>
           <p:cNvSpPr>
             <a:spLocks noGrp="1"/>
           </p:cNvSpPr>
@@ -451,7 +3680,7 @@
       </p:sp>
       <p:sp>
         <p:nvSpPr>
-          <p:cNvPr id="5" name="フッター プレースホルダー 4"/>
+          <p:cNvPr id="5" name="Footer Placeholder 4"/>
           <p:cNvSpPr>
             <a:spLocks noGrp="1"/>
           </p:cNvSpPr>
@@ -470,7 +3699,7 @@
       </p:sp>
       <p:sp>
         <p:nvSpPr>
-          <p:cNvPr id="6" name="スライド番号プレースホルダー 5"/>
+          <p:cNvPr id="6" name="Slide Number Placeholder 5"/>
           <p:cNvSpPr>
             <a:spLocks noGrp="1"/>
           </p:cNvSpPr>
@@ -499,7 +3728,7 @@
 </p:sldLayout>
 </file>
 
-<file path=ppt/slideLayouts/slideLayout11.xml><?xml version="1.0" encoding="utf-8"?>
+<file path=ppt/slideLayouts/slideLayout17.xml><?xml version="1.0" encoding="utf-8"?>
 <p:sldLayout xmlns:a="http://schemas.openxmlformats.org/drawingml/2006/main" xmlns:r="http://schemas.openxmlformats.org/officeDocument/2006/relationships" xmlns:p="http://schemas.openxmlformats.org/presentationml/2006/main" type="vertTitleAndTx" preserve="1">
   <p:cSld name="縦書きタイトルと縦書きテキスト">
     <p:spTree>
@@ -516,9 +3745,39 @@
           <a:chExt cx="0" cy="0"/>
         </a:xfrm>
       </p:grpSpPr>
-      <p:sp>
-        <p:nvSpPr>
-          <p:cNvPr id="2" name="縦書きタイトル 1"/>
+      <p:pic>
+        <p:nvPicPr>
+          <p:cNvPr id="9" name="Picture 8" descr="Droplets-HD-Content-R1d.png"/>
+          <p:cNvPicPr>
+            <a:picLocks noChangeAspect="1"/>
+          </p:cNvPicPr>
+          <p:nvPr/>
+        </p:nvPicPr>
+        <p:blipFill>
+          <a:blip r:embed="rId2">
+            <a:extLst>
+              <a:ext uri="{28A0092B-C50C-407E-A947-70E740481C1C}">
+                <a14:useLocalDpi xmlns:a14="http://schemas.microsoft.com/office/drawing/2010/main" val="0"/>
+              </a:ext>
+            </a:extLst>
+          </a:blip>
+          <a:stretch>
+            <a:fillRect/>
+          </a:stretch>
+        </p:blipFill>
+        <p:spPr>
+          <a:xfrm>
+            <a:off x="0" y="0"/>
+            <a:ext cx="12192000" cy="6858000"/>
+          </a:xfrm>
+          <a:prstGeom prst="rect">
+            <a:avLst/>
+          </a:prstGeom>
+        </p:spPr>
+      </p:pic>
+      <p:sp>
+        <p:nvSpPr>
+          <p:cNvPr id="2" name="Vertical Title 1"/>
           <p:cNvSpPr>
             <a:spLocks noGrp="1"/>
           </p:cNvSpPr>
@@ -528,36 +3787,40 @@
         </p:nvSpPr>
         <p:spPr>
           <a:xfrm>
-            <a:off x="8724900" y="365125"/>
-            <a:ext cx="2628900" cy="5811838"/>
+            <a:off x="8724900" y="609601"/>
+            <a:ext cx="2553326" cy="5181599"/>
           </a:xfrm>
         </p:spPr>
         <p:txBody>
           <a:bodyPr vert="eaVert"/>
-          <a:lstStyle/>
-          <a:p>
-            <a:r>
-              <a:rPr kumimoji="1" lang="ja-JP" altLang="en-US" smtClean="0"/>
+          <a:lstStyle>
+            <a:lvl1pPr algn="l">
+              <a:defRPr/>
+            </a:lvl1pPr>
+          </a:lstStyle>
+          <a:p>
+            <a:r>
+              <a:rPr lang="ja-JP" altLang="en-US" smtClean="0"/>
               <a:t>マスター タイトルの書式設定</a:t>
             </a:r>
-            <a:endParaRPr kumimoji="1" lang="ja-JP" altLang="en-US"/>
-          </a:p>
-        </p:txBody>
-      </p:sp>
-      <p:sp>
-        <p:nvSpPr>
-          <p:cNvPr id="3" name="縦書きテキスト プレースホルダー 2"/>
-          <p:cNvSpPr>
-            <a:spLocks noGrp="1"/>
-          </p:cNvSpPr>
-          <p:nvPr>
-            <p:ph type="body" orient="vert" idx="1"/>
-          </p:nvPr>
-        </p:nvSpPr>
-        <p:spPr>
-          <a:xfrm>
-            <a:off x="838200" y="365125"/>
-            <a:ext cx="7734300" cy="5811838"/>
+            <a:endParaRPr lang="en-US" dirty="0"/>
+          </a:p>
+        </p:txBody>
+      </p:sp>
+      <p:sp>
+        <p:nvSpPr>
+          <p:cNvPr id="8" name="Vertical Text Placeholder 2"/>
+          <p:cNvSpPr>
+            <a:spLocks noGrp="1"/>
+          </p:cNvSpPr>
+          <p:nvPr>
+            <p:ph type="body" orient="vert" sz="quarter" idx="13"/>
+          </p:nvPr>
+        </p:nvSpPr>
+        <p:spPr>
+          <a:xfrm>
+            <a:off x="913775" y="609601"/>
+            <a:ext cx="7658724" cy="5181599"/>
           </a:xfrm>
         </p:spPr>
         <p:txBody>
@@ -566,76 +3829,76 @@
           <a:p>
             <a:pPr lvl="0"/>
             <a:r>
-              <a:rPr kumimoji="1" lang="ja-JP" altLang="en-US" smtClean="0"/>
+              <a:rPr lang="ja-JP" altLang="en-US" smtClean="0"/>
               <a:t>マスター テキストの書式設定</a:t>
             </a:r>
           </a:p>
           <a:p>
             <a:pPr lvl="1"/>
             <a:r>
-              <a:rPr kumimoji="1" lang="ja-JP" altLang="en-US" smtClean="0"/>
+              <a:rPr lang="ja-JP" altLang="en-US" smtClean="0"/>
               <a:t>第 </a:t>
             </a:r>
             <a:r>
-              <a:rPr kumimoji="1" lang="en-US" altLang="ja-JP" smtClean="0"/>
+              <a:rPr lang="en-US" altLang="ja-JP" smtClean="0"/>
               <a:t>2 </a:t>
             </a:r>
             <a:r>
-              <a:rPr kumimoji="1" lang="ja-JP" altLang="en-US" smtClean="0"/>
+              <a:rPr lang="ja-JP" altLang="en-US" smtClean="0"/>
               <a:t>レベル</a:t>
             </a:r>
           </a:p>
           <a:p>
             <a:pPr lvl="2"/>
             <a:r>
-              <a:rPr kumimoji="1" lang="ja-JP" altLang="en-US" smtClean="0"/>
+              <a:rPr lang="ja-JP" altLang="en-US" smtClean="0"/>
               <a:t>第 </a:t>
             </a:r>
             <a:r>
-              <a:rPr kumimoji="1" lang="en-US" altLang="ja-JP" smtClean="0"/>
+              <a:rPr lang="en-US" altLang="ja-JP" smtClean="0"/>
               <a:t>3 </a:t>
             </a:r>
             <a:r>
-              <a:rPr kumimoji="1" lang="ja-JP" altLang="en-US" smtClean="0"/>
+              <a:rPr lang="ja-JP" altLang="en-US" smtClean="0"/>
               <a:t>レベル</a:t>
             </a:r>
           </a:p>
           <a:p>
             <a:pPr lvl="3"/>
             <a:r>
-              <a:rPr kumimoji="1" lang="ja-JP" altLang="en-US" smtClean="0"/>
+              <a:rPr lang="ja-JP" altLang="en-US" smtClean="0"/>
               <a:t>第 </a:t>
             </a:r>
             <a:r>
-              <a:rPr kumimoji="1" lang="en-US" altLang="ja-JP" smtClean="0"/>
+              <a:rPr lang="en-US" altLang="ja-JP" smtClean="0"/>
               <a:t>4 </a:t>
             </a:r>
             <a:r>
-              <a:rPr kumimoji="1" lang="ja-JP" altLang="en-US" smtClean="0"/>
+              <a:rPr lang="ja-JP" altLang="en-US" smtClean="0"/>
               <a:t>レベル</a:t>
             </a:r>
           </a:p>
           <a:p>
             <a:pPr lvl="4"/>
             <a:r>
-              <a:rPr kumimoji="1" lang="ja-JP" altLang="en-US" smtClean="0"/>
+              <a:rPr lang="ja-JP" altLang="en-US" smtClean="0"/>
               <a:t>第 </a:t>
             </a:r>
             <a:r>
-              <a:rPr kumimoji="1" lang="en-US" altLang="ja-JP" smtClean="0"/>
+              <a:rPr lang="en-US" altLang="ja-JP" smtClean="0"/>
               <a:t>5 </a:t>
             </a:r>
             <a:r>
-              <a:rPr kumimoji="1" lang="ja-JP" altLang="en-US" smtClean="0"/>
+              <a:rPr lang="ja-JP" altLang="en-US" smtClean="0"/>
               <a:t>レベル</a:t>
             </a:r>
-            <a:endParaRPr kumimoji="1" lang="ja-JP" altLang="en-US"/>
-          </a:p>
-        </p:txBody>
-      </p:sp>
-      <p:sp>
-        <p:nvSpPr>
-          <p:cNvPr id="4" name="日付プレースホルダー 3"/>
+            <a:endParaRPr lang="en-US" dirty="0"/>
+          </a:p>
+        </p:txBody>
+      </p:sp>
+      <p:sp>
+        <p:nvSpPr>
+          <p:cNvPr id="4" name="Date Placeholder 3"/>
           <p:cNvSpPr>
             <a:spLocks noGrp="1"/>
           </p:cNvSpPr>
@@ -658,7 +3921,7 @@
       </p:sp>
       <p:sp>
         <p:nvSpPr>
-          <p:cNvPr id="5" name="フッター プレースホルダー 4"/>
+          <p:cNvPr id="5" name="Footer Placeholder 4"/>
           <p:cNvSpPr>
             <a:spLocks noGrp="1"/>
           </p:cNvSpPr>
@@ -677,7 +3940,7 @@
       </p:sp>
       <p:sp>
         <p:nvSpPr>
-          <p:cNvPr id="6" name="スライド番号プレースホルダー 5"/>
+          <p:cNvPr id="6" name="Slide Number Placeholder 5"/>
           <p:cNvSpPr>
             <a:spLocks noGrp="1"/>
           </p:cNvSpPr>
@@ -728,9 +3991,39 @@
           <a:chExt cx="0" cy="0"/>
         </a:xfrm>
       </p:grpSpPr>
-      <p:sp>
-        <p:nvSpPr>
-          <p:cNvPr id="2" name="タイトル 1"/>
+      <p:pic>
+        <p:nvPicPr>
+          <p:cNvPr id="3" name="Picture 2" descr="Droplets-HD-Content-R1d.png"/>
+          <p:cNvPicPr>
+            <a:picLocks noChangeAspect="1"/>
+          </p:cNvPicPr>
+          <p:nvPr/>
+        </p:nvPicPr>
+        <p:blipFill>
+          <a:blip r:embed="rId2">
+            <a:extLst>
+              <a:ext uri="{28A0092B-C50C-407E-A947-70E740481C1C}">
+                <a14:useLocalDpi xmlns:a14="http://schemas.microsoft.com/office/drawing/2010/main" val="0"/>
+              </a:ext>
+            </a:extLst>
+          </a:blip>
+          <a:stretch>
+            <a:fillRect/>
+          </a:stretch>
+        </p:blipFill>
+        <p:spPr>
+          <a:xfrm>
+            <a:off x="0" y="0"/>
+            <a:ext cx="12192000" cy="6858000"/>
+          </a:xfrm>
+          <a:prstGeom prst="rect">
+            <a:avLst/>
+          </a:prstGeom>
+        </p:spPr>
+      </p:pic>
+      <p:sp>
+        <p:nvSpPr>
+          <p:cNvPr id="2" name="Title 1"/>
           <p:cNvSpPr>
             <a:spLocks noGrp="1"/>
           </p:cNvSpPr>
@@ -744,100 +4037,105 @@
           <a:lstStyle/>
           <a:p>
             <a:r>
-              <a:rPr kumimoji="1" lang="ja-JP" altLang="en-US" smtClean="0"/>
+              <a:rPr lang="ja-JP" altLang="en-US" smtClean="0"/>
               <a:t>マスター タイトルの書式設定</a:t>
             </a:r>
-            <a:endParaRPr kumimoji="1" lang="ja-JP" altLang="en-US"/>
-          </a:p>
-        </p:txBody>
-      </p:sp>
-      <p:sp>
-        <p:nvSpPr>
-          <p:cNvPr id="3" name="コンテンツ プレースホルダー 2"/>
-          <p:cNvSpPr>
-            <a:spLocks noGrp="1"/>
-          </p:cNvSpPr>
-          <p:nvPr>
-            <p:ph idx="1"/>
-          </p:nvPr>
-        </p:nvSpPr>
-        <p:spPr/>
+            <a:endParaRPr lang="en-US" dirty="0"/>
+          </a:p>
+        </p:txBody>
+      </p:sp>
+      <p:sp>
+        <p:nvSpPr>
+          <p:cNvPr id="12" name="Content Placeholder 2"/>
+          <p:cNvSpPr>
+            <a:spLocks noGrp="1"/>
+          </p:cNvSpPr>
+          <p:nvPr>
+            <p:ph sz="quarter" idx="13"/>
+          </p:nvPr>
+        </p:nvSpPr>
+        <p:spPr>
+          <a:xfrm>
+            <a:off x="913774" y="2367092"/>
+            <a:ext cx="10363826" cy="3424107"/>
+          </a:xfrm>
+        </p:spPr>
         <p:txBody>
           <a:bodyPr/>
           <a:lstStyle/>
           <a:p>
             <a:pPr lvl="0"/>
             <a:r>
-              <a:rPr kumimoji="1" lang="ja-JP" altLang="en-US" smtClean="0"/>
+              <a:rPr lang="ja-JP" altLang="en-US" smtClean="0"/>
               <a:t>マスター テキストの書式設定</a:t>
             </a:r>
           </a:p>
           <a:p>
             <a:pPr lvl="1"/>
             <a:r>
-              <a:rPr kumimoji="1" lang="ja-JP" altLang="en-US" smtClean="0"/>
+              <a:rPr lang="ja-JP" altLang="en-US" smtClean="0"/>
               <a:t>第 </a:t>
             </a:r>
             <a:r>
-              <a:rPr kumimoji="1" lang="en-US" altLang="ja-JP" smtClean="0"/>
+              <a:rPr lang="en-US" altLang="ja-JP" smtClean="0"/>
               <a:t>2 </a:t>
             </a:r>
             <a:r>
-              <a:rPr kumimoji="1" lang="ja-JP" altLang="en-US" smtClean="0"/>
+              <a:rPr lang="ja-JP" altLang="en-US" smtClean="0"/>
               <a:t>レベル</a:t>
             </a:r>
           </a:p>
           <a:p>
             <a:pPr lvl="2"/>
             <a:r>
-              <a:rPr kumimoji="1" lang="ja-JP" altLang="en-US" smtClean="0"/>
+              <a:rPr lang="ja-JP" altLang="en-US" smtClean="0"/>
               <a:t>第 </a:t>
             </a:r>
             <a:r>
-              <a:rPr kumimoji="1" lang="en-US" altLang="ja-JP" smtClean="0"/>
+              <a:rPr lang="en-US" altLang="ja-JP" smtClean="0"/>
               <a:t>3 </a:t>
             </a:r>
             <a:r>
-              <a:rPr kumimoji="1" lang="ja-JP" altLang="en-US" smtClean="0"/>
+              <a:rPr lang="ja-JP" altLang="en-US" smtClean="0"/>
               <a:t>レベル</a:t>
             </a:r>
           </a:p>
           <a:p>
             <a:pPr lvl="3"/>
             <a:r>
-              <a:rPr kumimoji="1" lang="ja-JP" altLang="en-US" smtClean="0"/>
+              <a:rPr lang="ja-JP" altLang="en-US" smtClean="0"/>
               <a:t>第 </a:t>
             </a:r>
             <a:r>
-              <a:rPr kumimoji="1" lang="en-US" altLang="ja-JP" smtClean="0"/>
+              <a:rPr lang="en-US" altLang="ja-JP" smtClean="0"/>
               <a:t>4 </a:t>
             </a:r>
             <a:r>
-              <a:rPr kumimoji="1" lang="ja-JP" altLang="en-US" smtClean="0"/>
+              <a:rPr lang="ja-JP" altLang="en-US" smtClean="0"/>
               <a:t>レベル</a:t>
             </a:r>
           </a:p>
           <a:p>
             <a:pPr lvl="4"/>
             <a:r>
-              <a:rPr kumimoji="1" lang="ja-JP" altLang="en-US" smtClean="0"/>
+              <a:rPr lang="ja-JP" altLang="en-US" smtClean="0"/>
               <a:t>第 </a:t>
             </a:r>
             <a:r>
-              <a:rPr kumimoji="1" lang="en-US" altLang="ja-JP" smtClean="0"/>
+              <a:rPr lang="en-US" altLang="ja-JP" smtClean="0"/>
               <a:t>5 </a:t>
             </a:r>
             <a:r>
-              <a:rPr kumimoji="1" lang="ja-JP" altLang="en-US" smtClean="0"/>
+              <a:rPr lang="ja-JP" altLang="en-US" smtClean="0"/>
               <a:t>レベル</a:t>
             </a:r>
-            <a:endParaRPr kumimoji="1" lang="ja-JP" altLang="en-US"/>
-          </a:p>
-        </p:txBody>
-      </p:sp>
-      <p:sp>
-        <p:nvSpPr>
-          <p:cNvPr id="4" name="日付プレースホルダー 3"/>
+            <a:endParaRPr lang="en-US" dirty="0"/>
+          </a:p>
+        </p:txBody>
+      </p:sp>
+      <p:sp>
+        <p:nvSpPr>
+          <p:cNvPr id="4" name="Date Placeholder 3"/>
           <p:cNvSpPr>
             <a:spLocks noGrp="1"/>
           </p:cNvSpPr>
@@ -860,7 +4158,7 @@
       </p:sp>
       <p:sp>
         <p:nvSpPr>
-          <p:cNvPr id="5" name="フッター プレースホルダー 4"/>
+          <p:cNvPr id="5" name="Footer Placeholder 4"/>
           <p:cNvSpPr>
             <a:spLocks noGrp="1"/>
           </p:cNvSpPr>
@@ -879,7 +4177,7 @@
       </p:sp>
       <p:sp>
         <p:nvSpPr>
-          <p:cNvPr id="6" name="スライド番号プレースホルダー 5"/>
+          <p:cNvPr id="6" name="Slide Number Placeholder 5"/>
           <p:cNvSpPr>
             <a:spLocks noGrp="1"/>
           </p:cNvSpPr>
@@ -925,9 +4223,39 @@
           <a:chExt cx="0" cy="0"/>
         </a:xfrm>
       </p:grpSpPr>
-      <p:sp>
-        <p:nvSpPr>
-          <p:cNvPr id="2" name="タイトル 1"/>
+      <p:pic>
+        <p:nvPicPr>
+          <p:cNvPr id="9" name="Picture 8" descr="Droplets-HD-Content-R1d.png"/>
+          <p:cNvPicPr>
+            <a:picLocks noChangeAspect="1"/>
+          </p:cNvPicPr>
+          <p:nvPr/>
+        </p:nvPicPr>
+        <p:blipFill>
+          <a:blip r:embed="rId2">
+            <a:extLst>
+              <a:ext uri="{28A0092B-C50C-407E-A947-70E740481C1C}">
+                <a14:useLocalDpi xmlns:a14="http://schemas.microsoft.com/office/drawing/2010/main" val="0"/>
+              </a:ext>
+            </a:extLst>
+          </a:blip>
+          <a:stretch>
+            <a:fillRect/>
+          </a:stretch>
+        </p:blipFill>
+        <p:spPr>
+          <a:xfrm>
+            <a:off x="0" y="0"/>
+            <a:ext cx="12192000" cy="6858000"/>
+          </a:xfrm>
+          <a:prstGeom prst="rect">
+            <a:avLst/>
+          </a:prstGeom>
+        </p:spPr>
+      </p:pic>
+      <p:sp>
+        <p:nvSpPr>
+          <p:cNvPr id="2" name="Title 1"/>
           <p:cNvSpPr>
             <a:spLocks noGrp="1"/>
           </p:cNvSpPr>
@@ -937,29 +4265,31 @@
         </p:nvSpPr>
         <p:spPr>
           <a:xfrm>
-            <a:off x="831850" y="1709738"/>
-            <a:ext cx="10515600" cy="2852737"/>
-          </a:xfrm>
-        </p:spPr>
-        <p:txBody>
-          <a:bodyPr anchor="b"/>
+            <a:off x="913774" y="828563"/>
+            <a:ext cx="10351752" cy="2736819"/>
+          </a:xfrm>
+        </p:spPr>
+        <p:txBody>
+          <a:bodyPr anchor="b">
+            <a:normAutofit/>
+          </a:bodyPr>
           <a:lstStyle>
             <a:lvl1pPr>
-              <a:defRPr sz="6000"/>
+              <a:defRPr sz="4000"/>
             </a:lvl1pPr>
           </a:lstStyle>
           <a:p>
             <a:r>
-              <a:rPr kumimoji="1" lang="ja-JP" altLang="en-US" smtClean="0"/>
+              <a:rPr lang="ja-JP" altLang="en-US" smtClean="0"/>
               <a:t>マスター タイトルの書式設定</a:t>
             </a:r>
-            <a:endParaRPr kumimoji="1" lang="ja-JP" altLang="en-US"/>
-          </a:p>
-        </p:txBody>
-      </p:sp>
-      <p:sp>
-        <p:nvSpPr>
-          <p:cNvPr id="3" name="テキスト プレースホルダー 2"/>
+            <a:endParaRPr lang="en-US" dirty="0"/>
+          </a:p>
+        </p:txBody>
+      </p:sp>
+      <p:sp>
+        <p:nvSpPr>
+          <p:cNvPr id="3" name="Text Placeholder 2"/>
           <p:cNvSpPr>
             <a:spLocks noGrp="1"/>
           </p:cNvSpPr>
@@ -969,19 +4299,21 @@
         </p:nvSpPr>
         <p:spPr>
           <a:xfrm>
-            <a:off x="831850" y="4589463"/>
-            <a:ext cx="10515600" cy="1500187"/>
-          </a:xfrm>
-        </p:spPr>
-        <p:txBody>
-          <a:bodyPr/>
+            <a:off x="913774" y="3657457"/>
+            <a:ext cx="10351752" cy="1368183"/>
+          </a:xfrm>
+        </p:spPr>
+        <p:txBody>
+          <a:bodyPr>
+            <a:normAutofit/>
+          </a:bodyPr>
           <a:lstStyle>
-            <a:lvl1pPr marL="0" indent="0">
-              <a:buNone/>
-              <a:defRPr sz="2400">
+            <a:lvl1pPr marL="0" indent="0" algn="ctr">
+              <a:buNone/>
+              <a:defRPr sz="2000">
                 <a:solidFill>
-                  <a:schemeClr val="tx1">
-                    <a:tint val="75000"/>
+                  <a:schemeClr val="bg1">
+                    <a:lumMod val="50000"/>
                   </a:schemeClr>
                 </a:solidFill>
               </a:defRPr>
@@ -1070,7 +4402,7 @@
           <a:p>
             <a:pPr lvl="0"/>
             <a:r>
-              <a:rPr kumimoji="1" lang="ja-JP" altLang="en-US" smtClean="0"/>
+              <a:rPr lang="ja-JP" altLang="en-US" smtClean="0"/>
               <a:t>マスター テキストの書式設定</a:t>
             </a:r>
           </a:p>
@@ -1078,7 +4410,7 @@
       </p:sp>
       <p:sp>
         <p:nvSpPr>
-          <p:cNvPr id="4" name="日付プレースホルダー 3"/>
+          <p:cNvPr id="4" name="Date Placeholder 3"/>
           <p:cNvSpPr>
             <a:spLocks noGrp="1"/>
           </p:cNvSpPr>
@@ -1101,7 +4433,7 @@
       </p:sp>
       <p:sp>
         <p:nvSpPr>
-          <p:cNvPr id="5" name="フッター プレースホルダー 4"/>
+          <p:cNvPr id="5" name="Footer Placeholder 4"/>
           <p:cNvSpPr>
             <a:spLocks noGrp="1"/>
           </p:cNvSpPr>
@@ -1120,7 +4452,7 @@
       </p:sp>
       <p:sp>
         <p:nvSpPr>
-          <p:cNvPr id="6" name="スライド番号プレースホルダー 5"/>
+          <p:cNvPr id="6" name="Slide Number Placeholder 5"/>
           <p:cNvSpPr>
             <a:spLocks noGrp="1"/>
           </p:cNvSpPr>
@@ -1171,9 +4503,39 @@
           <a:chExt cx="0" cy="0"/>
         </a:xfrm>
       </p:grpSpPr>
-      <p:sp>
-        <p:nvSpPr>
-          <p:cNvPr id="2" name="タイトル 1"/>
+      <p:pic>
+        <p:nvPicPr>
+          <p:cNvPr id="10" name="Picture 9" descr="Droplets-HD-Content-R1d.png"/>
+          <p:cNvPicPr>
+            <a:picLocks noChangeAspect="1"/>
+          </p:cNvPicPr>
+          <p:nvPr/>
+        </p:nvPicPr>
+        <p:blipFill>
+          <a:blip r:embed="rId2">
+            <a:extLst>
+              <a:ext uri="{28A0092B-C50C-407E-A947-70E740481C1C}">
+                <a14:useLocalDpi xmlns:a14="http://schemas.microsoft.com/office/drawing/2010/main" val="0"/>
+              </a:ext>
+            </a:extLst>
+          </a:blip>
+          <a:stretch>
+            <a:fillRect/>
+          </a:stretch>
+        </p:blipFill>
+        <p:spPr>
+          <a:xfrm>
+            <a:off x="0" y="0"/>
+            <a:ext cx="12192000" cy="6858000"/>
+          </a:xfrm>
+          <a:prstGeom prst="rect">
+            <a:avLst/>
+          </a:prstGeom>
+        </p:spPr>
+      </p:pic>
+      <p:sp>
+        <p:nvSpPr>
+          <p:cNvPr id="14" name="Title 1"/>
           <p:cNvSpPr>
             <a:spLocks noGrp="1"/>
           </p:cNvSpPr>
@@ -1181,33 +4543,38 @@
             <p:ph type="title"/>
           </p:nvPr>
         </p:nvSpPr>
-        <p:spPr/>
+        <p:spPr>
+          <a:xfrm>
+            <a:off x="913775" y="618517"/>
+            <a:ext cx="10364451" cy="1596177"/>
+          </a:xfrm>
+        </p:spPr>
         <p:txBody>
           <a:bodyPr/>
           <a:lstStyle/>
           <a:p>
             <a:r>
-              <a:rPr kumimoji="1" lang="ja-JP" altLang="en-US" smtClean="0"/>
+              <a:rPr lang="ja-JP" altLang="en-US" smtClean="0"/>
               <a:t>マスター タイトルの書式設定</a:t>
             </a:r>
-            <a:endParaRPr kumimoji="1" lang="ja-JP" altLang="en-US"/>
-          </a:p>
-        </p:txBody>
-      </p:sp>
-      <p:sp>
-        <p:nvSpPr>
-          <p:cNvPr id="3" name="コンテンツ プレースホルダー 2"/>
-          <p:cNvSpPr>
-            <a:spLocks noGrp="1"/>
-          </p:cNvSpPr>
-          <p:nvPr>
-            <p:ph sz="half" idx="1"/>
-          </p:nvPr>
-        </p:nvSpPr>
-        <p:spPr>
-          <a:xfrm>
-            <a:off x="838200" y="1825625"/>
-            <a:ext cx="5181600" cy="4351338"/>
+            <a:endParaRPr lang="en-US" dirty="0"/>
+          </a:p>
+        </p:txBody>
+      </p:sp>
+      <p:sp>
+        <p:nvSpPr>
+          <p:cNvPr id="12" name="Content Placeholder 2"/>
+          <p:cNvSpPr>
+            <a:spLocks noGrp="1"/>
+          </p:cNvSpPr>
+          <p:nvPr>
+            <p:ph sz="quarter" idx="13"/>
+          </p:nvPr>
+        </p:nvSpPr>
+        <p:spPr>
+          <a:xfrm>
+            <a:off x="913774" y="2367092"/>
+            <a:ext cx="5106026" cy="3424107"/>
           </a:xfrm>
         </p:spPr>
         <p:txBody>
@@ -1216,87 +4583,87 @@
           <a:p>
             <a:pPr lvl="0"/>
             <a:r>
-              <a:rPr kumimoji="1" lang="ja-JP" altLang="en-US" smtClean="0"/>
+              <a:rPr lang="ja-JP" altLang="en-US" smtClean="0"/>
               <a:t>マスター テキストの書式設定</a:t>
             </a:r>
           </a:p>
           <a:p>
             <a:pPr lvl="1"/>
             <a:r>
-              <a:rPr kumimoji="1" lang="ja-JP" altLang="en-US" smtClean="0"/>
+              <a:rPr lang="ja-JP" altLang="en-US" smtClean="0"/>
               <a:t>第 </a:t>
             </a:r>
             <a:r>
-              <a:rPr kumimoji="1" lang="en-US" altLang="ja-JP" smtClean="0"/>
+              <a:rPr lang="en-US" altLang="ja-JP" smtClean="0"/>
               <a:t>2 </a:t>
             </a:r>
             <a:r>
-              <a:rPr kumimoji="1" lang="ja-JP" altLang="en-US" smtClean="0"/>
+              <a:rPr lang="ja-JP" altLang="en-US" smtClean="0"/>
               <a:t>レベル</a:t>
             </a:r>
           </a:p>
           <a:p>
             <a:pPr lvl="2"/>
             <a:r>
-              <a:rPr kumimoji="1" lang="ja-JP" altLang="en-US" smtClean="0"/>
+              <a:rPr lang="ja-JP" altLang="en-US" smtClean="0"/>
               <a:t>第 </a:t>
             </a:r>
             <a:r>
-              <a:rPr kumimoji="1" lang="en-US" altLang="ja-JP" smtClean="0"/>
+              <a:rPr lang="en-US" altLang="ja-JP" smtClean="0"/>
               <a:t>3 </a:t>
             </a:r>
             <a:r>
-              <a:rPr kumimoji="1" lang="ja-JP" altLang="en-US" smtClean="0"/>
+              <a:rPr lang="ja-JP" altLang="en-US" smtClean="0"/>
               <a:t>レベル</a:t>
             </a:r>
           </a:p>
           <a:p>
             <a:pPr lvl="3"/>
             <a:r>
-              <a:rPr kumimoji="1" lang="ja-JP" altLang="en-US" smtClean="0"/>
+              <a:rPr lang="ja-JP" altLang="en-US" smtClean="0"/>
               <a:t>第 </a:t>
             </a:r>
             <a:r>
-              <a:rPr kumimoji="1" lang="en-US" altLang="ja-JP" smtClean="0"/>
+              <a:rPr lang="en-US" altLang="ja-JP" smtClean="0"/>
               <a:t>4 </a:t>
             </a:r>
             <a:r>
-              <a:rPr kumimoji="1" lang="ja-JP" altLang="en-US" smtClean="0"/>
+              <a:rPr lang="ja-JP" altLang="en-US" smtClean="0"/>
               <a:t>レベル</a:t>
             </a:r>
           </a:p>
           <a:p>
             <a:pPr lvl="4"/>
             <a:r>
-              <a:rPr kumimoji="1" lang="ja-JP" altLang="en-US" smtClean="0"/>
+              <a:rPr lang="ja-JP" altLang="en-US" smtClean="0"/>
               <a:t>第 </a:t>
             </a:r>
             <a:r>
-              <a:rPr kumimoji="1" lang="en-US" altLang="ja-JP" smtClean="0"/>
+              <a:rPr lang="en-US" altLang="ja-JP" smtClean="0"/>
               <a:t>5 </a:t>
             </a:r>
             <a:r>
-              <a:rPr kumimoji="1" lang="ja-JP" altLang="en-US" smtClean="0"/>
+              <a:rPr lang="ja-JP" altLang="en-US" smtClean="0"/>
               <a:t>レベル</a:t>
             </a:r>
-            <a:endParaRPr kumimoji="1" lang="ja-JP" altLang="en-US"/>
-          </a:p>
-        </p:txBody>
-      </p:sp>
-      <p:sp>
-        <p:nvSpPr>
-          <p:cNvPr id="4" name="コンテンツ プレースホルダー 3"/>
-          <p:cNvSpPr>
-            <a:spLocks noGrp="1"/>
-          </p:cNvSpPr>
-          <p:nvPr>
-            <p:ph sz="half" idx="2"/>
-          </p:nvPr>
-        </p:nvSpPr>
-        <p:spPr>
-          <a:xfrm>
-            <a:off x="6172200" y="1825625"/>
-            <a:ext cx="5181600" cy="4351338"/>
+            <a:endParaRPr lang="en-US" dirty="0"/>
+          </a:p>
+        </p:txBody>
+      </p:sp>
+      <p:sp>
+        <p:nvSpPr>
+          <p:cNvPr id="13" name="Content Placeholder 3"/>
+          <p:cNvSpPr>
+            <a:spLocks noGrp="1"/>
+          </p:cNvSpPr>
+          <p:nvPr>
+            <p:ph sz="quarter" idx="14"/>
+          </p:nvPr>
+        </p:nvSpPr>
+        <p:spPr>
+          <a:xfrm>
+            <a:off x="6172200" y="2367092"/>
+            <a:ext cx="5105400" cy="3424107"/>
           </a:xfrm>
         </p:spPr>
         <p:txBody>
@@ -1305,76 +4672,76 @@
           <a:p>
             <a:pPr lvl="0"/>
             <a:r>
-              <a:rPr kumimoji="1" lang="ja-JP" altLang="en-US" smtClean="0"/>
+              <a:rPr lang="ja-JP" altLang="en-US" smtClean="0"/>
               <a:t>マスター テキストの書式設定</a:t>
             </a:r>
           </a:p>
           <a:p>
             <a:pPr lvl="1"/>
             <a:r>
-              <a:rPr kumimoji="1" lang="ja-JP" altLang="en-US" smtClean="0"/>
+              <a:rPr lang="ja-JP" altLang="en-US" smtClean="0"/>
               <a:t>第 </a:t>
             </a:r>
             <a:r>
-              <a:rPr kumimoji="1" lang="en-US" altLang="ja-JP" smtClean="0"/>
+              <a:rPr lang="en-US" altLang="ja-JP" smtClean="0"/>
               <a:t>2 </a:t>
             </a:r>
             <a:r>
-              <a:rPr kumimoji="1" lang="ja-JP" altLang="en-US" smtClean="0"/>
+              <a:rPr lang="ja-JP" altLang="en-US" smtClean="0"/>
               <a:t>レベル</a:t>
             </a:r>
           </a:p>
           <a:p>
             <a:pPr lvl="2"/>
             <a:r>
-              <a:rPr kumimoji="1" lang="ja-JP" altLang="en-US" smtClean="0"/>
+              <a:rPr lang="ja-JP" altLang="en-US" smtClean="0"/>
               <a:t>第 </a:t>
             </a:r>
             <a:r>
-              <a:rPr kumimoji="1" lang="en-US" altLang="ja-JP" smtClean="0"/>
+              <a:rPr lang="en-US" altLang="ja-JP" smtClean="0"/>
               <a:t>3 </a:t>
             </a:r>
             <a:r>
-              <a:rPr kumimoji="1" lang="ja-JP" altLang="en-US" smtClean="0"/>
+              <a:rPr lang="ja-JP" altLang="en-US" smtClean="0"/>
               <a:t>レベル</a:t>
             </a:r>
           </a:p>
           <a:p>
             <a:pPr lvl="3"/>
             <a:r>
-              <a:rPr kumimoji="1" lang="ja-JP" altLang="en-US" smtClean="0"/>
+              <a:rPr lang="ja-JP" altLang="en-US" smtClean="0"/>
               <a:t>第 </a:t>
             </a:r>
             <a:r>
-              <a:rPr kumimoji="1" lang="en-US" altLang="ja-JP" smtClean="0"/>
+              <a:rPr lang="en-US" altLang="ja-JP" smtClean="0"/>
               <a:t>4 </a:t>
             </a:r>
             <a:r>
-              <a:rPr kumimoji="1" lang="ja-JP" altLang="en-US" smtClean="0"/>
+              <a:rPr lang="ja-JP" altLang="en-US" smtClean="0"/>
               <a:t>レベル</a:t>
             </a:r>
           </a:p>
           <a:p>
             <a:pPr lvl="4"/>
             <a:r>
-              <a:rPr kumimoji="1" lang="ja-JP" altLang="en-US" smtClean="0"/>
+              <a:rPr lang="ja-JP" altLang="en-US" smtClean="0"/>
               <a:t>第 </a:t>
             </a:r>
             <a:r>
-              <a:rPr kumimoji="1" lang="en-US" altLang="ja-JP" smtClean="0"/>
+              <a:rPr lang="en-US" altLang="ja-JP" smtClean="0"/>
               <a:t>5 </a:t>
             </a:r>
             <a:r>
-              <a:rPr kumimoji="1" lang="ja-JP" altLang="en-US" smtClean="0"/>
+              <a:rPr lang="ja-JP" altLang="en-US" smtClean="0"/>
               <a:t>レベル</a:t>
             </a:r>
-            <a:endParaRPr kumimoji="1" lang="ja-JP" altLang="en-US"/>
-          </a:p>
-        </p:txBody>
-      </p:sp>
-      <p:sp>
-        <p:nvSpPr>
-          <p:cNvPr id="5" name="日付プレースホルダー 4"/>
+            <a:endParaRPr lang="en-US" dirty="0"/>
+          </a:p>
+        </p:txBody>
+      </p:sp>
+      <p:sp>
+        <p:nvSpPr>
+          <p:cNvPr id="5" name="Date Placeholder 4"/>
           <p:cNvSpPr>
             <a:spLocks noGrp="1"/>
           </p:cNvSpPr>
@@ -1397,7 +4764,7 @@
       </p:sp>
       <p:sp>
         <p:nvSpPr>
-          <p:cNvPr id="6" name="フッター プレースホルダー 5"/>
+          <p:cNvPr id="6" name="Footer Placeholder 5"/>
           <p:cNvSpPr>
             <a:spLocks noGrp="1"/>
           </p:cNvSpPr>
@@ -1416,7 +4783,7 @@
       </p:sp>
       <p:sp>
         <p:nvSpPr>
-          <p:cNvPr id="7" name="スライド番号プレースホルダー 6"/>
+          <p:cNvPr id="7" name="Slide Number Placeholder 6"/>
           <p:cNvSpPr>
             <a:spLocks noGrp="1"/>
           </p:cNvSpPr>
@@ -1462,9 +4829,39 @@
           <a:chExt cx="0" cy="0"/>
         </a:xfrm>
       </p:grpSpPr>
-      <p:sp>
-        <p:nvSpPr>
-          <p:cNvPr id="2" name="タイトル 1"/>
+      <p:pic>
+        <p:nvPicPr>
+          <p:cNvPr id="15" name="Picture 14" descr="Droplets-HD-Content-R1d.png"/>
+          <p:cNvPicPr>
+            <a:picLocks noChangeAspect="1"/>
+          </p:cNvPicPr>
+          <p:nvPr/>
+        </p:nvPicPr>
+        <p:blipFill>
+          <a:blip r:embed="rId2">
+            <a:extLst>
+              <a:ext uri="{28A0092B-C50C-407E-A947-70E740481C1C}">
+                <a14:useLocalDpi xmlns:a14="http://schemas.microsoft.com/office/drawing/2010/main" val="0"/>
+              </a:ext>
+            </a:extLst>
+          </a:blip>
+          <a:stretch>
+            <a:fillRect/>
+          </a:stretch>
+        </p:blipFill>
+        <p:spPr>
+          <a:xfrm>
+            <a:off x="0" y="0"/>
+            <a:ext cx="12192000" cy="6858000"/>
+          </a:xfrm>
+          <a:prstGeom prst="rect">
+            <a:avLst/>
+          </a:prstGeom>
+        </p:spPr>
+      </p:pic>
+      <p:sp>
+        <p:nvSpPr>
+          <p:cNvPr id="14" name="Title 1"/>
           <p:cNvSpPr>
             <a:spLocks noGrp="1"/>
           </p:cNvSpPr>
@@ -1474,8 +4871,8 @@
         </p:nvSpPr>
         <p:spPr>
           <a:xfrm>
-            <a:off x="839788" y="365125"/>
-            <a:ext cx="10515600" cy="1325563"/>
+            <a:off x="913775" y="618517"/>
+            <a:ext cx="10364451" cy="1596177"/>
           </a:xfrm>
         </p:spPr>
         <p:txBody>
@@ -1483,16 +4880,16 @@
           <a:lstStyle/>
           <a:p>
             <a:r>
-              <a:rPr kumimoji="1" lang="ja-JP" altLang="en-US" smtClean="0"/>
+              <a:rPr lang="ja-JP" altLang="en-US" smtClean="0"/>
               <a:t>マスター タイトルの書式設定</a:t>
             </a:r>
-            <a:endParaRPr kumimoji="1" lang="ja-JP" altLang="en-US"/>
-          </a:p>
-        </p:txBody>
-      </p:sp>
-      <p:sp>
-        <p:nvSpPr>
-          <p:cNvPr id="3" name="テキスト プレースホルダー 2"/>
+            <a:endParaRPr lang="en-US" dirty="0"/>
+          </a:p>
+        </p:txBody>
+      </p:sp>
+      <p:sp>
+        <p:nvSpPr>
+          <p:cNvPr id="3" name="Text Placeholder 2"/>
           <p:cNvSpPr>
             <a:spLocks noGrp="1"/>
           </p:cNvSpPr>
@@ -1502,16 +4899,25 @@
         </p:nvSpPr>
         <p:spPr>
           <a:xfrm>
-            <a:off x="839788" y="1681163"/>
-            <a:ext cx="5157787" cy="823912"/>
-          </a:xfrm>
-        </p:spPr>
-        <p:txBody>
-          <a:bodyPr anchor="b"/>
+            <a:off x="1146328" y="2371018"/>
+            <a:ext cx="4873474" cy="679994"/>
+          </a:xfrm>
+        </p:spPr>
+        <p:txBody>
+          <a:bodyPr anchor="b">
+            <a:noAutofit/>
+          </a:bodyPr>
           <a:lstStyle>
             <a:lvl1pPr marL="0" indent="0">
-              <a:buNone/>
-              <a:defRPr sz="2400" b="1"/>
+              <a:lnSpc>
+                <a:spcPct val="85000"/>
+              </a:lnSpc>
+              <a:buNone/>
+              <a:defRPr sz="2600" b="0">
+                <a:solidFill>
+                  <a:schemeClr val="tx1"/>
+                </a:solidFill>
+              </a:defRPr>
             </a:lvl1pPr>
             <a:lvl2pPr marL="457200" indent="0">
               <a:buNone/>
@@ -1549,7 +4955,7 @@
           <a:p>
             <a:pPr lvl="0"/>
             <a:r>
-              <a:rPr kumimoji="1" lang="ja-JP" altLang="en-US" smtClean="0"/>
+              <a:rPr lang="ja-JP" altLang="en-US" smtClean="0"/>
               <a:t>マスター テキストの書式設定</a:t>
             </a:r>
           </a:p>
@@ -1557,18 +4963,18 @@
       </p:sp>
       <p:sp>
         <p:nvSpPr>
-          <p:cNvPr id="4" name="コンテンツ プレースホルダー 3"/>
-          <p:cNvSpPr>
-            <a:spLocks noGrp="1"/>
-          </p:cNvSpPr>
-          <p:nvPr>
-            <p:ph sz="half" idx="2"/>
-          </p:nvPr>
-        </p:nvSpPr>
-        <p:spPr>
-          <a:xfrm>
-            <a:off x="839788" y="2505075"/>
-            <a:ext cx="5157787" cy="3684588"/>
+          <p:cNvPr id="12" name="Content Placeholder 3"/>
+          <p:cNvSpPr>
+            <a:spLocks noGrp="1"/>
+          </p:cNvSpPr>
+          <p:nvPr>
+            <p:ph sz="quarter" idx="13"/>
+          </p:nvPr>
+        </p:nvSpPr>
+        <p:spPr>
+          <a:xfrm>
+            <a:off x="913774" y="3051012"/>
+            <a:ext cx="5106027" cy="2740187"/>
           </a:xfrm>
         </p:spPr>
         <p:txBody>
@@ -1577,76 +4983,76 @@
           <a:p>
             <a:pPr lvl="0"/>
             <a:r>
-              <a:rPr kumimoji="1" lang="ja-JP" altLang="en-US" smtClean="0"/>
+              <a:rPr lang="ja-JP" altLang="en-US" smtClean="0"/>
               <a:t>マスター テキストの書式設定</a:t>
             </a:r>
           </a:p>
           <a:p>
             <a:pPr lvl="1"/>
             <a:r>
-              <a:rPr kumimoji="1" lang="ja-JP" altLang="en-US" smtClean="0"/>
+              <a:rPr lang="ja-JP" altLang="en-US" smtClean="0"/>
               <a:t>第 </a:t>
             </a:r>
             <a:r>
-              <a:rPr kumimoji="1" lang="en-US" altLang="ja-JP" smtClean="0"/>
+              <a:rPr lang="en-US" altLang="ja-JP" smtClean="0"/>
               <a:t>2 </a:t>
             </a:r>
             <a:r>
-              <a:rPr kumimoji="1" lang="ja-JP" altLang="en-US" smtClean="0"/>
+              <a:rPr lang="ja-JP" altLang="en-US" smtClean="0"/>
               <a:t>レベル</a:t>
             </a:r>
           </a:p>
           <a:p>
             <a:pPr lvl="2"/>
             <a:r>
-              <a:rPr kumimoji="1" lang="ja-JP" altLang="en-US" smtClean="0"/>
+              <a:rPr lang="ja-JP" altLang="en-US" smtClean="0"/>
               <a:t>第 </a:t>
             </a:r>
             <a:r>
-              <a:rPr kumimoji="1" lang="en-US" altLang="ja-JP" smtClean="0"/>
+              <a:rPr lang="en-US" altLang="ja-JP" smtClean="0"/>
               <a:t>3 </a:t>
             </a:r>
             <a:r>
-              <a:rPr kumimoji="1" lang="ja-JP" altLang="en-US" smtClean="0"/>
+              <a:rPr lang="ja-JP" altLang="en-US" smtClean="0"/>
               <a:t>レベル</a:t>
             </a:r>
           </a:p>
           <a:p>
             <a:pPr lvl="3"/>
             <a:r>
-              <a:rPr kumimoji="1" lang="ja-JP" altLang="en-US" smtClean="0"/>
+              <a:rPr lang="ja-JP" altLang="en-US" smtClean="0"/>
               <a:t>第 </a:t>
             </a:r>
             <a:r>
-              <a:rPr kumimoji="1" lang="en-US" altLang="ja-JP" smtClean="0"/>
+              <a:rPr lang="en-US" altLang="ja-JP" smtClean="0"/>
               <a:t>4 </a:t>
             </a:r>
             <a:r>
-              <a:rPr kumimoji="1" lang="ja-JP" altLang="en-US" smtClean="0"/>
+              <a:rPr lang="ja-JP" altLang="en-US" smtClean="0"/>
               <a:t>レベル</a:t>
             </a:r>
           </a:p>
           <a:p>
             <a:pPr lvl="4"/>
             <a:r>
-              <a:rPr kumimoji="1" lang="ja-JP" altLang="en-US" smtClean="0"/>
+              <a:rPr lang="ja-JP" altLang="en-US" smtClean="0"/>
               <a:t>第 </a:t>
             </a:r>
             <a:r>
-              <a:rPr kumimoji="1" lang="en-US" altLang="ja-JP" smtClean="0"/>
+              <a:rPr lang="en-US" altLang="ja-JP" smtClean="0"/>
               <a:t>5 </a:t>
             </a:r>
             <a:r>
-              <a:rPr kumimoji="1" lang="ja-JP" altLang="en-US" smtClean="0"/>
+              <a:rPr lang="ja-JP" altLang="en-US" smtClean="0"/>
               <a:t>レベル</a:t>
             </a:r>
-            <a:endParaRPr kumimoji="1" lang="ja-JP" altLang="en-US"/>
-          </a:p>
-        </p:txBody>
-      </p:sp>
-      <p:sp>
-        <p:nvSpPr>
-          <p:cNvPr id="5" name="テキスト プレースホルダー 4"/>
+            <a:endParaRPr lang="en-US" dirty="0"/>
+          </a:p>
+        </p:txBody>
+      </p:sp>
+      <p:sp>
+        <p:nvSpPr>
+          <p:cNvPr id="5" name="Text Placeholder 4"/>
           <p:cNvSpPr>
             <a:spLocks noGrp="1"/>
           </p:cNvSpPr>
@@ -1656,16 +5062,25 @@
         </p:nvSpPr>
         <p:spPr>
           <a:xfrm>
-            <a:off x="6172200" y="1681163"/>
-            <a:ext cx="5183188" cy="823912"/>
-          </a:xfrm>
-        </p:spPr>
-        <p:txBody>
-          <a:bodyPr anchor="b"/>
+            <a:off x="6396423" y="2371018"/>
+            <a:ext cx="4881804" cy="679994"/>
+          </a:xfrm>
+        </p:spPr>
+        <p:txBody>
+          <a:bodyPr anchor="b">
+            <a:noAutofit/>
+          </a:bodyPr>
           <a:lstStyle>
             <a:lvl1pPr marL="0" indent="0">
-              <a:buNone/>
-              <a:defRPr sz="2400" b="1"/>
+              <a:lnSpc>
+                <a:spcPct val="85000"/>
+              </a:lnSpc>
+              <a:buNone/>
+              <a:defRPr sz="2600" b="0">
+                <a:solidFill>
+                  <a:schemeClr val="tx1"/>
+                </a:solidFill>
+              </a:defRPr>
             </a:lvl1pPr>
             <a:lvl2pPr marL="457200" indent="0">
               <a:buNone/>
@@ -1703,7 +5118,7 @@
           <a:p>
             <a:pPr lvl="0"/>
             <a:r>
-              <a:rPr kumimoji="1" lang="ja-JP" altLang="en-US" smtClean="0"/>
+              <a:rPr lang="ja-JP" altLang="en-US" smtClean="0"/>
               <a:t>マスター テキストの書式設定</a:t>
             </a:r>
           </a:p>
@@ -1711,18 +5126,18 @@
       </p:sp>
       <p:sp>
         <p:nvSpPr>
-          <p:cNvPr id="6" name="コンテンツ プレースホルダー 5"/>
-          <p:cNvSpPr>
-            <a:spLocks noGrp="1"/>
-          </p:cNvSpPr>
-          <p:nvPr>
-            <p:ph sz="quarter" idx="4"/>
-          </p:nvPr>
-        </p:nvSpPr>
-        <p:spPr>
-          <a:xfrm>
-            <a:off x="6172200" y="2505075"/>
-            <a:ext cx="5183188" cy="3684588"/>
+          <p:cNvPr id="13" name="Content Placeholder 5"/>
+          <p:cNvSpPr>
+            <a:spLocks noGrp="1"/>
+          </p:cNvSpPr>
+          <p:nvPr>
+            <p:ph sz="quarter" idx="14"/>
+          </p:nvPr>
+        </p:nvSpPr>
+        <p:spPr>
+          <a:xfrm>
+            <a:off x="6172200" y="3051012"/>
+            <a:ext cx="5105401" cy="2740187"/>
           </a:xfrm>
         </p:spPr>
         <p:txBody>
@@ -1731,76 +5146,76 @@
           <a:p>
             <a:pPr lvl="0"/>
             <a:r>
-              <a:rPr kumimoji="1" lang="ja-JP" altLang="en-US" smtClean="0"/>
+              <a:rPr lang="ja-JP" altLang="en-US" smtClean="0"/>
               <a:t>マスター テキストの書式設定</a:t>
             </a:r>
           </a:p>
           <a:p>
             <a:pPr lvl="1"/>
             <a:r>
-              <a:rPr kumimoji="1" lang="ja-JP" altLang="en-US" smtClean="0"/>
+              <a:rPr lang="ja-JP" altLang="en-US" smtClean="0"/>
               <a:t>第 </a:t>
             </a:r>
             <a:r>
-              <a:rPr kumimoji="1" lang="en-US" altLang="ja-JP" smtClean="0"/>
+              <a:rPr lang="en-US" altLang="ja-JP" smtClean="0"/>
               <a:t>2 </a:t>
             </a:r>
             <a:r>
-              <a:rPr kumimoji="1" lang="ja-JP" altLang="en-US" smtClean="0"/>
+              <a:rPr lang="ja-JP" altLang="en-US" smtClean="0"/>
               <a:t>レベル</a:t>
             </a:r>
           </a:p>
           <a:p>
             <a:pPr lvl="2"/>
             <a:r>
-              <a:rPr kumimoji="1" lang="ja-JP" altLang="en-US" smtClean="0"/>
+              <a:rPr lang="ja-JP" altLang="en-US" smtClean="0"/>
               <a:t>第 </a:t>
             </a:r>
             <a:r>
-              <a:rPr kumimoji="1" lang="en-US" altLang="ja-JP" smtClean="0"/>
+              <a:rPr lang="en-US" altLang="ja-JP" smtClean="0"/>
               <a:t>3 </a:t>
             </a:r>
             <a:r>
-              <a:rPr kumimoji="1" lang="ja-JP" altLang="en-US" smtClean="0"/>
+              <a:rPr lang="ja-JP" altLang="en-US" smtClean="0"/>
               <a:t>レベル</a:t>
             </a:r>
           </a:p>
           <a:p>
             <a:pPr lvl="3"/>
             <a:r>
-              <a:rPr kumimoji="1" lang="ja-JP" altLang="en-US" smtClean="0"/>
+              <a:rPr lang="ja-JP" altLang="en-US" smtClean="0"/>
               <a:t>第 </a:t>
             </a:r>
             <a:r>
-              <a:rPr kumimoji="1" lang="en-US" altLang="ja-JP" smtClean="0"/>
+              <a:rPr lang="en-US" altLang="ja-JP" smtClean="0"/>
               <a:t>4 </a:t>
             </a:r>
             <a:r>
-              <a:rPr kumimoji="1" lang="ja-JP" altLang="en-US" smtClean="0"/>
+              <a:rPr lang="ja-JP" altLang="en-US" smtClean="0"/>
               <a:t>レベル</a:t>
             </a:r>
           </a:p>
           <a:p>
             <a:pPr lvl="4"/>
             <a:r>
-              <a:rPr kumimoji="1" lang="ja-JP" altLang="en-US" smtClean="0"/>
+              <a:rPr lang="ja-JP" altLang="en-US" smtClean="0"/>
               <a:t>第 </a:t>
             </a:r>
             <a:r>
-              <a:rPr kumimoji="1" lang="en-US" altLang="ja-JP" smtClean="0"/>
+              <a:rPr lang="en-US" altLang="ja-JP" smtClean="0"/>
               <a:t>5 </a:t>
             </a:r>
             <a:r>
-              <a:rPr kumimoji="1" lang="ja-JP" altLang="en-US" smtClean="0"/>
+              <a:rPr lang="ja-JP" altLang="en-US" smtClean="0"/>
               <a:t>レベル</a:t>
             </a:r>
-            <a:endParaRPr kumimoji="1" lang="ja-JP" altLang="en-US"/>
-          </a:p>
-        </p:txBody>
-      </p:sp>
-      <p:sp>
-        <p:nvSpPr>
-          <p:cNvPr id="7" name="日付プレースホルダー 6"/>
+            <a:endParaRPr lang="en-US" dirty="0"/>
+          </a:p>
+        </p:txBody>
+      </p:sp>
+      <p:sp>
+        <p:nvSpPr>
+          <p:cNvPr id="7" name="Date Placeholder 6"/>
           <p:cNvSpPr>
             <a:spLocks noGrp="1"/>
           </p:cNvSpPr>
@@ -1823,7 +5238,7 @@
       </p:sp>
       <p:sp>
         <p:nvSpPr>
-          <p:cNvPr id="8" name="フッター プレースホルダー 7"/>
+          <p:cNvPr id="8" name="Footer Placeholder 7"/>
           <p:cNvSpPr>
             <a:spLocks noGrp="1"/>
           </p:cNvSpPr>
@@ -1842,7 +5257,7 @@
       </p:sp>
       <p:sp>
         <p:nvSpPr>
-          <p:cNvPr id="9" name="スライド番号プレースホルダー 8"/>
+          <p:cNvPr id="9" name="Slide Number Placeholder 8"/>
           <p:cNvSpPr>
             <a:spLocks noGrp="1"/>
           </p:cNvSpPr>
@@ -1888,9 +5303,39 @@
           <a:chExt cx="0" cy="0"/>
         </a:xfrm>
       </p:grpSpPr>
-      <p:sp>
-        <p:nvSpPr>
-          <p:cNvPr id="2" name="タイトル 1"/>
+      <p:pic>
+        <p:nvPicPr>
+          <p:cNvPr id="8" name="Picture 7" descr="Droplets-HD-Content-R1d.png"/>
+          <p:cNvPicPr>
+            <a:picLocks noChangeAspect="1"/>
+          </p:cNvPicPr>
+          <p:nvPr/>
+        </p:nvPicPr>
+        <p:blipFill>
+          <a:blip r:embed="rId2">
+            <a:extLst>
+              <a:ext uri="{28A0092B-C50C-407E-A947-70E740481C1C}">
+                <a14:useLocalDpi xmlns:a14="http://schemas.microsoft.com/office/drawing/2010/main" val="0"/>
+              </a:ext>
+            </a:extLst>
+          </a:blip>
+          <a:stretch>
+            <a:fillRect/>
+          </a:stretch>
+        </p:blipFill>
+        <p:spPr>
+          <a:xfrm>
+            <a:off x="0" y="0"/>
+            <a:ext cx="12192000" cy="6858000"/>
+          </a:xfrm>
+          <a:prstGeom prst="rect">
+            <a:avLst/>
+          </a:prstGeom>
+        </p:spPr>
+      </p:pic>
+      <p:sp>
+        <p:nvSpPr>
+          <p:cNvPr id="2" name="Title 1"/>
           <p:cNvSpPr>
             <a:spLocks noGrp="1"/>
           </p:cNvSpPr>
@@ -1904,16 +5349,16 @@
           <a:lstStyle/>
           <a:p>
             <a:r>
-              <a:rPr kumimoji="1" lang="ja-JP" altLang="en-US" smtClean="0"/>
+              <a:rPr lang="ja-JP" altLang="en-US" smtClean="0"/>
               <a:t>マスター タイトルの書式設定</a:t>
             </a:r>
-            <a:endParaRPr kumimoji="1" lang="ja-JP" altLang="en-US"/>
-          </a:p>
-        </p:txBody>
-      </p:sp>
-      <p:sp>
-        <p:nvSpPr>
-          <p:cNvPr id="3" name="日付プレースホルダー 2"/>
+            <a:endParaRPr lang="en-US" dirty="0"/>
+          </a:p>
+        </p:txBody>
+      </p:sp>
+      <p:sp>
+        <p:nvSpPr>
+          <p:cNvPr id="3" name="Date Placeholder 2"/>
           <p:cNvSpPr>
             <a:spLocks noGrp="1"/>
           </p:cNvSpPr>
@@ -1936,7 +5381,7 @@
       </p:sp>
       <p:sp>
         <p:nvSpPr>
-          <p:cNvPr id="4" name="フッター プレースホルダー 3"/>
+          <p:cNvPr id="4" name="Footer Placeholder 3"/>
           <p:cNvSpPr>
             <a:spLocks noGrp="1"/>
           </p:cNvSpPr>
@@ -1955,7 +5400,7 @@
       </p:sp>
       <p:sp>
         <p:nvSpPr>
-          <p:cNvPr id="5" name="スライド番号プレースホルダー 4"/>
+          <p:cNvPr id="5" name="Slide Number Placeholder 4"/>
           <p:cNvSpPr>
             <a:spLocks noGrp="1"/>
           </p:cNvSpPr>
@@ -2001,9 +5446,39 @@
           <a:chExt cx="0" cy="0"/>
         </a:xfrm>
       </p:grpSpPr>
-      <p:sp>
-        <p:nvSpPr>
-          <p:cNvPr id="2" name="日付プレースホルダー 1"/>
+      <p:pic>
+        <p:nvPicPr>
+          <p:cNvPr id="7" name="Picture 6" descr="Droplets-HD-Content-R1d.png"/>
+          <p:cNvPicPr>
+            <a:picLocks noChangeAspect="1"/>
+          </p:cNvPicPr>
+          <p:nvPr/>
+        </p:nvPicPr>
+        <p:blipFill>
+          <a:blip r:embed="rId2">
+            <a:extLst>
+              <a:ext uri="{28A0092B-C50C-407E-A947-70E740481C1C}">
+                <a14:useLocalDpi xmlns:a14="http://schemas.microsoft.com/office/drawing/2010/main" val="0"/>
+              </a:ext>
+            </a:extLst>
+          </a:blip>
+          <a:stretch>
+            <a:fillRect/>
+          </a:stretch>
+        </p:blipFill>
+        <p:spPr>
+          <a:xfrm>
+            <a:off x="0" y="0"/>
+            <a:ext cx="12192000" cy="6858000"/>
+          </a:xfrm>
+          <a:prstGeom prst="rect">
+            <a:avLst/>
+          </a:prstGeom>
+        </p:spPr>
+      </p:pic>
+      <p:sp>
+        <p:nvSpPr>
+          <p:cNvPr id="2" name="Date Placeholder 1"/>
           <p:cNvSpPr>
             <a:spLocks noGrp="1"/>
           </p:cNvSpPr>
@@ -2026,7 +5501,7 @@
       </p:sp>
       <p:sp>
         <p:nvSpPr>
-          <p:cNvPr id="3" name="フッター プレースホルダー 2"/>
+          <p:cNvPr id="3" name="Footer Placeholder 2"/>
           <p:cNvSpPr>
             <a:spLocks noGrp="1"/>
           </p:cNvSpPr>
@@ -2045,7 +5520,7 @@
       </p:sp>
       <p:sp>
         <p:nvSpPr>
-          <p:cNvPr id="4" name="スライド番号プレースホルダー 3"/>
+          <p:cNvPr id="4" name="Slide Number Placeholder 3"/>
           <p:cNvSpPr>
             <a:spLocks noGrp="1"/>
           </p:cNvSpPr>
@@ -2096,9 +5571,39 @@
           <a:chExt cx="0" cy="0"/>
         </a:xfrm>
       </p:grpSpPr>
-      <p:sp>
-        <p:nvSpPr>
-          <p:cNvPr id="2" name="タイトル 1"/>
+      <p:pic>
+        <p:nvPicPr>
+          <p:cNvPr id="11" name="Picture 10" descr="Droplets-HD-Content-R1d.png"/>
+          <p:cNvPicPr>
+            <a:picLocks noChangeAspect="1"/>
+          </p:cNvPicPr>
+          <p:nvPr/>
+        </p:nvPicPr>
+        <p:blipFill>
+          <a:blip r:embed="rId2">
+            <a:extLst>
+              <a:ext uri="{28A0092B-C50C-407E-A947-70E740481C1C}">
+                <a14:useLocalDpi xmlns:a14="http://schemas.microsoft.com/office/drawing/2010/main" val="0"/>
+              </a:ext>
+            </a:extLst>
+          </a:blip>
+          <a:stretch>
+            <a:fillRect/>
+          </a:stretch>
+        </p:blipFill>
+        <p:spPr>
+          <a:xfrm>
+            <a:off x="0" y="0"/>
+            <a:ext cx="12192000" cy="6858000"/>
+          </a:xfrm>
+          <a:prstGeom prst="rect">
+            <a:avLst/>
+          </a:prstGeom>
+        </p:spPr>
+      </p:pic>
+      <p:sp>
+        <p:nvSpPr>
+          <p:cNvPr id="2" name="Title 1"/>
           <p:cNvSpPr>
             <a:spLocks noGrp="1"/>
           </p:cNvSpPr>
@@ -2108,163 +5613,135 @@
         </p:nvSpPr>
         <p:spPr>
           <a:xfrm>
-            <a:off x="839788" y="457200"/>
-            <a:ext cx="3932237" cy="1600200"/>
+            <a:off x="913775" y="609600"/>
+            <a:ext cx="3935688" cy="2023252"/>
           </a:xfrm>
         </p:spPr>
         <p:txBody>
           <a:bodyPr anchor="b"/>
           <a:lstStyle>
-            <a:lvl1pPr>
+            <a:lvl1pPr algn="ctr">
               <a:defRPr sz="3200"/>
             </a:lvl1pPr>
           </a:lstStyle>
           <a:p>
             <a:r>
-              <a:rPr kumimoji="1" lang="ja-JP" altLang="en-US" smtClean="0"/>
+              <a:rPr lang="ja-JP" altLang="en-US" smtClean="0"/>
               <a:t>マスター タイトルの書式設定</a:t>
             </a:r>
-            <a:endParaRPr kumimoji="1" lang="ja-JP" altLang="en-US"/>
-          </a:p>
-        </p:txBody>
-      </p:sp>
-      <p:sp>
-        <p:nvSpPr>
-          <p:cNvPr id="3" name="コンテンツ プレースホルダー 2"/>
-          <p:cNvSpPr>
-            <a:spLocks noGrp="1"/>
-          </p:cNvSpPr>
-          <p:nvPr>
-            <p:ph idx="1"/>
-          </p:nvPr>
-        </p:nvSpPr>
-        <p:spPr>
-          <a:xfrm>
-            <a:off x="5183188" y="987425"/>
-            <a:ext cx="6172200" cy="4873625"/>
+            <a:endParaRPr lang="en-US" dirty="0"/>
+          </a:p>
+        </p:txBody>
+      </p:sp>
+      <p:sp>
+        <p:nvSpPr>
+          <p:cNvPr id="10" name="Content Placeholder 2"/>
+          <p:cNvSpPr>
+            <a:spLocks noGrp="1"/>
+          </p:cNvSpPr>
+          <p:nvPr>
+            <p:ph sz="quarter" idx="13"/>
+          </p:nvPr>
+        </p:nvSpPr>
+        <p:spPr>
+          <a:xfrm>
+            <a:off x="5078062" y="609600"/>
+            <a:ext cx="6200163" cy="5181599"/>
+          </a:xfrm>
+        </p:spPr>
+        <p:txBody>
+          <a:bodyPr/>
+          <a:lstStyle/>
+          <a:p>
+            <a:pPr lvl="0"/>
+            <a:r>
+              <a:rPr lang="ja-JP" altLang="en-US" smtClean="0"/>
+              <a:t>マスター テキストの書式設定</a:t>
+            </a:r>
+          </a:p>
+          <a:p>
+            <a:pPr lvl="1"/>
+            <a:r>
+              <a:rPr lang="ja-JP" altLang="en-US" smtClean="0"/>
+              <a:t>第 </a:t>
+            </a:r>
+            <a:r>
+              <a:rPr lang="en-US" altLang="ja-JP" smtClean="0"/>
+              <a:t>2 </a:t>
+            </a:r>
+            <a:r>
+              <a:rPr lang="ja-JP" altLang="en-US" smtClean="0"/>
+              <a:t>レベル</a:t>
+            </a:r>
+          </a:p>
+          <a:p>
+            <a:pPr lvl="2"/>
+            <a:r>
+              <a:rPr lang="ja-JP" altLang="en-US" smtClean="0"/>
+              <a:t>第 </a:t>
+            </a:r>
+            <a:r>
+              <a:rPr lang="en-US" altLang="ja-JP" smtClean="0"/>
+              <a:t>3 </a:t>
+            </a:r>
+            <a:r>
+              <a:rPr lang="ja-JP" altLang="en-US" smtClean="0"/>
+              <a:t>レベル</a:t>
+            </a:r>
+          </a:p>
+          <a:p>
+            <a:pPr lvl="3"/>
+            <a:r>
+              <a:rPr lang="ja-JP" altLang="en-US" smtClean="0"/>
+              <a:t>第 </a:t>
+            </a:r>
+            <a:r>
+              <a:rPr lang="en-US" altLang="ja-JP" smtClean="0"/>
+              <a:t>4 </a:t>
+            </a:r>
+            <a:r>
+              <a:rPr lang="ja-JP" altLang="en-US" smtClean="0"/>
+              <a:t>レベル</a:t>
+            </a:r>
+          </a:p>
+          <a:p>
+            <a:pPr lvl="4"/>
+            <a:r>
+              <a:rPr lang="ja-JP" altLang="en-US" smtClean="0"/>
+              <a:t>第 </a:t>
+            </a:r>
+            <a:r>
+              <a:rPr lang="en-US" altLang="ja-JP" smtClean="0"/>
+              <a:t>5 </a:t>
+            </a:r>
+            <a:r>
+              <a:rPr lang="ja-JP" altLang="en-US" smtClean="0"/>
+              <a:t>レベル</a:t>
+            </a:r>
+            <a:endParaRPr lang="en-US" dirty="0"/>
+          </a:p>
+        </p:txBody>
+      </p:sp>
+      <p:sp>
+        <p:nvSpPr>
+          <p:cNvPr id="4" name="Text Placeholder 3"/>
+          <p:cNvSpPr>
+            <a:spLocks noGrp="1"/>
+          </p:cNvSpPr>
+          <p:nvPr>
+            <p:ph type="body" sz="half" idx="2"/>
+          </p:nvPr>
+        </p:nvSpPr>
+        <p:spPr>
+          <a:xfrm>
+            <a:off x="913774" y="2632852"/>
+            <a:ext cx="3935689" cy="3158348"/>
           </a:xfrm>
         </p:spPr>
         <p:txBody>
           <a:bodyPr/>
           <a:lstStyle>
-            <a:lvl1pPr>
-              <a:defRPr sz="3200"/>
-            </a:lvl1pPr>
-            <a:lvl2pPr>
-              <a:defRPr sz="2800"/>
-            </a:lvl2pPr>
-            <a:lvl3pPr>
-              <a:defRPr sz="2400"/>
-            </a:lvl3pPr>
-            <a:lvl4pPr>
-              <a:defRPr sz="2000"/>
-            </a:lvl4pPr>
-            <a:lvl5pPr>
-              <a:defRPr sz="2000"/>
-            </a:lvl5pPr>
-            <a:lvl6pPr>
-              <a:defRPr sz="2000"/>
-            </a:lvl6pPr>
-            <a:lvl7pPr>
-              <a:defRPr sz="2000"/>
-            </a:lvl7pPr>
-            <a:lvl8pPr>
-              <a:defRPr sz="2000"/>
-            </a:lvl8pPr>
-            <a:lvl9pPr>
-              <a:defRPr sz="2000"/>
-            </a:lvl9pPr>
-          </a:lstStyle>
-          <a:p>
-            <a:pPr lvl="0"/>
-            <a:r>
-              <a:rPr kumimoji="1" lang="ja-JP" altLang="en-US" smtClean="0"/>
-              <a:t>マスター テキストの書式設定</a:t>
-            </a:r>
-          </a:p>
-          <a:p>
-            <a:pPr lvl="1"/>
-            <a:r>
-              <a:rPr kumimoji="1" lang="ja-JP" altLang="en-US" smtClean="0"/>
-              <a:t>第 </a:t>
-            </a:r>
-            <a:r>
-              <a:rPr kumimoji="1" lang="en-US" altLang="ja-JP" smtClean="0"/>
-              <a:t>2 </a:t>
-            </a:r>
-            <a:r>
-              <a:rPr kumimoji="1" lang="ja-JP" altLang="en-US" smtClean="0"/>
-              <a:t>レベル</a:t>
-            </a:r>
-          </a:p>
-          <a:p>
-            <a:pPr lvl="2"/>
-            <a:r>
-              <a:rPr kumimoji="1" lang="ja-JP" altLang="en-US" smtClean="0"/>
-              <a:t>第 </a:t>
-            </a:r>
-            <a:r>
-              <a:rPr kumimoji="1" lang="en-US" altLang="ja-JP" smtClean="0"/>
-              <a:t>3 </a:t>
-            </a:r>
-            <a:r>
-              <a:rPr kumimoji="1" lang="ja-JP" altLang="en-US" smtClean="0"/>
-              <a:t>レベル</a:t>
-            </a:r>
-          </a:p>
-          <a:p>
-            <a:pPr lvl="3"/>
-            <a:r>
-              <a:rPr kumimoji="1" lang="ja-JP" altLang="en-US" smtClean="0"/>
-              <a:t>第 </a:t>
-            </a:r>
-            <a:r>
-              <a:rPr kumimoji="1" lang="en-US" altLang="ja-JP" smtClean="0"/>
-              <a:t>4 </a:t>
-            </a:r>
-            <a:r>
-              <a:rPr kumimoji="1" lang="ja-JP" altLang="en-US" smtClean="0"/>
-              <a:t>レベル</a:t>
-            </a:r>
-          </a:p>
-          <a:p>
-            <a:pPr lvl="4"/>
-            <a:r>
-              <a:rPr kumimoji="1" lang="ja-JP" altLang="en-US" smtClean="0"/>
-              <a:t>第 </a:t>
-            </a:r>
-            <a:r>
-              <a:rPr kumimoji="1" lang="en-US" altLang="ja-JP" smtClean="0"/>
-              <a:t>5 </a:t>
-            </a:r>
-            <a:r>
-              <a:rPr kumimoji="1" lang="ja-JP" altLang="en-US" smtClean="0"/>
-              <a:t>レベル</a:t>
-            </a:r>
-            <a:endParaRPr kumimoji="1" lang="ja-JP" altLang="en-US"/>
-          </a:p>
-        </p:txBody>
-      </p:sp>
-      <p:sp>
-        <p:nvSpPr>
-          <p:cNvPr id="4" name="テキスト プレースホルダー 3"/>
-          <p:cNvSpPr>
-            <a:spLocks noGrp="1"/>
-          </p:cNvSpPr>
-          <p:nvPr>
-            <p:ph type="body" sz="half" idx="2"/>
-          </p:nvPr>
-        </p:nvSpPr>
-        <p:spPr>
-          <a:xfrm>
-            <a:off x="839788" y="2057400"/>
-            <a:ext cx="3932237" cy="3811588"/>
-          </a:xfrm>
-        </p:spPr>
-        <p:txBody>
-          <a:bodyPr/>
-          <a:lstStyle>
-            <a:lvl1pPr marL="0" indent="0">
+            <a:lvl1pPr marL="0" indent="0" algn="ctr">
               <a:buNone/>
               <a:defRPr sz="1600"/>
             </a:lvl1pPr>
@@ -2304,7 +5781,7 @@
           <a:p>
             <a:pPr lvl="0"/>
             <a:r>
-              <a:rPr kumimoji="1" lang="ja-JP" altLang="en-US" smtClean="0"/>
+              <a:rPr lang="ja-JP" altLang="en-US" smtClean="0"/>
               <a:t>マスター テキストの書式設定</a:t>
             </a:r>
           </a:p>
@@ -2312,7 +5789,7 @@
       </p:sp>
       <p:sp>
         <p:nvSpPr>
-          <p:cNvPr id="5" name="日付プレースホルダー 4"/>
+          <p:cNvPr id="5" name="Date Placeholder 4"/>
           <p:cNvSpPr>
             <a:spLocks noGrp="1"/>
           </p:cNvSpPr>
@@ -2335,7 +5812,7 @@
       </p:sp>
       <p:sp>
         <p:nvSpPr>
-          <p:cNvPr id="6" name="フッター プレースホルダー 5"/>
+          <p:cNvPr id="6" name="Footer Placeholder 5"/>
           <p:cNvSpPr>
             <a:spLocks noGrp="1"/>
           </p:cNvSpPr>
@@ -2354,7 +5831,7 @@
       </p:sp>
       <p:sp>
         <p:nvSpPr>
-          <p:cNvPr id="7" name="スライド番号プレースホルダー 6"/>
+          <p:cNvPr id="7" name="Slide Number Placeholder 6"/>
           <p:cNvSpPr>
             <a:spLocks noGrp="1"/>
           </p:cNvSpPr>
@@ -2405,9 +5882,39 @@
           <a:chExt cx="0" cy="0"/>
         </a:xfrm>
       </p:grpSpPr>
-      <p:sp>
-        <p:nvSpPr>
-          <p:cNvPr id="2" name="タイトル 1"/>
+      <p:pic>
+        <p:nvPicPr>
+          <p:cNvPr id="10" name="Picture 9" descr="Droplets-HD-Content-R1d.png"/>
+          <p:cNvPicPr>
+            <a:picLocks noChangeAspect="1"/>
+          </p:cNvPicPr>
+          <p:nvPr/>
+        </p:nvPicPr>
+        <p:blipFill>
+          <a:blip r:embed="rId2">
+            <a:extLst>
+              <a:ext uri="{28A0092B-C50C-407E-A947-70E740481C1C}">
+                <a14:useLocalDpi xmlns:a14="http://schemas.microsoft.com/office/drawing/2010/main" val="0"/>
+              </a:ext>
+            </a:extLst>
+          </a:blip>
+          <a:stretch>
+            <a:fillRect/>
+          </a:stretch>
+        </p:blipFill>
+        <p:spPr>
+          <a:xfrm>
+            <a:off x="0" y="0"/>
+            <a:ext cx="12192000" cy="6858000"/>
+          </a:xfrm>
+          <a:prstGeom prst="rect">
+            <a:avLst/>
+          </a:prstGeom>
+        </p:spPr>
+      </p:pic>
+      <p:sp>
+        <p:nvSpPr>
+          <p:cNvPr id="2" name="Title 1"/>
           <p:cNvSpPr>
             <a:spLocks noGrp="1"/>
           </p:cNvSpPr>
@@ -2417,31 +5924,31 @@
         </p:nvSpPr>
         <p:spPr>
           <a:xfrm>
-            <a:off x="839788" y="457200"/>
-            <a:ext cx="3932237" cy="1600200"/>
+            <a:off x="913774" y="609600"/>
+            <a:ext cx="5934969" cy="2023254"/>
           </a:xfrm>
         </p:spPr>
         <p:txBody>
           <a:bodyPr anchor="b"/>
           <a:lstStyle>
-            <a:lvl1pPr>
+            <a:lvl1pPr algn="ctr">
               <a:defRPr sz="3200"/>
             </a:lvl1pPr>
           </a:lstStyle>
           <a:p>
             <a:r>
-              <a:rPr kumimoji="1" lang="ja-JP" altLang="en-US" smtClean="0"/>
+              <a:rPr lang="ja-JP" altLang="en-US" smtClean="0"/>
               <a:t>マスター タイトルの書式設定</a:t>
             </a:r>
-            <a:endParaRPr kumimoji="1" lang="ja-JP" altLang="en-US"/>
-          </a:p>
-        </p:txBody>
-      </p:sp>
-      <p:sp>
-        <p:nvSpPr>
-          <p:cNvPr id="3" name="図プレースホルダー 2"/>
-          <p:cNvSpPr>
-            <a:spLocks noGrp="1"/>
+            <a:endParaRPr lang="en-US" dirty="0"/>
+          </a:p>
+        </p:txBody>
+      </p:sp>
+      <p:sp>
+        <p:nvSpPr>
+          <p:cNvPr id="3" name="Picture Placeholder 2"/>
+          <p:cNvSpPr>
+            <a:spLocks noGrp="1" noChangeAspect="1"/>
           </p:cNvSpPr>
           <p:nvPr>
             <p:ph type="pic" idx="1"/>
@@ -2449,12 +5956,37 @@
         </p:nvSpPr>
         <p:spPr>
           <a:xfrm>
-            <a:off x="5183188" y="987425"/>
-            <a:ext cx="6172200" cy="4873625"/>
-          </a:xfrm>
-        </p:spPr>
-        <p:txBody>
-          <a:bodyPr/>
+            <a:off x="7424803" y="609601"/>
+            <a:ext cx="3255358" cy="5181600"/>
+          </a:xfrm>
+          <a:prstGeom prst="roundRect">
+            <a:avLst>
+              <a:gd name="adj" fmla="val 4943"/>
+            </a:avLst>
+          </a:prstGeom>
+          <a:noFill/>
+          <a:ln w="82550" cap="sq">
+            <a:solidFill>
+              <a:srgbClr val="EAEAEA"/>
+            </a:solidFill>
+            <a:miter lim="800000"/>
+          </a:ln>
+          <a:effectLst/>
+          <a:scene3d>
+            <a:camera prst="orthographicFront"/>
+            <a:lightRig rig="threePt" dir="t">
+              <a:rot lat="0" lon="0" rev="2700000"/>
+            </a:lightRig>
+          </a:scene3d>
+          <a:sp3d contourW="6350">
+            <a:bevelT h="38100"/>
+            <a:contourClr>
+              <a:srgbClr val="C0C0C0"/>
+            </a:contourClr>
+          </a:sp3d>
+        </p:spPr>
+        <p:txBody>
+          <a:bodyPr anchor="t"/>
           <a:lstStyle>
             <a:lvl1pPr marL="0" indent="0">
               <a:buNone/>
@@ -2494,13 +6026,17 @@
             </a:lvl9pPr>
           </a:lstStyle>
           <a:p>
-            <a:endParaRPr kumimoji="1" lang="ja-JP" altLang="en-US"/>
-          </a:p>
-        </p:txBody>
-      </p:sp>
-      <p:sp>
-        <p:nvSpPr>
-          <p:cNvPr id="4" name="テキスト プレースホルダー 3"/>
+            <a:r>
+              <a:rPr lang="ja-JP" altLang="en-US" smtClean="0"/>
+              <a:t>プレースホルダーまでドラッグするかアイコンをクリックして図を追加</a:t>
+            </a:r>
+            <a:endParaRPr lang="en-US" dirty="0"/>
+          </a:p>
+        </p:txBody>
+      </p:sp>
+      <p:sp>
+        <p:nvSpPr>
+          <p:cNvPr id="4" name="Text Placeholder 3"/>
           <p:cNvSpPr>
             <a:spLocks noGrp="1"/>
           </p:cNvSpPr>
@@ -2510,14 +6046,14 @@
         </p:nvSpPr>
         <p:spPr>
           <a:xfrm>
-            <a:off x="839788" y="2057400"/>
-            <a:ext cx="3932237" cy="3811588"/>
+            <a:off x="913794" y="2632852"/>
+            <a:ext cx="5934949" cy="3158347"/>
           </a:xfrm>
         </p:spPr>
         <p:txBody>
           <a:bodyPr/>
           <a:lstStyle>
-            <a:lvl1pPr marL="0" indent="0">
+            <a:lvl1pPr marL="0" indent="0" algn="ctr">
               <a:buNone/>
               <a:defRPr sz="1600"/>
             </a:lvl1pPr>
@@ -2557,7 +6093,7 @@
           <a:p>
             <a:pPr lvl="0"/>
             <a:r>
-              <a:rPr kumimoji="1" lang="ja-JP" altLang="en-US" smtClean="0"/>
+              <a:rPr lang="ja-JP" altLang="en-US" smtClean="0"/>
               <a:t>マスター テキストの書式設定</a:t>
             </a:r>
           </a:p>
@@ -2565,7 +6101,7 @@
       </p:sp>
       <p:sp>
         <p:nvSpPr>
-          <p:cNvPr id="5" name="日付プレースホルダー 4"/>
+          <p:cNvPr id="5" name="Date Placeholder 4"/>
           <p:cNvSpPr>
             <a:spLocks noGrp="1"/>
           </p:cNvSpPr>
@@ -2588,7 +6124,7 @@
       </p:sp>
       <p:sp>
         <p:nvSpPr>
-          <p:cNvPr id="6" name="フッター プレースホルダー 5"/>
+          <p:cNvPr id="6" name="Footer Placeholder 5"/>
           <p:cNvSpPr>
             <a:spLocks noGrp="1"/>
           </p:cNvSpPr>
@@ -2601,13 +6137,18 @@
           <a:bodyPr/>
           <a:lstStyle/>
           <a:p>
+            <a:r>
+              <a:rPr lang="en-US" smtClean="0"/>
+              <a:t>
+              </a:t>
+            </a:r>
             <a:endParaRPr lang="en-US" dirty="0"/>
           </a:p>
         </p:txBody>
       </p:sp>
       <p:sp>
         <p:nvSpPr>
-          <p:cNvPr id="7" name="スライド番号プレースホルダー 6"/>
+          <p:cNvPr id="7" name="Slide Number Placeholder 6"/>
           <p:cNvSpPr>
             <a:spLocks noGrp="1"/>
           </p:cNvSpPr>
@@ -2640,7 +6181,7 @@
 <p:sldMaster xmlns:a="http://schemas.openxmlformats.org/drawingml/2006/main" xmlns:r="http://schemas.openxmlformats.org/officeDocument/2006/relationships" xmlns:p="http://schemas.openxmlformats.org/presentationml/2006/main">
   <p:cSld>
     <p:bg>
-      <p:bgRef idx="1001">
+      <p:bgRef idx="1002">
         <a:schemeClr val="bg1"/>
       </p:bgRef>
     </p:bg>
@@ -2658,24 +6199,66 @@
           <a:chExt cx="0" cy="0"/>
         </a:xfrm>
       </p:grpSpPr>
-      <p:sp>
-        <p:nvSpPr>
-          <p:cNvPr id="2" name="タイトル プレースホルダー 1"/>
-          <p:cNvSpPr>
-            <a:spLocks noGrp="1"/>
-          </p:cNvSpPr>
-          <p:nvPr>
-            <p:ph type="title"/>
-          </p:nvPr>
-        </p:nvSpPr>
-        <p:spPr>
-          <a:xfrm>
-            <a:off x="838200" y="365125"/>
-            <a:ext cx="10515600" cy="1325563"/>
+      <p:pic>
+        <p:nvPicPr>
+          <p:cNvPr id="1026" name="Picture 2" descr="\\DROBO-FS\QuickDrops\JB\PPTX NG\Droplets\LightingOverlay.png"/>
+          <p:cNvPicPr>
+            <a:picLocks noChangeAspect="1" noChangeArrowheads="1"/>
+          </p:cNvPicPr>
+          <p:nvPr/>
+        </p:nvPicPr>
+        <p:blipFill>
+          <a:blip r:embed="rId19">
+            <a:alphaModFix/>
+            <a:extLst>
+              <a:ext uri="{28A0092B-C50C-407E-A947-70E740481C1C}">
+                <a14:useLocalDpi xmlns:a14="http://schemas.microsoft.com/office/drawing/2010/main" val="0"/>
+              </a:ext>
+            </a:extLst>
+          </a:blip>
+          <a:srcRect/>
+          <a:stretch>
+            <a:fillRect/>
+          </a:stretch>
+        </p:blipFill>
+        <p:spPr bwMode="auto">
+          <a:xfrm>
+            <a:off x="0" y="-1"/>
+            <a:ext cx="12192003" cy="6858001"/>
           </a:xfrm>
           <a:prstGeom prst="rect">
             <a:avLst/>
           </a:prstGeom>
+          <a:noFill/>
+          <a:extLst>
+            <a:ext uri="{909E8E84-426E-40DD-AFC4-6F175D3DCCD1}">
+              <a14:hiddenFill xmlns:a14="http://schemas.microsoft.com/office/drawing/2010/main">
+                <a:solidFill>
+                  <a:srgbClr val="FFFFFF"/>
+                </a:solidFill>
+              </a14:hiddenFill>
+            </a:ext>
+          </a:extLst>
+        </p:spPr>
+      </p:pic>
+      <p:sp>
+        <p:nvSpPr>
+          <p:cNvPr id="2" name="Title Placeholder 1"/>
+          <p:cNvSpPr>
+            <a:spLocks noGrp="1"/>
+          </p:cNvSpPr>
+          <p:nvPr>
+            <p:ph type="title"/>
+          </p:nvPr>
+        </p:nvSpPr>
+        <p:spPr>
+          <a:xfrm>
+            <a:off x="913775" y="618517"/>
+            <a:ext cx="10364451" cy="1596177"/>
+          </a:xfrm>
+          <a:prstGeom prst="rect">
+            <a:avLst/>
+          </a:prstGeom>
         </p:spPr>
         <p:txBody>
           <a:bodyPr vert="horz" lIns="91440" tIns="45720" rIns="91440" bIns="45720" rtlCol="0" anchor="ctr">
@@ -2684,16 +6267,16 @@
           <a:lstStyle/>
           <a:p>
             <a:r>
-              <a:rPr kumimoji="1" lang="ja-JP" altLang="en-US" smtClean="0"/>
+              <a:rPr lang="ja-JP" altLang="en-US" smtClean="0"/>
               <a:t>マスター タイトルの書式設定</a:t>
             </a:r>
-            <a:endParaRPr kumimoji="1" lang="ja-JP" altLang="en-US"/>
-          </a:p>
-        </p:txBody>
-      </p:sp>
-      <p:sp>
-        <p:nvSpPr>
-          <p:cNvPr id="3" name="テキスト プレースホルダー 2"/>
+            <a:endParaRPr lang="en-US" dirty="0"/>
+          </a:p>
+        </p:txBody>
+      </p:sp>
+      <p:sp>
+        <p:nvSpPr>
+          <p:cNvPr id="3" name="Text Placeholder 2"/>
           <p:cNvSpPr>
             <a:spLocks noGrp="1"/>
           </p:cNvSpPr>
@@ -2703,8 +6286,8 @@
         </p:nvSpPr>
         <p:spPr>
           <a:xfrm>
-            <a:off x="838200" y="1825625"/>
-            <a:ext cx="10515600" cy="4351338"/>
+            <a:off x="913775" y="2367093"/>
+            <a:ext cx="10364452" cy="3424107"/>
           </a:xfrm>
           <a:prstGeom prst="rect">
             <a:avLst/>
@@ -2718,76 +6301,76 @@
           <a:p>
             <a:pPr lvl="0"/>
             <a:r>
-              <a:rPr kumimoji="1" lang="ja-JP" altLang="en-US" smtClean="0"/>
+              <a:rPr lang="ja-JP" altLang="en-US" smtClean="0"/>
               <a:t>マスター テキストの書式設定</a:t>
             </a:r>
           </a:p>
           <a:p>
             <a:pPr lvl="1"/>
             <a:r>
-              <a:rPr kumimoji="1" lang="ja-JP" altLang="en-US" smtClean="0"/>
+              <a:rPr lang="ja-JP" altLang="en-US" smtClean="0"/>
               <a:t>第 </a:t>
             </a:r>
             <a:r>
-              <a:rPr kumimoji="1" lang="en-US" altLang="ja-JP" smtClean="0"/>
+              <a:rPr lang="en-US" altLang="ja-JP" smtClean="0"/>
               <a:t>2 </a:t>
             </a:r>
             <a:r>
-              <a:rPr kumimoji="1" lang="ja-JP" altLang="en-US" smtClean="0"/>
+              <a:rPr lang="ja-JP" altLang="en-US" smtClean="0"/>
               <a:t>レベル</a:t>
             </a:r>
           </a:p>
           <a:p>
             <a:pPr lvl="2"/>
             <a:r>
-              <a:rPr kumimoji="1" lang="ja-JP" altLang="en-US" smtClean="0"/>
+              <a:rPr lang="ja-JP" altLang="en-US" smtClean="0"/>
               <a:t>第 </a:t>
             </a:r>
             <a:r>
-              <a:rPr kumimoji="1" lang="en-US" altLang="ja-JP" smtClean="0"/>
+              <a:rPr lang="en-US" altLang="ja-JP" smtClean="0"/>
               <a:t>3 </a:t>
             </a:r>
             <a:r>
-              <a:rPr kumimoji="1" lang="ja-JP" altLang="en-US" smtClean="0"/>
+              <a:rPr lang="ja-JP" altLang="en-US" smtClean="0"/>
               <a:t>レベル</a:t>
             </a:r>
           </a:p>
           <a:p>
             <a:pPr lvl="3"/>
             <a:r>
-              <a:rPr kumimoji="1" lang="ja-JP" altLang="en-US" smtClean="0"/>
+              <a:rPr lang="ja-JP" altLang="en-US" smtClean="0"/>
               <a:t>第 </a:t>
             </a:r>
             <a:r>
-              <a:rPr kumimoji="1" lang="en-US" altLang="ja-JP" smtClean="0"/>
+              <a:rPr lang="en-US" altLang="ja-JP" smtClean="0"/>
               <a:t>4 </a:t>
             </a:r>
             <a:r>
-              <a:rPr kumimoji="1" lang="ja-JP" altLang="en-US" smtClean="0"/>
+              <a:rPr lang="ja-JP" altLang="en-US" smtClean="0"/>
               <a:t>レベル</a:t>
             </a:r>
           </a:p>
           <a:p>
             <a:pPr lvl="4"/>
             <a:r>
-              <a:rPr kumimoji="1" lang="ja-JP" altLang="en-US" smtClean="0"/>
+              <a:rPr lang="ja-JP" altLang="en-US" smtClean="0"/>
               <a:t>第 </a:t>
             </a:r>
             <a:r>
-              <a:rPr kumimoji="1" lang="en-US" altLang="ja-JP" smtClean="0"/>
+              <a:rPr lang="en-US" altLang="ja-JP" smtClean="0"/>
               <a:t>5 </a:t>
             </a:r>
             <a:r>
-              <a:rPr kumimoji="1" lang="ja-JP" altLang="en-US" smtClean="0"/>
+              <a:rPr lang="ja-JP" altLang="en-US" smtClean="0"/>
               <a:t>レベル</a:t>
             </a:r>
-            <a:endParaRPr kumimoji="1" lang="ja-JP" altLang="en-US"/>
-          </a:p>
-        </p:txBody>
-      </p:sp>
-      <p:sp>
-        <p:nvSpPr>
-          <p:cNvPr id="4" name="日付プレースホルダー 3"/>
+            <a:endParaRPr lang="en-US" dirty="0"/>
+          </a:p>
+        </p:txBody>
+      </p:sp>
+      <p:sp>
+        <p:nvSpPr>
+          <p:cNvPr id="4" name="Date Placeholder 3"/>
           <p:cNvSpPr>
             <a:spLocks noGrp="1"/>
           </p:cNvSpPr>
@@ -2797,7 +6380,7 @@
         </p:nvSpPr>
         <p:spPr>
           <a:xfrm>
-            <a:off x="838200" y="6356350"/>
+            <a:off x="7678737" y="5883275"/>
             <a:ext cx="2743200" cy="365125"/>
           </a:xfrm>
           <a:prstGeom prst="rect">
@@ -2807,12 +6390,10 @@
         <p:txBody>
           <a:bodyPr vert="horz" lIns="91440" tIns="45720" rIns="91440" bIns="45720" rtlCol="0" anchor="ctr"/>
           <a:lstStyle>
-            <a:lvl1pPr algn="l">
-              <a:defRPr sz="1200">
+            <a:lvl1pPr algn="r">
+              <a:defRPr sz="1000">
                 <a:solidFill>
-                  <a:schemeClr val="tx1">
-                    <a:tint val="75000"/>
-                  </a:schemeClr>
+                  <a:schemeClr val="tx1"/>
                 </a:solidFill>
               </a:defRPr>
             </a:lvl1pPr>
@@ -2828,7 +6409,7 @@
       </p:sp>
       <p:sp>
         <p:nvSpPr>
-          <p:cNvPr id="5" name="フッター プレースホルダー 4"/>
+          <p:cNvPr id="5" name="Footer Placeholder 4"/>
           <p:cNvSpPr>
             <a:spLocks noGrp="1"/>
           </p:cNvSpPr>
@@ -2838,8 +6419,8 @@
         </p:nvSpPr>
         <p:spPr>
           <a:xfrm>
-            <a:off x="4038600" y="6356350"/>
-            <a:ext cx="4114800" cy="365125"/>
+            <a:off x="913774" y="5883275"/>
+            <a:ext cx="6672887" cy="365125"/>
           </a:xfrm>
           <a:prstGeom prst="rect">
             <a:avLst/>
@@ -2848,12 +6429,10 @@
         <p:txBody>
           <a:bodyPr vert="horz" lIns="91440" tIns="45720" rIns="91440" bIns="45720" rtlCol="0" anchor="ctr"/>
           <a:lstStyle>
-            <a:lvl1pPr algn="ctr">
-              <a:defRPr sz="1200">
+            <a:lvl1pPr algn="l">
+              <a:defRPr sz="1000">
                 <a:solidFill>
-                  <a:schemeClr val="tx1">
-                    <a:tint val="75000"/>
-                  </a:schemeClr>
+                  <a:schemeClr val="tx1"/>
                 </a:solidFill>
               </a:defRPr>
             </a:lvl1pPr>
@@ -2865,7 +6444,7 @@
       </p:sp>
       <p:sp>
         <p:nvSpPr>
-          <p:cNvPr id="6" name="スライド番号プレースホルダー 5"/>
+          <p:cNvPr id="6" name="Slide Number Placeholder 5"/>
           <p:cNvSpPr>
             <a:spLocks noGrp="1"/>
           </p:cNvSpPr>
@@ -2875,8 +6454,8 @@
         </p:nvSpPr>
         <p:spPr>
           <a:xfrm>
-            <a:off x="8610600" y="6356350"/>
-            <a:ext cx="2743200" cy="365125"/>
+            <a:off x="10514011" y="5883275"/>
+            <a:ext cx="764215" cy="365125"/>
           </a:xfrm>
           <a:prstGeom prst="rect">
             <a:avLst/>
@@ -2886,11 +6465,9 @@
           <a:bodyPr vert="horz" lIns="91440" tIns="45720" rIns="91440" bIns="45720" rtlCol="0" anchor="ctr"/>
           <a:lstStyle>
             <a:lvl1pPr algn="r">
-              <a:defRPr sz="1200">
+              <a:defRPr sz="1000">
                 <a:solidFill>
-                  <a:schemeClr val="tx1">
-                    <a:tint val="75000"/>
-                  </a:schemeClr>
+                  <a:schemeClr val="tx1"/>
                 </a:solidFill>
               </a:defRPr>
             </a:lvl1pPr>
@@ -2907,27 +6484,33 @@
     </p:spTree>
     <p:extLst>
       <p:ext uri="{BB962C8B-B14F-4D97-AF65-F5344CB8AC3E}">
-        <p14:creationId xmlns:p14="http://schemas.microsoft.com/office/powerpoint/2010/main" val="1955632067"/>
+        <p14:creationId xmlns:p14="http://schemas.microsoft.com/office/powerpoint/2010/main" val="881948927"/>
       </p:ext>
     </p:extLst>
   </p:cSld>
   <p:clrMap bg1="lt1" tx1="dk1" bg2="lt2" tx2="dk2" accent1="accent1" accent2="accent2" accent3="accent3" accent4="accent4" accent5="accent5" accent6="accent6" hlink="hlink" folHlink="folHlink"/>
   <p:sldLayoutIdLst>
-    <p:sldLayoutId id="2147483781" r:id="rId1"/>
-    <p:sldLayoutId id="2147483782" r:id="rId2"/>
-    <p:sldLayoutId id="2147483783" r:id="rId3"/>
-    <p:sldLayoutId id="2147483784" r:id="rId4"/>
-    <p:sldLayoutId id="2147483785" r:id="rId5"/>
-    <p:sldLayoutId id="2147483786" r:id="rId6"/>
-    <p:sldLayoutId id="2147483787" r:id="rId7"/>
-    <p:sldLayoutId id="2147483788" r:id="rId8"/>
-    <p:sldLayoutId id="2147483789" r:id="rId9"/>
-    <p:sldLayoutId id="2147483790" r:id="rId10"/>
-    <p:sldLayoutId id="2147483791" r:id="rId11"/>
+    <p:sldLayoutId id="2147484057" r:id="rId1"/>
+    <p:sldLayoutId id="2147484058" r:id="rId2"/>
+    <p:sldLayoutId id="2147484059" r:id="rId3"/>
+    <p:sldLayoutId id="2147484060" r:id="rId4"/>
+    <p:sldLayoutId id="2147484061" r:id="rId5"/>
+    <p:sldLayoutId id="2147484062" r:id="rId6"/>
+    <p:sldLayoutId id="2147484063" r:id="rId7"/>
+    <p:sldLayoutId id="2147484064" r:id="rId8"/>
+    <p:sldLayoutId id="2147484065" r:id="rId9"/>
+    <p:sldLayoutId id="2147484066" r:id="rId10"/>
+    <p:sldLayoutId id="2147484067" r:id="rId11"/>
+    <p:sldLayoutId id="2147484068" r:id="rId12"/>
+    <p:sldLayoutId id="2147484069" r:id="rId13"/>
+    <p:sldLayoutId id="2147484070" r:id="rId14"/>
+    <p:sldLayoutId id="2147484071" r:id="rId15"/>
+    <p:sldLayoutId id="2147484072" r:id="rId16"/>
+    <p:sldLayoutId id="2147484073" r:id="rId17"/>
   </p:sldLayoutIdLst>
   <p:txStyles>
     <p:titleStyle>
-      <a:lvl1pPr algn="l" defTabSz="914400" rtl="0" eaLnBrk="1" latinLnBrk="0" hangingPunct="1">
+      <a:lvl1pPr algn="ctr" defTabSz="914400" rtl="0" eaLnBrk="1" latinLnBrk="0" hangingPunct="1">
         <a:lnSpc>
           <a:spcPct val="90000"/>
         </a:lnSpc>
@@ -2935,10 +6518,11 @@
           <a:spcPct val="0"/>
         </a:spcBef>
         <a:buNone/>
-        <a:defRPr kumimoji="1" sz="4400" kern="1200">
+        <a:defRPr kumimoji="1" sz="3600" kern="1200" cap="all" baseline="0">
           <a:solidFill>
             <a:schemeClr val="tx1"/>
           </a:solidFill>
+          <a:effectLst/>
           <a:latin typeface="+mj-lt"/>
           <a:ea typeface="+mj-ea"/>
           <a:cs typeface="+mj-cs"/>
@@ -2948,17 +6532,21 @@
     <p:bodyStyle>
       <a:lvl1pPr marL="228600" indent="-228600" algn="l" defTabSz="914400" rtl="0" eaLnBrk="1" latinLnBrk="0" hangingPunct="1">
         <a:lnSpc>
-          <a:spcPct val="90000"/>
+          <a:spcPct val="120000"/>
         </a:lnSpc>
         <a:spcBef>
           <a:spcPts val="1000"/>
         </a:spcBef>
-        <a:buFont typeface="Arial"/>
+        <a:buClr>
+          <a:schemeClr val="tx1"/>
+        </a:buClr>
+        <a:buFont typeface="Arial" panose="020B0604020202020204" pitchFamily="34" charset="0"/>
         <a:buChar char="•"/>
-        <a:defRPr kumimoji="1" sz="2800" kern="1200">
+        <a:defRPr kumimoji="1" sz="2000" kern="1200" cap="all" baseline="0">
           <a:solidFill>
             <a:schemeClr val="tx1"/>
           </a:solidFill>
+          <a:effectLst/>
           <a:latin typeface="+mn-lt"/>
           <a:ea typeface="+mn-ea"/>
           <a:cs typeface="+mn-cs"/>
@@ -2966,17 +6554,21 @@
       </a:lvl1pPr>
       <a:lvl2pPr marL="685800" indent="-228600" algn="l" defTabSz="914400" rtl="0" eaLnBrk="1" latinLnBrk="0" hangingPunct="1">
         <a:lnSpc>
-          <a:spcPct val="90000"/>
+          <a:spcPct val="120000"/>
         </a:lnSpc>
         <a:spcBef>
           <a:spcPts val="500"/>
         </a:spcBef>
-        <a:buFont typeface="Arial"/>
+        <a:buClr>
+          <a:schemeClr val="tx1"/>
+        </a:buClr>
+        <a:buFont typeface="Arial" panose="020B0604020202020204" pitchFamily="34" charset="0"/>
         <a:buChar char="•"/>
-        <a:defRPr kumimoji="1" sz="2400" kern="1200">
+        <a:defRPr kumimoji="1" sz="1800" kern="1200" cap="all" baseline="0">
           <a:solidFill>
             <a:schemeClr val="tx1"/>
           </a:solidFill>
+          <a:effectLst/>
           <a:latin typeface="+mn-lt"/>
           <a:ea typeface="+mn-ea"/>
           <a:cs typeface="+mn-cs"/>
@@ -2984,17 +6576,21 @@
       </a:lvl2pPr>
       <a:lvl3pPr marL="1143000" indent="-228600" algn="l" defTabSz="914400" rtl="0" eaLnBrk="1" latinLnBrk="0" hangingPunct="1">
         <a:lnSpc>
-          <a:spcPct val="90000"/>
+          <a:spcPct val="120000"/>
         </a:lnSpc>
         <a:spcBef>
           <a:spcPts val="500"/>
         </a:spcBef>
-        <a:buFont typeface="Arial"/>
+        <a:buClr>
+          <a:schemeClr val="tx1"/>
+        </a:buClr>
+        <a:buFont typeface="Arial" panose="020B0604020202020204" pitchFamily="34" charset="0"/>
         <a:buChar char="•"/>
-        <a:defRPr kumimoji="1" sz="2000" kern="1200">
+        <a:defRPr kumimoji="1" sz="1600" kern="1200" cap="all" baseline="0">
           <a:solidFill>
             <a:schemeClr val="tx1"/>
           </a:solidFill>
+          <a:effectLst/>
           <a:latin typeface="+mn-lt"/>
           <a:ea typeface="+mn-ea"/>
           <a:cs typeface="+mn-cs"/>
@@ -3002,17 +6598,21 @@
       </a:lvl3pPr>
       <a:lvl4pPr marL="1600200" indent="-228600" algn="l" defTabSz="914400" rtl="0" eaLnBrk="1" latinLnBrk="0" hangingPunct="1">
         <a:lnSpc>
-          <a:spcPct val="90000"/>
+          <a:spcPct val="120000"/>
         </a:lnSpc>
         <a:spcBef>
           <a:spcPts val="500"/>
         </a:spcBef>
-        <a:buFont typeface="Arial"/>
+        <a:buClr>
+          <a:schemeClr val="tx1"/>
+        </a:buClr>
+        <a:buFont typeface="Arial" panose="020B0604020202020204" pitchFamily="34" charset="0"/>
         <a:buChar char="•"/>
-        <a:defRPr kumimoji="1" sz="1800" kern="1200">
+        <a:defRPr kumimoji="1" sz="1400" kern="1200" cap="all" baseline="0">
           <a:solidFill>
             <a:schemeClr val="tx1"/>
           </a:solidFill>
+          <a:effectLst/>
           <a:latin typeface="+mn-lt"/>
           <a:ea typeface="+mn-ea"/>
           <a:cs typeface="+mn-cs"/>
@@ -3020,17 +6620,21 @@
       </a:lvl4pPr>
       <a:lvl5pPr marL="2057400" indent="-228600" algn="l" defTabSz="914400" rtl="0" eaLnBrk="1" latinLnBrk="0" hangingPunct="1">
         <a:lnSpc>
-          <a:spcPct val="90000"/>
+          <a:spcPct val="120000"/>
         </a:lnSpc>
         <a:spcBef>
           <a:spcPts val="500"/>
         </a:spcBef>
-        <a:buFont typeface="Arial"/>
+        <a:buClr>
+          <a:schemeClr val="tx1"/>
+        </a:buClr>
+        <a:buFont typeface="Arial" panose="020B0604020202020204" pitchFamily="34" charset="0"/>
         <a:buChar char="•"/>
-        <a:defRPr kumimoji="1" sz="1800" kern="1200">
+        <a:defRPr kumimoji="1" sz="1400" kern="1200" cap="all" baseline="0">
           <a:solidFill>
             <a:schemeClr val="tx1"/>
           </a:solidFill>
+          <a:effectLst/>
           <a:latin typeface="+mn-lt"/>
           <a:ea typeface="+mn-ea"/>
           <a:cs typeface="+mn-cs"/>
@@ -3038,17 +6642,21 @@
       </a:lvl5pPr>
       <a:lvl6pPr marL="2514600" indent="-228600" algn="l" defTabSz="914400" rtl="0" eaLnBrk="1" latinLnBrk="0" hangingPunct="1">
         <a:lnSpc>
-          <a:spcPct val="90000"/>
+          <a:spcPct val="120000"/>
         </a:lnSpc>
         <a:spcBef>
           <a:spcPts val="500"/>
         </a:spcBef>
-        <a:buFont typeface="Arial"/>
+        <a:buClr>
+          <a:schemeClr val="tx1"/>
+        </a:buClr>
+        <a:buFont typeface="Arial" panose="020B0604020202020204" pitchFamily="34" charset="0"/>
         <a:buChar char="•"/>
-        <a:defRPr kumimoji="1" sz="1800" kern="1200">
+        <a:defRPr kumimoji="1" sz="1400" kern="1200" cap="all" baseline="0">
           <a:solidFill>
             <a:schemeClr val="tx1"/>
           </a:solidFill>
+          <a:effectLst/>
           <a:latin typeface="+mn-lt"/>
           <a:ea typeface="+mn-ea"/>
           <a:cs typeface="+mn-cs"/>
@@ -3056,17 +6664,21 @@
       </a:lvl6pPr>
       <a:lvl7pPr marL="2971800" indent="-228600" algn="l" defTabSz="914400" rtl="0" eaLnBrk="1" latinLnBrk="0" hangingPunct="1">
         <a:lnSpc>
-          <a:spcPct val="90000"/>
+          <a:spcPct val="120000"/>
         </a:lnSpc>
         <a:spcBef>
           <a:spcPts val="500"/>
         </a:spcBef>
-        <a:buFont typeface="Arial"/>
+        <a:buClr>
+          <a:schemeClr val="tx1"/>
+        </a:buClr>
+        <a:buFont typeface="Arial" panose="020B0604020202020204" pitchFamily="34" charset="0"/>
         <a:buChar char="•"/>
-        <a:defRPr kumimoji="1" sz="1800" kern="1200">
+        <a:defRPr kumimoji="1" sz="1400" kern="1200" cap="all" baseline="0">
           <a:solidFill>
             <a:schemeClr val="tx1"/>
           </a:solidFill>
+          <a:effectLst/>
           <a:latin typeface="+mn-lt"/>
           <a:ea typeface="+mn-ea"/>
           <a:cs typeface="+mn-cs"/>
@@ -3074,17 +6686,21 @@
       </a:lvl7pPr>
       <a:lvl8pPr marL="3429000" indent="-228600" algn="l" defTabSz="914400" rtl="0" eaLnBrk="1" latinLnBrk="0" hangingPunct="1">
         <a:lnSpc>
-          <a:spcPct val="90000"/>
+          <a:spcPct val="120000"/>
         </a:lnSpc>
         <a:spcBef>
           <a:spcPts val="500"/>
         </a:spcBef>
-        <a:buFont typeface="Arial"/>
+        <a:buClr>
+          <a:schemeClr val="tx1"/>
+        </a:buClr>
+        <a:buFont typeface="Arial" panose="020B0604020202020204" pitchFamily="34" charset="0"/>
         <a:buChar char="•"/>
-        <a:defRPr kumimoji="1" sz="1800" kern="1200">
+        <a:defRPr kumimoji="1" sz="1400" kern="1200" cap="all" baseline="0">
           <a:solidFill>
             <a:schemeClr val="tx1"/>
           </a:solidFill>
+          <a:effectLst/>
           <a:latin typeface="+mn-lt"/>
           <a:ea typeface="+mn-ea"/>
           <a:cs typeface="+mn-cs"/>
@@ -3092,17 +6708,21 @@
       </a:lvl8pPr>
       <a:lvl9pPr marL="3886200" indent="-228600" algn="l" defTabSz="914400" rtl="0" eaLnBrk="1" latinLnBrk="0" hangingPunct="1">
         <a:lnSpc>
-          <a:spcPct val="90000"/>
+          <a:spcPct val="120000"/>
         </a:lnSpc>
         <a:spcBef>
           <a:spcPts val="500"/>
         </a:spcBef>
-        <a:buFont typeface="Arial"/>
+        <a:buClr>
+          <a:schemeClr val="tx1"/>
+        </a:buClr>
+        <a:buFont typeface="Arial" panose="020B0604020202020204" pitchFamily="34" charset="0"/>
         <a:buChar char="•"/>
-        <a:defRPr kumimoji="1" sz="1800" kern="1200">
+        <a:defRPr kumimoji="1" sz="1400" kern="1200" cap="all" baseline="0">
           <a:solidFill>
             <a:schemeClr val="tx1"/>
           </a:solidFill>
+          <a:effectLst/>
           <a:latin typeface="+mn-lt"/>
           <a:ea typeface="+mn-ea"/>
           <a:cs typeface="+mn-cs"/>
@@ -3111,7 +6731,7 @@
     </p:bodyStyle>
     <p:otherStyle>
       <a:defPPr>
-        <a:defRPr lang="ja-JP"/>
+        <a:defRPr lang="en-US"/>
       </a:defPPr>
       <a:lvl1pPr marL="0" algn="l" defTabSz="914400" rtl="0" eaLnBrk="1" latinLnBrk="0" hangingPunct="1">
         <a:defRPr kumimoji="1" sz="1800" kern="1200">
@@ -3337,6 +6957,13 @@
   <p:clrMapOvr>
     <a:masterClrMapping/>
   </p:clrMapOvr>
+  <p:timing>
+    <p:tnLst>
+      <p:par>
+        <p:cTn id="1" dur="indefinite" restart="never" nodeType="tmRoot"/>
+      </p:par>
+    </p:tnLst>
+  </p:timing>
 </p:sld>
 </file>
 
@@ -3367,229 +6994,128 @@
             <p:ph type="title"/>
           </p:nvPr>
         </p:nvSpPr>
-        <p:spPr/>
-        <p:txBody>
-          <a:bodyPr/>
-          <a:lstStyle/>
-          <a:p>
-            <a:r>
-              <a:rPr lang="ja-JP" altLang="en-US" dirty="0" smtClean="0">
-                <a:latin typeface="Meiryo" charset="-128"/>
-                <a:ea typeface="Meiryo" charset="-128"/>
-                <a:cs typeface="Meiryo" charset="-128"/>
-              </a:rPr>
-              <a:t>動機</a:t>
-            </a:r>
-            <a:endParaRPr kumimoji="1" lang="ja-JP" altLang="en-US" dirty="0">
-              <a:latin typeface="Meiryo" charset="-128"/>
-              <a:ea typeface="Meiryo" charset="-128"/>
-              <a:cs typeface="Meiryo" charset="-128"/>
-            </a:endParaRPr>
-          </a:p>
-        </p:txBody>
-      </p:sp>
-      <p:sp>
-        <p:nvSpPr>
-          <p:cNvPr id="3" name="コンテンツ プレースホルダー 2"/>
-          <p:cNvSpPr>
-            <a:spLocks noGrp="1"/>
-          </p:cNvSpPr>
-          <p:nvPr>
-            <p:ph idx="1"/>
-          </p:nvPr>
-        </p:nvSpPr>
-        <p:spPr>
-          <a:xfrm>
-            <a:off x="838200" y="1825625"/>
-            <a:ext cx="10515600" cy="515239"/>
+        <p:spPr>
+          <a:xfrm>
+            <a:off x="-1508792" y="1332958"/>
+            <a:ext cx="10364451" cy="1596177"/>
           </a:xfrm>
         </p:spPr>
         <p:txBody>
           <a:bodyPr>
-            <a:noAutofit/>
+            <a:normAutofit/>
           </a:bodyPr>
           <a:lstStyle/>
           <a:p>
             <a:r>
-              <a:rPr lang="ja-JP" altLang="en-US" sz="3200" dirty="0" smtClean="0">
+              <a:rPr kumimoji="1" lang="ja-JP" altLang="en-US" sz="6000" dirty="0" smtClean="0">
                 <a:solidFill>
                   <a:srgbClr val="FF0000"/>
                 </a:solidFill>
-                <a:latin typeface="Meiryo" charset="-128"/>
-                <a:ea typeface="Meiryo" charset="-128"/>
-                <a:cs typeface="Meiryo" charset="-128"/>
               </a:rPr>
-              <a:t>遠距離恋愛の支援</a:t>
-            </a:r>
-            <a:endParaRPr lang="en-US" altLang="ja-JP" sz="3200" dirty="0" smtClean="0">
-              <a:solidFill>
-                <a:srgbClr val="FF0000"/>
-              </a:solidFill>
-              <a:latin typeface="Meiryo" charset="-128"/>
-              <a:ea typeface="Meiryo" charset="-128"/>
-              <a:cs typeface="Meiryo" charset="-128"/>
+              <a:t>ひかる</a:t>
+            </a:r>
+            <a:r>
+              <a:rPr kumimoji="1" lang="ja-JP" altLang="en-US" sz="6000" dirty="0" smtClean="0"/>
+              <a:t>んとは・・・</a:t>
+            </a:r>
+            <a:endParaRPr kumimoji="1" lang="ja-JP" altLang="en-US" sz="6000" dirty="0"/>
+          </a:p>
+        </p:txBody>
+      </p:sp>
+      <p:sp>
+        <p:nvSpPr>
+          <p:cNvPr id="3" name="コンテンツ プレースホルダー 2"/>
+          <p:cNvSpPr>
+            <a:spLocks noGrp="1"/>
+          </p:cNvSpPr>
+          <p:nvPr>
+            <p:ph sz="quarter" idx="13"/>
+          </p:nvPr>
+        </p:nvSpPr>
+        <p:spPr>
+          <a:xfrm>
+            <a:off x="1139406" y="2929135"/>
+            <a:ext cx="10363826" cy="4801645"/>
+          </a:xfrm>
+        </p:spPr>
+        <p:txBody>
+          <a:bodyPr>
+            <a:normAutofit/>
+          </a:bodyPr>
+          <a:lstStyle/>
+          <a:p>
+            <a:r>
+              <a:rPr kumimoji="1" lang="ja-JP" altLang="en-US" sz="4000" strike="sngStrike" dirty="0" smtClean="0">
+                <a:effectLst>
+                  <a:outerShdw dir="5400000" sx="1000" sy="1000" algn="ctr" rotWithShape="0">
+                    <a:srgbClr val="000000"/>
+                  </a:outerShdw>
+                </a:effectLst>
+                <a:latin typeface="Hiragino Maru Gothic ProN W4" charset="-128"/>
+                <a:ea typeface="Hiragino Maru Gothic ProN W4" charset="-128"/>
+                <a:cs typeface="Hiragino Maru Gothic ProN W4" charset="-128"/>
+              </a:rPr>
+              <a:t>僕の彼女</a:t>
+            </a:r>
+            <a:endParaRPr kumimoji="1" lang="en-US" altLang="ja-JP" sz="4000" strike="sngStrike" dirty="0" smtClean="0">
+              <a:effectLst>
+                <a:outerShdw dir="5400000" sx="1000" sy="1000" algn="ctr" rotWithShape="0">
+                  <a:srgbClr val="000000"/>
+                </a:outerShdw>
+              </a:effectLst>
+              <a:latin typeface="Hiragino Maru Gothic ProN W4" charset="-128"/>
+              <a:ea typeface="Hiragino Maru Gothic ProN W4" charset="-128"/>
+              <a:cs typeface="Hiragino Maru Gothic ProN W4" charset="-128"/>
             </a:endParaRPr>
           </a:p>
-        </p:txBody>
-      </p:sp>
-      <p:sp>
-        <p:nvSpPr>
-          <p:cNvPr id="4" name="テキスト ボックス 3"/>
-          <p:cNvSpPr txBox="1"/>
-          <p:nvPr/>
-        </p:nvSpPr>
-        <p:spPr>
-          <a:xfrm>
-            <a:off x="838200" y="2890119"/>
-            <a:ext cx="10039928" cy="1938992"/>
-          </a:xfrm>
-          <a:prstGeom prst="rect">
-            <a:avLst/>
-          </a:prstGeom>
-          <a:noFill/>
-        </p:spPr>
-        <p:txBody>
-          <a:bodyPr wrap="none" rtlCol="0">
-            <a:spAutoFit/>
-          </a:bodyPr>
-          <a:lstStyle/>
-          <a:p>
-            <a:r>
-              <a:rPr lang="ja-JP" altLang="en-US" sz="3200" u="sng" dirty="0" smtClean="0">
-                <a:latin typeface="Meiryo" charset="-128"/>
-                <a:ea typeface="Meiryo" charset="-128"/>
-                <a:cs typeface="Meiryo" charset="-128"/>
+          <a:p>
+            <a:r>
+              <a:rPr kumimoji="1" lang="ja-JP" altLang="en-US" sz="4000" dirty="0" smtClean="0">
+                <a:latin typeface="Hiragino Maru Gothic ProN W4" charset="-128"/>
+                <a:ea typeface="Hiragino Maru Gothic ProN W4" charset="-128"/>
+                <a:cs typeface="Hiragino Maru Gothic ProN W4" charset="-128"/>
               </a:rPr>
-              <a:t>背景</a:t>
-            </a:r>
-            <a:endParaRPr kumimoji="1" lang="en-US" altLang="ja-JP" sz="3200" u="sng" dirty="0" smtClean="0">
-              <a:latin typeface="Meiryo" charset="-128"/>
-              <a:ea typeface="Meiryo" charset="-128"/>
-              <a:cs typeface="Meiryo" charset="-128"/>
+              <a:t>ライトを通じて遠距離間でコミュニケーションが取れるデバイス</a:t>
+            </a:r>
+            <a:endParaRPr kumimoji="1" lang="en-US" altLang="ja-JP" sz="4000" dirty="0" smtClean="0">
+              <a:latin typeface="Hiragino Maru Gothic ProN W4" charset="-128"/>
+              <a:ea typeface="Hiragino Maru Gothic ProN W4" charset="-128"/>
+              <a:cs typeface="Hiragino Maru Gothic ProN W4" charset="-128"/>
             </a:endParaRPr>
           </a:p>
           <a:p>
-            <a:r>
-              <a:rPr lang="en-US" altLang="ja-JP" sz="3200" dirty="0" smtClean="0">
-                <a:latin typeface="Meiryo" charset="-128"/>
-                <a:ea typeface="Meiryo" charset="-128"/>
-                <a:cs typeface="Meiryo" charset="-128"/>
-              </a:rPr>
-              <a:t>SNS</a:t>
-            </a:r>
-            <a:r>
-              <a:rPr lang="ja-JP" altLang="en-US" sz="3200" dirty="0" smtClean="0">
-                <a:latin typeface="Meiryo" charset="-128"/>
-                <a:ea typeface="Meiryo" charset="-128"/>
-                <a:cs typeface="Meiryo" charset="-128"/>
-              </a:rPr>
-              <a:t>やテレビ電話で遠くの人と気軽にやりとりできる</a:t>
-            </a:r>
-            <a:endParaRPr lang="en-US" altLang="ja-JP" sz="3200" dirty="0" smtClean="0">
-              <a:latin typeface="Meiryo" charset="-128"/>
-              <a:ea typeface="Meiryo" charset="-128"/>
-              <a:cs typeface="Meiryo" charset="-128"/>
+            <a:endParaRPr lang="en-US" altLang="ja-JP" sz="2400" dirty="0">
+              <a:latin typeface="Hiragino Maru Gothic ProN W4" charset="-128"/>
+              <a:ea typeface="Hiragino Maru Gothic ProN W4" charset="-128"/>
+              <a:cs typeface="Hiragino Maru Gothic ProN W4" charset="-128"/>
             </a:endParaRPr>
           </a:p>
           <a:p>
-            <a:r>
-              <a:rPr lang="ja-JP" altLang="en-US" sz="3200" dirty="0" smtClean="0">
-                <a:latin typeface="Meiryo" charset="-128"/>
-                <a:ea typeface="Meiryo" charset="-128"/>
-                <a:cs typeface="Meiryo" charset="-128"/>
-              </a:rPr>
-              <a:t>情報が多すぎてストレスにもなりうる</a:t>
-            </a:r>
-            <a:endParaRPr lang="en-US" altLang="ja-JP" sz="3200" dirty="0" smtClean="0">
-              <a:latin typeface="Meiryo" charset="-128"/>
-              <a:ea typeface="Meiryo" charset="-128"/>
-              <a:cs typeface="Meiryo" charset="-128"/>
+            <a:endParaRPr kumimoji="1" lang="ja-JP" altLang="en-US" sz="2400" dirty="0">
+              <a:latin typeface="Hiragino Maru Gothic ProN W4" charset="-128"/>
+              <a:ea typeface="Hiragino Maru Gothic ProN W4" charset="-128"/>
+              <a:cs typeface="Hiragino Maru Gothic ProN W4" charset="-128"/>
             </a:endParaRPr>
-          </a:p>
-          <a:p>
-            <a:endParaRPr kumimoji="1" lang="ja-JP" altLang="en-US" sz="2400" dirty="0">
-              <a:latin typeface="Meiryo" charset="-128"/>
-              <a:ea typeface="Meiryo" charset="-128"/>
-              <a:cs typeface="Meiryo" charset="-128"/>
-            </a:endParaRPr>
-          </a:p>
-        </p:txBody>
-      </p:sp>
-      <p:sp>
-        <p:nvSpPr>
-          <p:cNvPr id="5" name="テキスト ボックス 4"/>
-          <p:cNvSpPr txBox="1"/>
-          <p:nvPr/>
-        </p:nvSpPr>
-        <p:spPr>
-          <a:xfrm>
-            <a:off x="838200" y="4976030"/>
-            <a:ext cx="8392041" cy="1077218"/>
-          </a:xfrm>
-          <a:prstGeom prst="rect">
-            <a:avLst/>
-          </a:prstGeom>
-          <a:noFill/>
-        </p:spPr>
-        <p:txBody>
-          <a:bodyPr wrap="none" rtlCol="0">
-            <a:spAutoFit/>
-          </a:bodyPr>
-          <a:lstStyle/>
-          <a:p>
-            <a:r>
-              <a:rPr lang="ja-JP" altLang="en-US" sz="3200" dirty="0" smtClean="0">
-                <a:latin typeface="Meiryo" charset="-128"/>
-                <a:ea typeface="Meiryo" charset="-128"/>
-                <a:cs typeface="Meiryo" charset="-128"/>
-              </a:rPr>
-              <a:t>送り合うデータを</a:t>
-            </a:r>
-            <a:r>
-              <a:rPr lang="en-US" altLang="ja-JP" sz="3200" dirty="0" smtClean="0">
-                <a:latin typeface="Meiryo" charset="-128"/>
-                <a:ea typeface="Meiryo" charset="-128"/>
-                <a:cs typeface="Meiryo" charset="-128"/>
-              </a:rPr>
-              <a:t>LED</a:t>
-            </a:r>
-            <a:r>
-              <a:rPr lang="ja-JP" altLang="en-US" sz="3200" dirty="0" smtClean="0">
-                <a:latin typeface="Meiryo" charset="-128"/>
-                <a:ea typeface="Meiryo" charset="-128"/>
-                <a:cs typeface="Meiryo" charset="-128"/>
-              </a:rPr>
-              <a:t>の光だけにする</a:t>
-            </a:r>
-            <a:endParaRPr lang="en-US" altLang="ja-JP" sz="3200" dirty="0" smtClean="0">
-              <a:latin typeface="Meiryo" charset="-128"/>
-              <a:ea typeface="Meiryo" charset="-128"/>
-              <a:cs typeface="Meiryo" charset="-128"/>
-            </a:endParaRPr>
-          </a:p>
-          <a:p>
-            <a:r>
-              <a:rPr lang="ja-JP" altLang="en-US" sz="3200" dirty="0" smtClean="0">
-                <a:latin typeface="Meiryo" charset="-128"/>
-                <a:ea typeface="Meiryo" charset="-128"/>
-                <a:cs typeface="Meiryo" charset="-128"/>
-              </a:rPr>
-              <a:t>ストレスを感じずに他人とのつながりを実感</a:t>
-            </a:r>
-            <a:endParaRPr kumimoji="1" lang="ja-JP" altLang="en-US" sz="3200" dirty="0"/>
           </a:p>
         </p:txBody>
       </p:sp>
     </p:spTree>
     <p:extLst>
       <p:ext uri="{BB962C8B-B14F-4D97-AF65-F5344CB8AC3E}">
-        <p14:creationId xmlns:p14="http://schemas.microsoft.com/office/powerpoint/2010/main" val="781810661"/>
+        <p14:creationId xmlns:p14="http://schemas.microsoft.com/office/powerpoint/2010/main" val="310942684"/>
       </p:ext>
     </p:extLst>
   </p:cSld>
   <p:clrMapOvr>
     <a:masterClrMapping/>
   </p:clrMapOvr>
+  <p:timing>
+    <p:tnLst>
+      <p:par>
+        <p:cTn id="1" dur="indefinite" restart="never" nodeType="tmRoot"/>
+      </p:par>
+    </p:tnLst>
+  </p:timing>
 </p:sld>
 </file>
 
@@ -3626,12 +7152,12 @@
           <a:lstStyle/>
           <a:p>
             <a:r>
-              <a:rPr kumimoji="1" lang="ja-JP" altLang="en-US" dirty="0" smtClean="0">
+              <a:rPr lang="ja-JP" altLang="en-US" dirty="0" smtClean="0">
                 <a:latin typeface="Meiryo" charset="-128"/>
                 <a:ea typeface="Meiryo" charset="-128"/>
                 <a:cs typeface="Meiryo" charset="-128"/>
               </a:rPr>
-              <a:t>実装・工夫</a:t>
+              <a:t>動機</a:t>
             </a:r>
             <a:endParaRPr kumimoji="1" lang="ja-JP" altLang="en-US" dirty="0">
               <a:latin typeface="Meiryo" charset="-128"/>
@@ -3648,57 +7174,219 @@
             <a:spLocks noGrp="1"/>
           </p:cNvSpPr>
           <p:nvPr>
-            <p:ph idx="1"/>
-          </p:nvPr>
-        </p:nvSpPr>
-        <p:spPr/>
+            <p:ph sz="quarter" idx="13"/>
+          </p:nvPr>
+        </p:nvSpPr>
+        <p:spPr>
+          <a:xfrm>
+            <a:off x="838200" y="1825625"/>
+            <a:ext cx="10515600" cy="515239"/>
+          </a:xfrm>
+        </p:spPr>
         <p:txBody>
           <a:bodyPr>
-            <a:normAutofit/>
+            <a:noAutofit/>
           </a:bodyPr>
           <a:lstStyle/>
           <a:p>
             <a:r>
-              <a:rPr kumimoji="1" lang="ja-JP" altLang="en-US" sz="3200" dirty="0" smtClean="0">
+              <a:rPr lang="ja-JP" altLang="en-US" sz="3200" dirty="0" smtClean="0">
+                <a:solidFill>
+                  <a:srgbClr val="FF0000"/>
+                </a:solidFill>
                 <a:latin typeface="Meiryo" charset="-128"/>
                 <a:ea typeface="Meiryo" charset="-128"/>
                 <a:cs typeface="Meiryo" charset="-128"/>
               </a:rPr>
-              <a:t>インテリアとして使えるデザイン</a:t>
-            </a:r>
-            <a:endParaRPr kumimoji="1" lang="en-US" altLang="ja-JP" sz="3200" dirty="0" smtClean="0">
+              <a:t>遠距離恋愛の</a:t>
+            </a:r>
+            <a:r>
+              <a:rPr lang="ja-JP" altLang="en-US" sz="3200" dirty="0" smtClean="0">
+                <a:solidFill>
+                  <a:srgbClr val="FF0000"/>
+                </a:solidFill>
+                <a:latin typeface="Meiryo" charset="-128"/>
+                <a:ea typeface="Meiryo" charset="-128"/>
+                <a:cs typeface="Meiryo" charset="-128"/>
+              </a:rPr>
+              <a:t>支援</a:t>
+            </a:r>
+            <a:endParaRPr lang="en-US" altLang="ja-JP" sz="3200" dirty="0" smtClean="0">
+              <a:solidFill>
+                <a:srgbClr val="FF0000"/>
+              </a:solidFill>
               <a:latin typeface="Meiryo" charset="-128"/>
               <a:ea typeface="Meiryo" charset="-128"/>
               <a:cs typeface="Meiryo" charset="-128"/>
             </a:endParaRPr>
           </a:p>
-          <a:p>
+        </p:txBody>
+      </p:sp>
+      <p:sp>
+        <p:nvSpPr>
+          <p:cNvPr id="4" name="テキスト ボックス 3"/>
+          <p:cNvSpPr txBox="1"/>
+          <p:nvPr/>
+        </p:nvSpPr>
+        <p:spPr>
+          <a:xfrm>
+            <a:off x="838200" y="2890119"/>
+            <a:ext cx="10039928" cy="1938992"/>
+          </a:xfrm>
+          <a:prstGeom prst="rect">
+            <a:avLst/>
+          </a:prstGeom>
+          <a:noFill/>
+        </p:spPr>
+        <p:txBody>
+          <a:bodyPr wrap="none" rtlCol="0">
+            <a:spAutoFit/>
+          </a:bodyPr>
+          <a:lstStyle/>
+          <a:p>
+            <a:r>
+              <a:rPr lang="ja-JP" altLang="en-US" sz="3200" u="sng" dirty="0" smtClean="0">
+                <a:latin typeface="Meiryo" charset="-128"/>
+                <a:ea typeface="Meiryo" charset="-128"/>
+                <a:cs typeface="Meiryo" charset="-128"/>
+              </a:rPr>
+              <a:t>背景</a:t>
+            </a:r>
+            <a:endParaRPr kumimoji="1" lang="en-US" altLang="ja-JP" sz="3200" u="sng" dirty="0" smtClean="0">
+              <a:latin typeface="Meiryo" charset="-128"/>
+              <a:ea typeface="Meiryo" charset="-128"/>
+              <a:cs typeface="Meiryo" charset="-128"/>
+            </a:endParaRPr>
+          </a:p>
+          <a:p>
+            <a:r>
+              <a:rPr lang="en-US" altLang="ja-JP" sz="3200" dirty="0" smtClean="0">
+                <a:latin typeface="Meiryo" charset="-128"/>
+                <a:ea typeface="Meiryo" charset="-128"/>
+                <a:cs typeface="Meiryo" charset="-128"/>
+              </a:rPr>
+              <a:t>SNS</a:t>
+            </a:r>
             <a:r>
               <a:rPr lang="ja-JP" altLang="en-US" sz="3200" dirty="0" smtClean="0">
                 <a:latin typeface="Meiryo" charset="-128"/>
                 <a:ea typeface="Meiryo" charset="-128"/>
                 <a:cs typeface="Meiryo" charset="-128"/>
               </a:rPr>
-              <a:t>通信</a:t>
-            </a:r>
-            <a:endParaRPr kumimoji="1" lang="ja-JP" altLang="en-US" sz="3200" dirty="0">
+              <a:t>やテレビ電話で遠くの人と気軽にやりとりできる</a:t>
+            </a:r>
+            <a:endParaRPr lang="en-US" altLang="ja-JP" sz="3200" dirty="0" smtClean="0">
               <a:latin typeface="Meiryo" charset="-128"/>
               <a:ea typeface="Meiryo" charset="-128"/>
               <a:cs typeface="Meiryo" charset="-128"/>
             </a:endParaRPr>
           </a:p>
+          <a:p>
+            <a:r>
+              <a:rPr lang="ja-JP" altLang="en-US" sz="3200" dirty="0" smtClean="0">
+                <a:latin typeface="Meiryo" charset="-128"/>
+                <a:ea typeface="Meiryo" charset="-128"/>
+                <a:cs typeface="Meiryo" charset="-128"/>
+              </a:rPr>
+              <a:t>情報が多すぎてストレスにもなりうる</a:t>
+            </a:r>
+            <a:endParaRPr lang="en-US" altLang="ja-JP" sz="3200" dirty="0" smtClean="0">
+              <a:latin typeface="Meiryo" charset="-128"/>
+              <a:ea typeface="Meiryo" charset="-128"/>
+              <a:cs typeface="Meiryo" charset="-128"/>
+            </a:endParaRPr>
+          </a:p>
+          <a:p>
+            <a:endParaRPr kumimoji="1" lang="ja-JP" altLang="en-US" sz="2400" dirty="0">
+              <a:latin typeface="Meiryo" charset="-128"/>
+              <a:ea typeface="Meiryo" charset="-128"/>
+              <a:cs typeface="Meiryo" charset="-128"/>
+            </a:endParaRPr>
+          </a:p>
+        </p:txBody>
+      </p:sp>
+      <p:sp>
+        <p:nvSpPr>
+          <p:cNvPr id="5" name="テキスト ボックス 4"/>
+          <p:cNvSpPr txBox="1"/>
+          <p:nvPr/>
+        </p:nvSpPr>
+        <p:spPr>
+          <a:xfrm>
+            <a:off x="838200" y="4976030"/>
+            <a:ext cx="8392041" cy="1077218"/>
+          </a:xfrm>
+          <a:prstGeom prst="rect">
+            <a:avLst/>
+          </a:prstGeom>
+          <a:noFill/>
+        </p:spPr>
+        <p:txBody>
+          <a:bodyPr wrap="none" rtlCol="0">
+            <a:spAutoFit/>
+          </a:bodyPr>
+          <a:lstStyle/>
+          <a:p>
+            <a:r>
+              <a:rPr lang="ja-JP" altLang="en-US" sz="3200" dirty="0" smtClean="0">
+                <a:latin typeface="Meiryo" charset="-128"/>
+                <a:ea typeface="Meiryo" charset="-128"/>
+                <a:cs typeface="Meiryo" charset="-128"/>
+              </a:rPr>
+              <a:t>送り合うデータを</a:t>
+            </a:r>
+            <a:r>
+              <a:rPr lang="en-US" altLang="ja-JP" sz="3200" dirty="0" smtClean="0">
+                <a:latin typeface="Meiryo" charset="-128"/>
+                <a:ea typeface="Meiryo" charset="-128"/>
+                <a:cs typeface="Meiryo" charset="-128"/>
+              </a:rPr>
+              <a:t>LED</a:t>
+            </a:r>
+            <a:r>
+              <a:rPr lang="ja-JP" altLang="en-US" sz="3200" dirty="0" smtClean="0">
+                <a:latin typeface="Meiryo" charset="-128"/>
+                <a:ea typeface="Meiryo" charset="-128"/>
+                <a:cs typeface="Meiryo" charset="-128"/>
+              </a:rPr>
+              <a:t>の光だけにする</a:t>
+            </a:r>
+            <a:endParaRPr lang="en-US" altLang="ja-JP" sz="3200" dirty="0" smtClean="0">
+              <a:latin typeface="Meiryo" charset="-128"/>
+              <a:ea typeface="Meiryo" charset="-128"/>
+              <a:cs typeface="Meiryo" charset="-128"/>
+            </a:endParaRPr>
+          </a:p>
+          <a:p>
+            <a:r>
+              <a:rPr lang="ja-JP" altLang="en-US" sz="3200" dirty="0" smtClean="0">
+                <a:latin typeface="Meiryo" charset="-128"/>
+                <a:ea typeface="Meiryo" charset="-128"/>
+                <a:cs typeface="Meiryo" charset="-128"/>
+              </a:rPr>
+              <a:t>ストレスを感じずに他人とのつながりを実感</a:t>
+            </a:r>
+            <a:endParaRPr kumimoji="1" lang="ja-JP" altLang="en-US" sz="3200" dirty="0"/>
+          </a:p>
         </p:txBody>
       </p:sp>
     </p:spTree>
     <p:extLst>
       <p:ext uri="{BB962C8B-B14F-4D97-AF65-F5344CB8AC3E}">
-        <p14:creationId xmlns:p14="http://schemas.microsoft.com/office/powerpoint/2010/main" val="1942539568"/>
+        <p14:creationId xmlns:p14="http://schemas.microsoft.com/office/powerpoint/2010/main" val="781810661"/>
       </p:ext>
     </p:extLst>
   </p:cSld>
   <p:clrMapOvr>
     <a:masterClrMapping/>
   </p:clrMapOvr>
+  <p:timing>
+    <p:tnLst>
+      <p:par>
+        <p:cTn id="1" dur="indefinite" restart="never" nodeType="tmRoot"/>
+      </p:par>
+    </p:tnLst>
+  </p:timing>
 </p:sld>
 </file>
 
@@ -3729,6 +7417,230 @@
             <p:ph type="title"/>
           </p:nvPr>
         </p:nvSpPr>
+        <p:spPr>
+          <a:xfrm>
+            <a:off x="913775" y="618517"/>
+            <a:ext cx="10364451" cy="4784756"/>
+          </a:xfrm>
+        </p:spPr>
+        <p:txBody>
+          <a:bodyPr>
+            <a:normAutofit/>
+          </a:bodyPr>
+          <a:lstStyle/>
+          <a:p>
+            <a:r>
+              <a:rPr kumimoji="1" lang="ja-JP" altLang="en-US" sz="7200" dirty="0" smtClean="0"/>
+              <a:t>実演</a:t>
+            </a:r>
+            <a:endParaRPr kumimoji="1" lang="ja-JP" altLang="en-US" sz="7200" dirty="0"/>
+          </a:p>
+        </p:txBody>
+      </p:sp>
+      <p:sp>
+        <p:nvSpPr>
+          <p:cNvPr id="3" name="コンテンツ プレースホルダー 2"/>
+          <p:cNvSpPr>
+            <a:spLocks noGrp="1"/>
+          </p:cNvSpPr>
+          <p:nvPr>
+            <p:ph sz="quarter" idx="13"/>
+          </p:nvPr>
+        </p:nvSpPr>
+        <p:spPr>
+          <a:xfrm>
+            <a:off x="913774" y="5035137"/>
+            <a:ext cx="10363826" cy="756061"/>
+          </a:xfrm>
+        </p:spPr>
+        <p:txBody>
+          <a:bodyPr/>
+          <a:lstStyle/>
+          <a:p>
+            <a:pPr marL="0" marR="0" lvl="0" indent="0" defTabSz="914400" eaLnBrk="1" fontAlgn="auto" latinLnBrk="0" hangingPunct="1">
+              <a:lnSpc>
+                <a:spcPct val="100000"/>
+              </a:lnSpc>
+              <a:spcBef>
+                <a:spcPts val="0"/>
+              </a:spcBef>
+              <a:spcAft>
+                <a:spcPts val="0"/>
+              </a:spcAft>
+              <a:buClrTx/>
+              <a:buSzTx/>
+              <a:buFontTx/>
+              <a:buNone/>
+              <a:tabLst/>
+              <a:defRPr/>
+            </a:pPr>
+            <a:endParaRPr kumimoji="1" lang="ja-JP" altLang="en-US" dirty="0"/>
+          </a:p>
+        </p:txBody>
+      </p:sp>
+    </p:spTree>
+    <p:extLst>
+      <p:ext uri="{BB962C8B-B14F-4D97-AF65-F5344CB8AC3E}">
+        <p14:creationId xmlns:p14="http://schemas.microsoft.com/office/powerpoint/2010/main" val="983484495"/>
+      </p:ext>
+    </p:extLst>
+  </p:cSld>
+  <p:clrMapOvr>
+    <a:masterClrMapping/>
+  </p:clrMapOvr>
+  <p:timing>
+    <p:tnLst>
+      <p:par>
+        <p:cTn id="1" dur="indefinite" restart="never" nodeType="tmRoot"/>
+      </p:par>
+    </p:tnLst>
+  </p:timing>
+</p:sld>
+</file>
+
+<file path=ppt/slides/slide5.xml><?xml version="1.0" encoding="utf-8"?>
+<p:sld xmlns:a="http://schemas.openxmlformats.org/drawingml/2006/main" xmlns:r="http://schemas.openxmlformats.org/officeDocument/2006/relationships" xmlns:p="http://schemas.openxmlformats.org/presentationml/2006/main">
+  <p:cSld>
+    <p:spTree>
+      <p:nvGrpSpPr>
+        <p:cNvPr id="1" name=""/>
+        <p:cNvGrpSpPr/>
+        <p:nvPr/>
+      </p:nvGrpSpPr>
+      <p:grpSpPr>
+        <a:xfrm>
+          <a:off x="0" y="0"/>
+          <a:ext cx="0" cy="0"/>
+          <a:chOff x="0" y="0"/>
+          <a:chExt cx="0" cy="0"/>
+        </a:xfrm>
+      </p:grpSpPr>
+      <p:sp>
+        <p:nvSpPr>
+          <p:cNvPr id="2" name="タイトル 1"/>
+          <p:cNvSpPr>
+            <a:spLocks noGrp="1"/>
+          </p:cNvSpPr>
+          <p:nvPr>
+            <p:ph type="title"/>
+          </p:nvPr>
+        </p:nvSpPr>
+        <p:spPr/>
+        <p:txBody>
+          <a:bodyPr/>
+          <a:lstStyle/>
+          <a:p>
+            <a:r>
+              <a:rPr kumimoji="1" lang="ja-JP" altLang="en-US" dirty="0" smtClean="0">
+                <a:latin typeface="Meiryo" charset="-128"/>
+                <a:ea typeface="Meiryo" charset="-128"/>
+                <a:cs typeface="Meiryo" charset="-128"/>
+              </a:rPr>
+              <a:t>実装・工夫</a:t>
+            </a:r>
+            <a:endParaRPr kumimoji="1" lang="ja-JP" altLang="en-US" dirty="0">
+              <a:latin typeface="Meiryo" charset="-128"/>
+              <a:ea typeface="Meiryo" charset="-128"/>
+              <a:cs typeface="Meiryo" charset="-128"/>
+            </a:endParaRPr>
+          </a:p>
+        </p:txBody>
+      </p:sp>
+      <p:sp>
+        <p:nvSpPr>
+          <p:cNvPr id="3" name="コンテンツ プレースホルダー 2"/>
+          <p:cNvSpPr>
+            <a:spLocks noGrp="1"/>
+          </p:cNvSpPr>
+          <p:nvPr>
+            <p:ph sz="quarter" idx="13"/>
+          </p:nvPr>
+        </p:nvSpPr>
+        <p:spPr/>
+        <p:txBody>
+          <a:bodyPr>
+            <a:normAutofit/>
+          </a:bodyPr>
+          <a:lstStyle/>
+          <a:p>
+            <a:r>
+              <a:rPr kumimoji="1" lang="ja-JP" altLang="en-US" sz="3200" dirty="0" smtClean="0">
+                <a:latin typeface="Meiryo" charset="-128"/>
+                <a:ea typeface="Meiryo" charset="-128"/>
+                <a:cs typeface="Meiryo" charset="-128"/>
+              </a:rPr>
+              <a:t>インテリアとして使えるデザイン</a:t>
+            </a:r>
+            <a:endParaRPr kumimoji="1" lang="en-US" altLang="ja-JP" sz="3200" dirty="0" smtClean="0">
+              <a:latin typeface="Meiryo" charset="-128"/>
+              <a:ea typeface="Meiryo" charset="-128"/>
+              <a:cs typeface="Meiryo" charset="-128"/>
+            </a:endParaRPr>
+          </a:p>
+          <a:p>
+            <a:r>
+              <a:rPr lang="ja-JP" altLang="en-US" sz="3200" dirty="0" smtClean="0">
+                <a:latin typeface="Meiryo" charset="-128"/>
+                <a:ea typeface="Meiryo" charset="-128"/>
+                <a:cs typeface="Meiryo" charset="-128"/>
+              </a:rPr>
+              <a:t>通信</a:t>
+            </a:r>
+            <a:endParaRPr kumimoji="1" lang="ja-JP" altLang="en-US" sz="3200" dirty="0">
+              <a:latin typeface="Meiryo" charset="-128"/>
+              <a:ea typeface="Meiryo" charset="-128"/>
+              <a:cs typeface="Meiryo" charset="-128"/>
+            </a:endParaRPr>
+          </a:p>
+        </p:txBody>
+      </p:sp>
+    </p:spTree>
+    <p:extLst>
+      <p:ext uri="{BB962C8B-B14F-4D97-AF65-F5344CB8AC3E}">
+        <p14:creationId xmlns:p14="http://schemas.microsoft.com/office/powerpoint/2010/main" val="1942539568"/>
+      </p:ext>
+    </p:extLst>
+  </p:cSld>
+  <p:clrMapOvr>
+    <a:masterClrMapping/>
+  </p:clrMapOvr>
+  <p:timing>
+    <p:tnLst>
+      <p:par>
+        <p:cTn id="1" dur="indefinite" restart="never" nodeType="tmRoot"/>
+      </p:par>
+    </p:tnLst>
+  </p:timing>
+</p:sld>
+</file>
+
+<file path=ppt/slides/slide6.xml><?xml version="1.0" encoding="utf-8"?>
+<p:sld xmlns:a="http://schemas.openxmlformats.org/drawingml/2006/main" xmlns:r="http://schemas.openxmlformats.org/officeDocument/2006/relationships" xmlns:p="http://schemas.openxmlformats.org/presentationml/2006/main">
+  <p:cSld>
+    <p:spTree>
+      <p:nvGrpSpPr>
+        <p:cNvPr id="1" name=""/>
+        <p:cNvGrpSpPr/>
+        <p:nvPr/>
+      </p:nvGrpSpPr>
+      <p:grpSpPr>
+        <a:xfrm>
+          <a:off x="0" y="0"/>
+          <a:ext cx="0" cy="0"/>
+          <a:chOff x="0" y="0"/>
+          <a:chExt cx="0" cy="0"/>
+        </a:xfrm>
+      </p:grpSpPr>
+      <p:sp>
+        <p:nvSpPr>
+          <p:cNvPr id="2" name="タイトル 1"/>
+          <p:cNvSpPr>
+            <a:spLocks noGrp="1"/>
+          </p:cNvSpPr>
+          <p:nvPr>
+            <p:ph type="title"/>
+          </p:nvPr>
+        </p:nvSpPr>
         <p:spPr/>
         <p:txBody>
           <a:bodyPr/>
@@ -3757,7 +7669,7 @@
             <a:spLocks noGrp="1"/>
           </p:cNvSpPr>
           <p:nvPr>
-            <p:ph idx="1"/>
+            <p:ph sz="quarter" idx="13"/>
           </p:nvPr>
         </p:nvSpPr>
         <p:spPr/>
@@ -3780,7 +7692,30 @@
             </a:endParaRPr>
           </a:p>
           <a:p>
-            <a:endParaRPr lang="en-US" altLang="ja-JP" dirty="0" smtClean="0">
+            <a:r>
+              <a:rPr lang="ja-JP" altLang="en-US" sz="3200" dirty="0" smtClean="0">
+                <a:latin typeface="Meiryo" charset="-128"/>
+                <a:ea typeface="Meiryo" charset="-128"/>
+                <a:cs typeface="Meiryo" charset="-128"/>
+              </a:rPr>
+              <a:t>バッテリー内蔵</a:t>
+            </a:r>
+            <a:endParaRPr lang="en-US" altLang="ja-JP" sz="3200" dirty="0" smtClean="0">
+              <a:latin typeface="Meiryo" charset="-128"/>
+              <a:ea typeface="Meiryo" charset="-128"/>
+              <a:cs typeface="Meiryo" charset="-128"/>
+            </a:endParaRPr>
+          </a:p>
+          <a:p>
+            <a:r>
+              <a:rPr lang="ja-JP" altLang="en-US" sz="2400" dirty="0" smtClean="0">
+                <a:latin typeface="Meiryo" charset="-128"/>
+                <a:ea typeface="Meiryo" charset="-128"/>
+                <a:cs typeface="Meiryo" charset="-128"/>
+              </a:rPr>
+              <a:t>ひかると使用して実用化</a:t>
+            </a:r>
+            <a:endParaRPr lang="en-US" altLang="ja-JP" sz="2400" dirty="0" smtClean="0">
               <a:latin typeface="Meiryo" charset="-128"/>
               <a:ea typeface="Meiryo" charset="-128"/>
               <a:cs typeface="Meiryo" charset="-128"/>
@@ -3798,10 +7733,348 @@
   <p:clrMapOvr>
     <a:masterClrMapping/>
   </p:clrMapOvr>
+  <p:timing>
+    <p:tnLst>
+      <p:par>
+        <p:cTn id="1" dur="indefinite" restart="never" nodeType="tmRoot"/>
+      </p:par>
+    </p:tnLst>
+  </p:timing>
+</p:sld>
+</file>
+
+<file path=ppt/slides/slide7.xml><?xml version="1.0" encoding="utf-8"?>
+<p:sld xmlns:a="http://schemas.openxmlformats.org/drawingml/2006/main" xmlns:r="http://schemas.openxmlformats.org/officeDocument/2006/relationships" xmlns:p="http://schemas.openxmlformats.org/presentationml/2006/main">
+  <p:cSld>
+    <p:spTree>
+      <p:nvGrpSpPr>
+        <p:cNvPr id="1" name=""/>
+        <p:cNvGrpSpPr/>
+        <p:nvPr/>
+      </p:nvGrpSpPr>
+      <p:grpSpPr>
+        <a:xfrm>
+          <a:off x="0" y="0"/>
+          <a:ext cx="0" cy="0"/>
+          <a:chOff x="0" y="0"/>
+          <a:chExt cx="0" cy="0"/>
+        </a:xfrm>
+      </p:grpSpPr>
+      <p:sp>
+        <p:nvSpPr>
+          <p:cNvPr id="2" name="タイトル 1"/>
+          <p:cNvSpPr>
+            <a:spLocks noGrp="1"/>
+          </p:cNvSpPr>
+          <p:nvPr>
+            <p:ph type="title"/>
+          </p:nvPr>
+        </p:nvSpPr>
+        <p:spPr>
+          <a:xfrm>
+            <a:off x="1127529" y="2375090"/>
+            <a:ext cx="10364451" cy="1929686"/>
+          </a:xfrm>
+        </p:spPr>
+        <p:txBody>
+          <a:bodyPr>
+            <a:normAutofit/>
+          </a:bodyPr>
+          <a:lstStyle/>
+          <a:p>
+            <a:r>
+              <a:rPr lang="ja-JP" altLang="en-US" sz="7200" dirty="0" smtClean="0"/>
+              <a:t>ありがとうございました！</a:t>
+            </a:r>
+            <a:endParaRPr kumimoji="1" lang="ja-JP" altLang="en-US" sz="7200" dirty="0"/>
+          </a:p>
+        </p:txBody>
+      </p:sp>
+    </p:spTree>
+    <p:extLst>
+      <p:ext uri="{BB962C8B-B14F-4D97-AF65-F5344CB8AC3E}">
+        <p14:creationId xmlns:p14="http://schemas.microsoft.com/office/powerpoint/2010/main" val="1624197563"/>
+      </p:ext>
+    </p:extLst>
+  </p:cSld>
+  <p:clrMapOvr>
+    <a:masterClrMapping/>
+  </p:clrMapOvr>
+  <p:timing>
+    <p:tnLst>
+      <p:par>
+        <p:cTn id="1" dur="indefinite" restart="never" nodeType="tmRoot"/>
+      </p:par>
+    </p:tnLst>
+  </p:timing>
 </p:sld>
 </file>
 
 <file path=ppt/theme/theme1.xml><?xml version="1.0" encoding="utf-8"?>
+<a:theme xmlns:a="http://schemas.openxmlformats.org/drawingml/2006/main" name="しずく">
+  <a:themeElements>
+    <a:clrScheme name="しずく">
+      <a:dk1>
+        <a:sysClr val="windowText" lastClr="000000"/>
+      </a:dk1>
+      <a:lt1>
+        <a:sysClr val="window" lastClr="FFFFFF"/>
+      </a:lt1>
+      <a:dk2>
+        <a:srgbClr val="355071"/>
+      </a:dk2>
+      <a:lt2>
+        <a:srgbClr val="AABED7"/>
+      </a:lt2>
+      <a:accent1>
+        <a:srgbClr val="2FA3EE"/>
+      </a:accent1>
+      <a:accent2>
+        <a:srgbClr val="4BCAAD"/>
+      </a:accent2>
+      <a:accent3>
+        <a:srgbClr val="86C157"/>
+      </a:accent3>
+      <a:accent4>
+        <a:srgbClr val="D99C3F"/>
+      </a:accent4>
+      <a:accent5>
+        <a:srgbClr val="CE6633"/>
+      </a:accent5>
+      <a:accent6>
+        <a:srgbClr val="A35DD1"/>
+      </a:accent6>
+      <a:hlink>
+        <a:srgbClr val="56BCFE"/>
+      </a:hlink>
+      <a:folHlink>
+        <a:srgbClr val="97C5E3"/>
+      </a:folHlink>
+    </a:clrScheme>
+    <a:fontScheme name="しずく">
+      <a:majorFont>
+        <a:latin typeface="Tw Cen MT" panose="020B0602020104020603"/>
+        <a:ea typeface=""/>
+        <a:cs typeface=""/>
+        <a:font script="Jpan" typeface="ＭＳ Ｐゴシック"/>
+        <a:font script="Hang" typeface="맑은 고딕"/>
+        <a:font script="Hans" typeface="宋体"/>
+        <a:font script="Hant" typeface="新細明體"/>
+        <a:font script="Arab" typeface="Times New Roman"/>
+        <a:font script="Hebr" typeface="Times New Roman"/>
+        <a:font script="Thai" typeface="Angsana New"/>
+        <a:font script="Ethi" typeface="Nyala"/>
+        <a:font script="Beng" typeface="Vrinda"/>
+        <a:font script="Gujr" typeface="Shruti"/>
+        <a:font script="Khmr" typeface="MoolBoran"/>
+        <a:font script="Knda" typeface="Tunga"/>
+        <a:font script="Guru" typeface="Raavi"/>
+        <a:font script="Cans" typeface="Euphemia"/>
+        <a:font script="Cher" typeface="Plantagenet Cherokee"/>
+        <a:font script="Yiii" typeface="Microsoft Yi Baiti"/>
+        <a:font script="Tibt" typeface="Microsoft Himalaya"/>
+        <a:font script="Thaa" typeface="MV Boli"/>
+        <a:font script="Deva" typeface="Mangal"/>
+        <a:font script="Telu" typeface="Gautami"/>
+        <a:font script="Taml" typeface="Latha"/>
+        <a:font script="Syrc" typeface="Estrangelo Edessa"/>
+        <a:font script="Orya" typeface="Kalinga"/>
+        <a:font script="Mlym" typeface="Kartika"/>
+        <a:font script="Laoo" typeface="DokChampa"/>
+        <a:font script="Sinh" typeface="Iskoola Pota"/>
+        <a:font script="Mong" typeface="Mongolian Baiti"/>
+        <a:font script="Viet" typeface="Times New Roman"/>
+        <a:font script="Uigh" typeface="Microsoft Uighur"/>
+        <a:font script="Geor" typeface="Sylfaen"/>
+      </a:majorFont>
+      <a:minorFont>
+        <a:latin typeface="Tw Cen MT" panose="020B0602020104020603"/>
+        <a:ea typeface=""/>
+        <a:cs typeface=""/>
+        <a:font script="Jpan" typeface="ＭＳ Ｐゴシック"/>
+        <a:font script="Hang" typeface="맑은 고딕"/>
+        <a:font script="Hans" typeface="宋体"/>
+        <a:font script="Hant" typeface="新細明體"/>
+        <a:font script="Arab" typeface="Arial"/>
+        <a:font script="Hebr" typeface="Arial"/>
+        <a:font script="Thai" typeface="Cordia New"/>
+        <a:font script="Ethi" typeface="Nyala"/>
+        <a:font script="Beng" typeface="Vrinda"/>
+        <a:font script="Gujr" typeface="Shruti"/>
+        <a:font script="Khmr" typeface="DaunPenh"/>
+        <a:font script="Knda" typeface="Tunga"/>
+        <a:font script="Guru" typeface="Raavi"/>
+        <a:font script="Cans" typeface="Euphemia"/>
+        <a:font script="Cher" typeface="Plantagenet Cherokee"/>
+        <a:font script="Yiii" typeface="Microsoft Yi Baiti"/>
+        <a:font script="Tibt" typeface="Microsoft Himalaya"/>
+        <a:font script="Thaa" typeface="MV Boli"/>
+        <a:font script="Deva" typeface="Mangal"/>
+        <a:font script="Telu" typeface="Gautami"/>
+        <a:font script="Taml" typeface="Latha"/>
+        <a:font script="Syrc" typeface="Estrangelo Edessa"/>
+        <a:font script="Orya" typeface="Kalinga"/>
+        <a:font script="Mlym" typeface="Kartika"/>
+        <a:font script="Laoo" typeface="DokChampa"/>
+        <a:font script="Sinh" typeface="Iskoola Pota"/>
+        <a:font script="Mong" typeface="Mongolian Baiti"/>
+        <a:font script="Viet" typeface="Arial"/>
+        <a:font script="Uigh" typeface="Microsoft Uighur"/>
+        <a:font script="Geor" typeface="Sylfaen"/>
+      </a:minorFont>
+    </a:fontScheme>
+    <a:fmtScheme name="しずく">
+      <a:fillStyleLst>
+        <a:solidFill>
+          <a:schemeClr val="phClr"/>
+        </a:solidFill>
+        <a:solidFill>
+          <a:schemeClr val="phClr">
+            <a:tint val="69000"/>
+            <a:satMod val="105000"/>
+            <a:lumMod val="110000"/>
+          </a:schemeClr>
+        </a:solidFill>
+        <a:gradFill rotWithShape="1">
+          <a:gsLst>
+            <a:gs pos="0">
+              <a:schemeClr val="phClr">
+                <a:tint val="94000"/>
+                <a:satMod val="100000"/>
+                <a:lumMod val="108000"/>
+              </a:schemeClr>
+            </a:gs>
+            <a:gs pos="50000">
+              <a:schemeClr val="phClr">
+                <a:tint val="98000"/>
+                <a:shade val="100000"/>
+                <a:satMod val="100000"/>
+                <a:lumMod val="100000"/>
+              </a:schemeClr>
+            </a:gs>
+            <a:gs pos="100000">
+              <a:schemeClr val="phClr">
+                <a:shade val="72000"/>
+                <a:satMod val="120000"/>
+                <a:lumMod val="100000"/>
+              </a:schemeClr>
+            </a:gs>
+          </a:gsLst>
+          <a:lin ang="5400000" scaled="0"/>
+        </a:gradFill>
+      </a:fillStyleLst>
+      <a:lnStyleLst>
+        <a:ln w="9525" cap="flat" cmpd="sng" algn="ctr">
+          <a:solidFill>
+            <a:schemeClr val="phClr">
+              <a:shade val="60000"/>
+            </a:schemeClr>
+          </a:solidFill>
+          <a:prstDash val="solid"/>
+        </a:ln>
+        <a:ln w="15875" cap="flat" cmpd="sng" algn="ctr">
+          <a:solidFill>
+            <a:schemeClr val="phClr"/>
+          </a:solidFill>
+          <a:prstDash val="solid"/>
+        </a:ln>
+        <a:ln w="22225" cap="flat" cmpd="sng" algn="ctr">
+          <a:solidFill>
+            <a:schemeClr val="phClr"/>
+          </a:solidFill>
+          <a:prstDash val="solid"/>
+        </a:ln>
+      </a:lnStyleLst>
+      <a:effectStyleLst>
+        <a:effectStyle>
+          <a:effectLst/>
+        </a:effectStyle>
+        <a:effectStyle>
+          <a:effectLst>
+            <a:outerShdw blurRad="50800" dist="25400" dir="5400000" rotWithShape="0">
+              <a:srgbClr val="000000">
+                <a:alpha val="28000"/>
+              </a:srgbClr>
+            </a:outerShdw>
+          </a:effectLst>
+        </a:effectStyle>
+        <a:effectStyle>
+          <a:effectLst>
+            <a:outerShdw blurRad="63500" dist="25400" dir="5400000" algn="ctr" rotWithShape="0">
+              <a:srgbClr val="000000">
+                <a:alpha val="69000"/>
+              </a:srgbClr>
+            </a:outerShdw>
+          </a:effectLst>
+          <a:scene3d>
+            <a:camera prst="orthographicFront">
+              <a:rot lat="0" lon="0" rev="0"/>
+            </a:camera>
+            <a:lightRig rig="balanced" dir="t">
+              <a:rot lat="0" lon="0" rev="1200000"/>
+            </a:lightRig>
+          </a:scene3d>
+          <a:sp3d prstMaterial="plastic">
+            <a:bevelT w="25400" h="25400"/>
+          </a:sp3d>
+        </a:effectStyle>
+      </a:effectStyleLst>
+      <a:bgFillStyleLst>
+        <a:solidFill>
+          <a:schemeClr val="phClr"/>
+        </a:solidFill>
+        <a:gradFill rotWithShape="1">
+          <a:gsLst>
+            <a:gs pos="0">
+              <a:schemeClr val="phClr">
+                <a:tint val="90000"/>
+                <a:lumMod val="110000"/>
+              </a:schemeClr>
+            </a:gs>
+            <a:gs pos="100000">
+              <a:schemeClr val="phClr">
+                <a:shade val="64000"/>
+                <a:lumMod val="88000"/>
+              </a:schemeClr>
+            </a:gs>
+          </a:gsLst>
+          <a:lin ang="5400000" scaled="0"/>
+        </a:gradFill>
+        <a:gradFill rotWithShape="1">
+          <a:gsLst>
+            <a:gs pos="0">
+              <a:schemeClr val="phClr">
+                <a:tint val="84000"/>
+                <a:shade val="100000"/>
+                <a:hueMod val="130000"/>
+                <a:satMod val="150000"/>
+                <a:lumMod val="112000"/>
+              </a:schemeClr>
+            </a:gs>
+            <a:gs pos="100000">
+              <a:schemeClr val="phClr">
+                <a:shade val="92000"/>
+                <a:satMod val="140000"/>
+                <a:lumMod val="110000"/>
+              </a:schemeClr>
+            </a:gs>
+          </a:gsLst>
+          <a:lin ang="5400000" scaled="0"/>
+        </a:gradFill>
+      </a:bgFillStyleLst>
+    </a:fmtScheme>
+  </a:themeElements>
+  <a:objectDefaults/>
+  <a:extraClrSchemeLst/>
+  <a:extLst>
+    <a:ext uri="{05A4C25C-085E-4340-85A3-A5531E510DB2}">
+      <thm15:themeFamily xmlns:thm15="http://schemas.microsoft.com/office/thememl/2012/main" name="Droplet" id="{8984A317-299A-4E50-B45D-BFC9EDE2337A}" vid="{A633B6A3-9E7F-4C10-9C98-2517A3134361}"/>
+    </a:ext>
+  </a:extLst>
+</a:theme>
+</file>
+
+<file path=ppt/theme/theme2.xml><?xml version="1.0" encoding="utf-8"?>
 <a:theme xmlns:a="http://schemas.openxmlformats.org/drawingml/2006/main" name="ホワイト">
   <a:themeElements>
     <a:clrScheme name="Office">
